--- a/2024/slides/geodata.pptx
+++ b/2024/slides/geodata.pptx
@@ -1,25 +1,119 @@
 
 <file path=ppt/presentation.xml><?xml version="1.0" encoding="utf-8"?>
-<p:presentation xmlns:a="http://schemas.openxmlformats.org/drawingml/2006/main" xmlns:p="http://schemas.openxmlformats.org/presentationml/2006/main" xmlns:r="http://schemas.openxmlformats.org/officeDocument/2006/relationships" xmlns:p14="http://schemas.microsoft.com/office/powerpoint/2010/main" xmlns:p15="http://schemas.microsoft.com/office/powerpoint/2012/main" xmlns:mc="http://schemas.openxmlformats.org/markup-compatibility/2006">
+<p:presentation xmlns:a="http://schemas.openxmlformats.org/drawingml/2006/main" xmlns:r="http://schemas.openxmlformats.org/officeDocument/2006/relationships" xmlns:p="http://schemas.openxmlformats.org/presentationml/2006/main">
   <p:sldMasterIdLst>
-    <p:sldMasterId id="2147483648" r:id="rId2"/>
-    <p:sldMasterId id="2147483661" r:id="rId3"/>
+    <p:sldMasterId id="2147483648" r:id="rId1"/>
+    <p:sldMasterId id="2147483661" r:id="rId2"/>
   </p:sldMasterIdLst>
   <p:sldIdLst>
-    <p:sldId id="256" r:id="rId4"/>
-    <p:sldId id="257" r:id="rId5"/>
-    <p:sldId id="258" r:id="rId6"/>
-    <p:sldId id="259" r:id="rId7"/>
-    <p:sldId id="260" r:id="rId8"/>
-    <p:sldId id="261" r:id="rId9"/>
+    <p:sldId id="256" r:id="rId3"/>
+    <p:sldId id="257" r:id="rId4"/>
+    <p:sldId id="258" r:id="rId5"/>
+    <p:sldId id="259" r:id="rId6"/>
+    <p:sldId id="260" r:id="rId7"/>
   </p:sldIdLst>
   <p:sldSz cx="12192000" cy="6858000"/>
   <p:notesSz cx="7559675" cy="10691813"/>
+  <p:defaultTextStyle>
+    <a:defPPr>
+      <a:defRPr lang="en-US"/>
+    </a:defPPr>
+    <a:lvl1pPr marL="0" algn="l" defTabSz="914400" rtl="0" eaLnBrk="1" latinLnBrk="0" hangingPunct="1">
+      <a:defRPr sz="1800" kern="1200">
+        <a:solidFill>
+          <a:schemeClr val="tx1"/>
+        </a:solidFill>
+        <a:latin typeface="+mn-lt"/>
+        <a:ea typeface="+mn-ea"/>
+        <a:cs typeface="+mn-cs"/>
+      </a:defRPr>
+    </a:lvl1pPr>
+    <a:lvl2pPr marL="457200" algn="l" defTabSz="914400" rtl="0" eaLnBrk="1" latinLnBrk="0" hangingPunct="1">
+      <a:defRPr sz="1800" kern="1200">
+        <a:solidFill>
+          <a:schemeClr val="tx1"/>
+        </a:solidFill>
+        <a:latin typeface="+mn-lt"/>
+        <a:ea typeface="+mn-ea"/>
+        <a:cs typeface="+mn-cs"/>
+      </a:defRPr>
+    </a:lvl2pPr>
+    <a:lvl3pPr marL="914400" algn="l" defTabSz="914400" rtl="0" eaLnBrk="1" latinLnBrk="0" hangingPunct="1">
+      <a:defRPr sz="1800" kern="1200">
+        <a:solidFill>
+          <a:schemeClr val="tx1"/>
+        </a:solidFill>
+        <a:latin typeface="+mn-lt"/>
+        <a:ea typeface="+mn-ea"/>
+        <a:cs typeface="+mn-cs"/>
+      </a:defRPr>
+    </a:lvl3pPr>
+    <a:lvl4pPr marL="1371600" algn="l" defTabSz="914400" rtl="0" eaLnBrk="1" latinLnBrk="0" hangingPunct="1">
+      <a:defRPr sz="1800" kern="1200">
+        <a:solidFill>
+          <a:schemeClr val="tx1"/>
+        </a:solidFill>
+        <a:latin typeface="+mn-lt"/>
+        <a:ea typeface="+mn-ea"/>
+        <a:cs typeface="+mn-cs"/>
+      </a:defRPr>
+    </a:lvl4pPr>
+    <a:lvl5pPr marL="1828800" algn="l" defTabSz="914400" rtl="0" eaLnBrk="1" latinLnBrk="0" hangingPunct="1">
+      <a:defRPr sz="1800" kern="1200">
+        <a:solidFill>
+          <a:schemeClr val="tx1"/>
+        </a:solidFill>
+        <a:latin typeface="+mn-lt"/>
+        <a:ea typeface="+mn-ea"/>
+        <a:cs typeface="+mn-cs"/>
+      </a:defRPr>
+    </a:lvl5pPr>
+    <a:lvl6pPr marL="2286000" algn="l" defTabSz="914400" rtl="0" eaLnBrk="1" latinLnBrk="0" hangingPunct="1">
+      <a:defRPr sz="1800" kern="1200">
+        <a:solidFill>
+          <a:schemeClr val="tx1"/>
+        </a:solidFill>
+        <a:latin typeface="+mn-lt"/>
+        <a:ea typeface="+mn-ea"/>
+        <a:cs typeface="+mn-cs"/>
+      </a:defRPr>
+    </a:lvl6pPr>
+    <a:lvl7pPr marL="2743200" algn="l" defTabSz="914400" rtl="0" eaLnBrk="1" latinLnBrk="0" hangingPunct="1">
+      <a:defRPr sz="1800" kern="1200">
+        <a:solidFill>
+          <a:schemeClr val="tx1"/>
+        </a:solidFill>
+        <a:latin typeface="+mn-lt"/>
+        <a:ea typeface="+mn-ea"/>
+        <a:cs typeface="+mn-cs"/>
+      </a:defRPr>
+    </a:lvl7pPr>
+    <a:lvl8pPr marL="3200400" algn="l" defTabSz="914400" rtl="0" eaLnBrk="1" latinLnBrk="0" hangingPunct="1">
+      <a:defRPr sz="1800" kern="1200">
+        <a:solidFill>
+          <a:schemeClr val="tx1"/>
+        </a:solidFill>
+        <a:latin typeface="+mn-lt"/>
+        <a:ea typeface="+mn-ea"/>
+        <a:cs typeface="+mn-cs"/>
+      </a:defRPr>
+    </a:lvl8pPr>
+    <a:lvl9pPr marL="3657600" algn="l" defTabSz="914400" rtl="0" eaLnBrk="1" latinLnBrk="0" hangingPunct="1">
+      <a:defRPr sz="1800" kern="1200">
+        <a:solidFill>
+          <a:schemeClr val="tx1"/>
+        </a:solidFill>
+        <a:latin typeface="+mn-lt"/>
+        <a:ea typeface="+mn-ea"/>
+        <a:cs typeface="+mn-cs"/>
+      </a:defRPr>
+    </a:lvl9pPr>
+  </p:defaultTextStyle>
 </p:presentation>
 </file>
 
 <file path=ppt/slideLayouts/slideLayout1.xml><?xml version="1.0" encoding="utf-8"?>
-<p:sldLayout xmlns:a="http://schemas.openxmlformats.org/drawingml/2006/main" xmlns:p="http://schemas.openxmlformats.org/presentationml/2006/main" xmlns:r="http://schemas.openxmlformats.org/officeDocument/2006/relationships" xmlns:p14="http://schemas.microsoft.com/office/powerpoint/2010/main" xmlns:p15="http://schemas.microsoft.com/office/powerpoint/2012/main" xmlns:mc="http://schemas.openxmlformats.org/markup-compatibility/2006" type="blank" preserve="1">
+<p:sldLayout xmlns:a="http://schemas.openxmlformats.org/drawingml/2006/main" xmlns:r="http://schemas.openxmlformats.org/officeDocument/2006/relationships" xmlns:p="http://schemas.openxmlformats.org/presentationml/2006/main" type="blank" preserve="1">
   <p:cSld name="Blank Slide">
     <p:spTree>
       <p:nvGrpSpPr>
@@ -48,21 +142,22 @@
         <p:spPr/>
         <p:txBody>
           <a:bodyPr/>
-          <a:p>
-            <a:r>
-              <a:rPr lang="en-US"/>
-              <a:t/>
-            </a:r>
+          <a:lstStyle/>
+          <a:p>
+            <a:endParaRPr/>
           </a:p>
         </p:txBody>
       </p:sp>
     </p:spTree>
   </p:cSld>
+  <p:clrMapOvr>
+    <a:masterClrMapping/>
+  </p:clrMapOvr>
 </p:sldLayout>
 </file>
 
 <file path=ppt/slideLayouts/slideLayout10.xml><?xml version="1.0" encoding="utf-8"?>
-<p:sldLayout xmlns:a="http://schemas.openxmlformats.org/drawingml/2006/main" xmlns:p="http://schemas.openxmlformats.org/presentationml/2006/main" xmlns:r="http://schemas.openxmlformats.org/officeDocument/2006/relationships" xmlns:p14="http://schemas.microsoft.com/office/powerpoint/2010/main" xmlns:p15="http://schemas.microsoft.com/office/powerpoint/2012/main" xmlns:mc="http://schemas.openxmlformats.org/markup-compatibility/2006" type="objOverTx" preserve="1">
+<p:sldLayout xmlns:a="http://schemas.openxmlformats.org/drawingml/2006/main" xmlns:r="http://schemas.openxmlformats.org/officeDocument/2006/relationships" xmlns:p="http://schemas.openxmlformats.org/presentationml/2006/main" type="objOverTx" preserve="1">
   <p:cSld name="Title, Content over Content">
     <p:spTree>
       <p:nvGrpSpPr>
@@ -102,14 +197,15 @@
           </a:ln>
         </p:spPr>
         <p:txBody>
-          <a:bodyPr lIns="0" rIns="0" tIns="0" bIns="0" anchor="ctr">
+          <a:bodyPr lIns="0" tIns="0" rIns="0" bIns="0" anchor="ctr">
             <a:noAutofit/>
           </a:bodyPr>
+          <a:lstStyle/>
           <a:p>
             <a:pPr algn="ctr">
               <a:buNone/>
             </a:pPr>
-            <a:endParaRPr b="0" lang="en-US" sz="4400" spc="-1" strike="noStrike">
+            <a:endParaRPr lang="en-US" sz="4400" b="0" strike="noStrike" spc="-1">
               <a:latin typeface="Arial"/>
             </a:endParaRPr>
           </a:p>
@@ -139,11 +235,12 @@
           </a:ln>
         </p:spPr>
         <p:txBody>
-          <a:bodyPr lIns="0" rIns="0" tIns="0" bIns="0" anchor="t">
+          <a:bodyPr lIns="0" tIns="0" rIns="0" bIns="0" anchor="t">
             <a:normAutofit/>
           </a:bodyPr>
-          <a:p>
-            <a:endParaRPr b="0" lang="en-US" sz="3200" spc="-1" strike="noStrike">
+          <a:lstStyle/>
+          <a:p>
+            <a:endParaRPr lang="en-US" sz="3200" b="0" strike="noStrike" spc="-1">
               <a:latin typeface="Arial"/>
             </a:endParaRPr>
           </a:p>
@@ -173,11 +270,12 @@
           </a:ln>
         </p:spPr>
         <p:txBody>
-          <a:bodyPr lIns="0" rIns="0" tIns="0" bIns="0" anchor="t">
+          <a:bodyPr lIns="0" tIns="0" rIns="0" bIns="0" anchor="t">
             <a:normAutofit/>
           </a:bodyPr>
-          <a:p>
-            <a:endParaRPr b="0" lang="en-US" sz="3200" spc="-1" strike="noStrike">
+          <a:lstStyle/>
+          <a:p>
+            <a:endParaRPr lang="en-US" sz="3200" b="0" strike="noStrike" spc="-1">
               <a:latin typeface="Arial"/>
             </a:endParaRPr>
           </a:p>
@@ -196,21 +294,22 @@
         <p:spPr/>
         <p:txBody>
           <a:bodyPr/>
-          <a:p>
-            <a:r>
-              <a:rPr lang="en-US"/>
-              <a:t/>
-            </a:r>
+          <a:lstStyle/>
+          <a:p>
+            <a:endParaRPr/>
           </a:p>
         </p:txBody>
       </p:sp>
     </p:spTree>
   </p:cSld>
+  <p:clrMapOvr>
+    <a:masterClrMapping/>
+  </p:clrMapOvr>
 </p:sldLayout>
 </file>
 
 <file path=ppt/slideLayouts/slideLayout11.xml><?xml version="1.0" encoding="utf-8"?>
-<p:sldLayout xmlns:a="http://schemas.openxmlformats.org/drawingml/2006/main" xmlns:p="http://schemas.openxmlformats.org/presentationml/2006/main" xmlns:r="http://schemas.openxmlformats.org/officeDocument/2006/relationships" xmlns:p14="http://schemas.microsoft.com/office/powerpoint/2010/main" xmlns:p15="http://schemas.microsoft.com/office/powerpoint/2012/main" xmlns:mc="http://schemas.openxmlformats.org/markup-compatibility/2006" type="fourObj" preserve="1">
+<p:sldLayout xmlns:a="http://schemas.openxmlformats.org/drawingml/2006/main" xmlns:r="http://schemas.openxmlformats.org/officeDocument/2006/relationships" xmlns:p="http://schemas.openxmlformats.org/presentationml/2006/main" type="fourObj" preserve="1">
   <p:cSld name="Title, 4 Content">
     <p:spTree>
       <p:nvGrpSpPr>
@@ -250,14 +349,15 @@
           </a:ln>
         </p:spPr>
         <p:txBody>
-          <a:bodyPr lIns="0" rIns="0" tIns="0" bIns="0" anchor="ctr">
+          <a:bodyPr lIns="0" tIns="0" rIns="0" bIns="0" anchor="ctr">
             <a:noAutofit/>
           </a:bodyPr>
+          <a:lstStyle/>
           <a:p>
             <a:pPr algn="ctr">
               <a:buNone/>
             </a:pPr>
-            <a:endParaRPr b="0" lang="en-US" sz="4400" spc="-1" strike="noStrike">
+            <a:endParaRPr lang="en-US" sz="4400" b="0" strike="noStrike" spc="-1">
               <a:latin typeface="Arial"/>
             </a:endParaRPr>
           </a:p>
@@ -287,11 +387,12 @@
           </a:ln>
         </p:spPr>
         <p:txBody>
-          <a:bodyPr lIns="0" rIns="0" tIns="0" bIns="0" anchor="t">
+          <a:bodyPr lIns="0" tIns="0" rIns="0" bIns="0" anchor="t">
             <a:normAutofit/>
           </a:bodyPr>
-          <a:p>
-            <a:endParaRPr b="0" lang="en-US" sz="3200" spc="-1" strike="noStrike">
+          <a:lstStyle/>
+          <a:p>
+            <a:endParaRPr lang="en-US" sz="3200" b="0" strike="noStrike" spc="-1">
               <a:latin typeface="Arial"/>
             </a:endParaRPr>
           </a:p>
@@ -321,11 +422,12 @@
           </a:ln>
         </p:spPr>
         <p:txBody>
-          <a:bodyPr lIns="0" rIns="0" tIns="0" bIns="0" anchor="t">
+          <a:bodyPr lIns="0" tIns="0" rIns="0" bIns="0" anchor="t">
             <a:normAutofit/>
           </a:bodyPr>
-          <a:p>
-            <a:endParaRPr b="0" lang="en-US" sz="3200" spc="-1" strike="noStrike">
+          <a:lstStyle/>
+          <a:p>
+            <a:endParaRPr lang="en-US" sz="3200" b="0" strike="noStrike" spc="-1">
               <a:latin typeface="Arial"/>
             </a:endParaRPr>
           </a:p>
@@ -355,11 +457,12 @@
           </a:ln>
         </p:spPr>
         <p:txBody>
-          <a:bodyPr lIns="0" rIns="0" tIns="0" bIns="0" anchor="t">
+          <a:bodyPr lIns="0" tIns="0" rIns="0" bIns="0" anchor="t">
             <a:normAutofit/>
           </a:bodyPr>
-          <a:p>
-            <a:endParaRPr b="0" lang="en-US" sz="3200" spc="-1" strike="noStrike">
+          <a:lstStyle/>
+          <a:p>
+            <a:endParaRPr lang="en-US" sz="3200" b="0" strike="noStrike" spc="-1">
               <a:latin typeface="Arial"/>
             </a:endParaRPr>
           </a:p>
@@ -389,11 +492,12 @@
           </a:ln>
         </p:spPr>
         <p:txBody>
-          <a:bodyPr lIns="0" rIns="0" tIns="0" bIns="0" anchor="t">
+          <a:bodyPr lIns="0" tIns="0" rIns="0" bIns="0" anchor="t">
             <a:normAutofit/>
           </a:bodyPr>
-          <a:p>
-            <a:endParaRPr b="0" lang="en-US" sz="3200" spc="-1" strike="noStrike">
+          <a:lstStyle/>
+          <a:p>
+            <a:endParaRPr lang="en-US" sz="3200" b="0" strike="noStrike" spc="-1">
               <a:latin typeface="Arial"/>
             </a:endParaRPr>
           </a:p>
@@ -412,21 +516,22 @@
         <p:spPr/>
         <p:txBody>
           <a:bodyPr/>
-          <a:p>
-            <a:r>
-              <a:rPr lang="en-US"/>
-              <a:t/>
-            </a:r>
+          <a:lstStyle/>
+          <a:p>
+            <a:endParaRPr/>
           </a:p>
         </p:txBody>
       </p:sp>
     </p:spTree>
   </p:cSld>
+  <p:clrMapOvr>
+    <a:masterClrMapping/>
+  </p:clrMapOvr>
 </p:sldLayout>
 </file>
 
 <file path=ppt/slideLayouts/slideLayout12.xml><?xml version="1.0" encoding="utf-8"?>
-<p:sldLayout xmlns:a="http://schemas.openxmlformats.org/drawingml/2006/main" xmlns:p="http://schemas.openxmlformats.org/presentationml/2006/main" xmlns:r="http://schemas.openxmlformats.org/officeDocument/2006/relationships" xmlns:p14="http://schemas.microsoft.com/office/powerpoint/2010/main" xmlns:p15="http://schemas.microsoft.com/office/powerpoint/2012/main" xmlns:mc="http://schemas.openxmlformats.org/markup-compatibility/2006" type="blank" preserve="1">
+<p:sldLayout xmlns:a="http://schemas.openxmlformats.org/drawingml/2006/main" xmlns:r="http://schemas.openxmlformats.org/officeDocument/2006/relationships" xmlns:p="http://schemas.openxmlformats.org/presentationml/2006/main" type="blank" preserve="1">
   <p:cSld name="Title, 6 Content">
     <p:spTree>
       <p:nvGrpSpPr>
@@ -466,14 +571,15 @@
           </a:ln>
         </p:spPr>
         <p:txBody>
-          <a:bodyPr lIns="0" rIns="0" tIns="0" bIns="0" anchor="ctr">
+          <a:bodyPr lIns="0" tIns="0" rIns="0" bIns="0" anchor="ctr">
             <a:noAutofit/>
           </a:bodyPr>
+          <a:lstStyle/>
           <a:p>
             <a:pPr algn="ctr">
               <a:buNone/>
             </a:pPr>
-            <a:endParaRPr b="0" lang="en-US" sz="4400" spc="-1" strike="noStrike">
+            <a:endParaRPr lang="en-US" sz="4400" b="0" strike="noStrike" spc="-1">
               <a:latin typeface="Arial"/>
             </a:endParaRPr>
           </a:p>
@@ -503,11 +609,12 @@
           </a:ln>
         </p:spPr>
         <p:txBody>
-          <a:bodyPr lIns="0" rIns="0" tIns="0" bIns="0" anchor="t">
+          <a:bodyPr lIns="0" tIns="0" rIns="0" bIns="0" anchor="t">
             <a:normAutofit/>
           </a:bodyPr>
-          <a:p>
-            <a:endParaRPr b="0" lang="en-US" sz="3200" spc="-1" strike="noStrike">
+          <a:lstStyle/>
+          <a:p>
+            <a:endParaRPr lang="en-US" sz="3200" b="0" strike="noStrike" spc="-1">
               <a:latin typeface="Arial"/>
             </a:endParaRPr>
           </a:p>
@@ -537,11 +644,12 @@
           </a:ln>
         </p:spPr>
         <p:txBody>
-          <a:bodyPr lIns="0" rIns="0" tIns="0" bIns="0" anchor="t">
+          <a:bodyPr lIns="0" tIns="0" rIns="0" bIns="0" anchor="t">
             <a:normAutofit/>
           </a:bodyPr>
-          <a:p>
-            <a:endParaRPr b="0" lang="en-US" sz="3200" spc="-1" strike="noStrike">
+          <a:lstStyle/>
+          <a:p>
+            <a:endParaRPr lang="en-US" sz="3200" b="0" strike="noStrike" spc="-1">
               <a:latin typeface="Arial"/>
             </a:endParaRPr>
           </a:p>
@@ -571,11 +679,12 @@
           </a:ln>
         </p:spPr>
         <p:txBody>
-          <a:bodyPr lIns="0" rIns="0" tIns="0" bIns="0" anchor="t">
+          <a:bodyPr lIns="0" tIns="0" rIns="0" bIns="0" anchor="t">
             <a:normAutofit/>
           </a:bodyPr>
-          <a:p>
-            <a:endParaRPr b="0" lang="en-US" sz="3200" spc="-1" strike="noStrike">
+          <a:lstStyle/>
+          <a:p>
+            <a:endParaRPr lang="en-US" sz="3200" b="0" strike="noStrike" spc="-1">
               <a:latin typeface="Arial"/>
             </a:endParaRPr>
           </a:p>
@@ -605,11 +714,12 @@
           </a:ln>
         </p:spPr>
         <p:txBody>
-          <a:bodyPr lIns="0" rIns="0" tIns="0" bIns="0" anchor="t">
+          <a:bodyPr lIns="0" tIns="0" rIns="0" bIns="0" anchor="t">
             <a:normAutofit/>
           </a:bodyPr>
-          <a:p>
-            <a:endParaRPr b="0" lang="en-US" sz="3200" spc="-1" strike="noStrike">
+          <a:lstStyle/>
+          <a:p>
+            <a:endParaRPr lang="en-US" sz="3200" b="0" strike="noStrike" spc="-1">
               <a:latin typeface="Arial"/>
             </a:endParaRPr>
           </a:p>
@@ -639,11 +749,12 @@
           </a:ln>
         </p:spPr>
         <p:txBody>
-          <a:bodyPr lIns="0" rIns="0" tIns="0" bIns="0" anchor="t">
+          <a:bodyPr lIns="0" tIns="0" rIns="0" bIns="0" anchor="t">
             <a:normAutofit/>
           </a:bodyPr>
-          <a:p>
-            <a:endParaRPr b="0" lang="en-US" sz="3200" spc="-1" strike="noStrike">
+          <a:lstStyle/>
+          <a:p>
+            <a:endParaRPr lang="en-US" sz="3200" b="0" strike="noStrike" spc="-1">
               <a:latin typeface="Arial"/>
             </a:endParaRPr>
           </a:p>
@@ -673,11 +784,12 @@
           </a:ln>
         </p:spPr>
         <p:txBody>
-          <a:bodyPr lIns="0" rIns="0" tIns="0" bIns="0" anchor="t">
+          <a:bodyPr lIns="0" tIns="0" rIns="0" bIns="0" anchor="t">
             <a:normAutofit/>
           </a:bodyPr>
-          <a:p>
-            <a:endParaRPr b="0" lang="en-US" sz="3200" spc="-1" strike="noStrike">
+          <a:lstStyle/>
+          <a:p>
+            <a:endParaRPr lang="en-US" sz="3200" b="0" strike="noStrike" spc="-1">
               <a:latin typeface="Arial"/>
             </a:endParaRPr>
           </a:p>
@@ -696,21 +808,22 @@
         <p:spPr/>
         <p:txBody>
           <a:bodyPr/>
-          <a:p>
-            <a:r>
-              <a:rPr lang="en-US"/>
-              <a:t/>
-            </a:r>
+          <a:lstStyle/>
+          <a:p>
+            <a:endParaRPr/>
           </a:p>
         </p:txBody>
       </p:sp>
     </p:spTree>
   </p:cSld>
+  <p:clrMapOvr>
+    <a:masterClrMapping/>
+  </p:clrMapOvr>
 </p:sldLayout>
 </file>
 
 <file path=ppt/slideLayouts/slideLayout13.xml><?xml version="1.0" encoding="utf-8"?>
-<p:sldLayout xmlns:a="http://schemas.openxmlformats.org/drawingml/2006/main" xmlns:p="http://schemas.openxmlformats.org/presentationml/2006/main" xmlns:r="http://schemas.openxmlformats.org/officeDocument/2006/relationships" xmlns:p14="http://schemas.microsoft.com/office/powerpoint/2010/main" xmlns:p15="http://schemas.microsoft.com/office/powerpoint/2012/main" xmlns:mc="http://schemas.openxmlformats.org/markup-compatibility/2006" type="blank" preserve="1">
+<p:sldLayout xmlns:a="http://schemas.openxmlformats.org/drawingml/2006/main" xmlns:r="http://schemas.openxmlformats.org/officeDocument/2006/relationships" xmlns:p="http://schemas.openxmlformats.org/presentationml/2006/main" type="blank" preserve="1">
   <p:cSld name="Blank Slide">
     <p:spTree>
       <p:nvGrpSpPr>
@@ -739,6 +852,7 @@
         <p:spPr/>
         <p:txBody>
           <a:bodyPr/>
+          <a:lstStyle/>
           <a:p>
             <a:r>
               <a:t>Footer</a:t>
@@ -759,21 +873,22 @@
         <p:spPr/>
         <p:txBody>
           <a:bodyPr/>
-          <a:p>
-            <a:r>
-              <a:rPr lang="en-US"/>
-              <a:t/>
-            </a:r>
+          <a:lstStyle/>
+          <a:p>
+            <a:endParaRPr/>
           </a:p>
         </p:txBody>
       </p:sp>
     </p:spTree>
   </p:cSld>
+  <p:clrMapOvr>
+    <a:masterClrMapping/>
+  </p:clrMapOvr>
 </p:sldLayout>
 </file>
 
 <file path=ppt/slideLayouts/slideLayout14.xml><?xml version="1.0" encoding="utf-8"?>
-<p:sldLayout xmlns:a="http://schemas.openxmlformats.org/drawingml/2006/main" xmlns:p="http://schemas.openxmlformats.org/presentationml/2006/main" xmlns:r="http://schemas.openxmlformats.org/officeDocument/2006/relationships" xmlns:p14="http://schemas.microsoft.com/office/powerpoint/2010/main" xmlns:p15="http://schemas.microsoft.com/office/powerpoint/2012/main" xmlns:mc="http://schemas.openxmlformats.org/markup-compatibility/2006" type="tx" preserve="1">
+<p:sldLayout xmlns:a="http://schemas.openxmlformats.org/drawingml/2006/main" xmlns:r="http://schemas.openxmlformats.org/officeDocument/2006/relationships" xmlns:p="http://schemas.openxmlformats.org/presentationml/2006/main" type="tx" preserve="1">
   <p:cSld name="Title Slide">
     <p:spTree>
       <p:nvGrpSpPr>
@@ -813,14 +928,15 @@
           </a:ln>
         </p:spPr>
         <p:txBody>
-          <a:bodyPr lIns="0" rIns="0" tIns="0" bIns="0" anchor="ctr">
+          <a:bodyPr lIns="0" tIns="0" rIns="0" bIns="0" anchor="ctr">
             <a:noAutofit/>
           </a:bodyPr>
+          <a:lstStyle/>
           <a:p>
             <a:pPr algn="ctr">
               <a:buNone/>
             </a:pPr>
-            <a:endParaRPr b="0" lang="en-US" sz="4400" spc="-1" strike="noStrike">
+            <a:endParaRPr lang="en-US" sz="4400" b="0" strike="noStrike" spc="-1">
               <a:latin typeface="Arial"/>
             </a:endParaRPr>
           </a:p>
@@ -850,14 +966,15 @@
           </a:ln>
         </p:spPr>
         <p:txBody>
-          <a:bodyPr lIns="0" rIns="0" tIns="0" bIns="0" anchor="ctr">
+          <a:bodyPr lIns="0" tIns="0" rIns="0" bIns="0" anchor="ctr">
             <a:noAutofit/>
           </a:bodyPr>
+          <a:lstStyle/>
           <a:p>
             <a:pPr algn="ctr">
               <a:buNone/>
             </a:pPr>
-            <a:endParaRPr b="0" lang="en-US" sz="3200" spc="-1" strike="noStrike">
+            <a:endParaRPr lang="en-US" sz="3200" b="0" strike="noStrike" spc="-1">
               <a:latin typeface="Arial"/>
             </a:endParaRPr>
           </a:p>
@@ -876,6 +993,7 @@
         <p:spPr/>
         <p:txBody>
           <a:bodyPr/>
+          <a:lstStyle/>
           <a:p>
             <a:r>
               <a:t>Footer</a:t>
@@ -896,21 +1014,22 @@
         <p:spPr/>
         <p:txBody>
           <a:bodyPr/>
-          <a:p>
-            <a:r>
-              <a:rPr lang="en-US"/>
-              <a:t/>
-            </a:r>
+          <a:lstStyle/>
+          <a:p>
+            <a:endParaRPr/>
           </a:p>
         </p:txBody>
       </p:sp>
     </p:spTree>
   </p:cSld>
+  <p:clrMapOvr>
+    <a:masterClrMapping/>
+  </p:clrMapOvr>
 </p:sldLayout>
 </file>
 
 <file path=ppt/slideLayouts/slideLayout15.xml><?xml version="1.0" encoding="utf-8"?>
-<p:sldLayout xmlns:a="http://schemas.openxmlformats.org/drawingml/2006/main" xmlns:p="http://schemas.openxmlformats.org/presentationml/2006/main" xmlns:r="http://schemas.openxmlformats.org/officeDocument/2006/relationships" xmlns:p14="http://schemas.microsoft.com/office/powerpoint/2010/main" xmlns:p15="http://schemas.microsoft.com/office/powerpoint/2012/main" xmlns:mc="http://schemas.openxmlformats.org/markup-compatibility/2006" type="obj" preserve="1">
+<p:sldLayout xmlns:a="http://schemas.openxmlformats.org/drawingml/2006/main" xmlns:r="http://schemas.openxmlformats.org/officeDocument/2006/relationships" xmlns:p="http://schemas.openxmlformats.org/presentationml/2006/main" type="obj" preserve="1">
   <p:cSld name="Title, Content">
     <p:spTree>
       <p:nvGrpSpPr>
@@ -950,14 +1069,15 @@
           </a:ln>
         </p:spPr>
         <p:txBody>
-          <a:bodyPr lIns="0" rIns="0" tIns="0" bIns="0" anchor="ctr">
+          <a:bodyPr lIns="0" tIns="0" rIns="0" bIns="0" anchor="ctr">
             <a:noAutofit/>
           </a:bodyPr>
+          <a:lstStyle/>
           <a:p>
             <a:pPr algn="ctr">
               <a:buNone/>
             </a:pPr>
-            <a:endParaRPr b="0" lang="en-US" sz="4400" spc="-1" strike="noStrike">
+            <a:endParaRPr lang="en-US" sz="4400" b="0" strike="noStrike" spc="-1">
               <a:latin typeface="Arial"/>
             </a:endParaRPr>
           </a:p>
@@ -987,11 +1107,12 @@
           </a:ln>
         </p:spPr>
         <p:txBody>
-          <a:bodyPr lIns="0" rIns="0" tIns="0" bIns="0" anchor="t">
+          <a:bodyPr lIns="0" tIns="0" rIns="0" bIns="0" anchor="t">
             <a:normAutofit/>
           </a:bodyPr>
-          <a:p>
-            <a:endParaRPr b="0" lang="en-US" sz="3200" spc="-1" strike="noStrike">
+          <a:lstStyle/>
+          <a:p>
+            <a:endParaRPr lang="en-US" sz="3200" b="0" strike="noStrike" spc="-1">
               <a:latin typeface="Arial"/>
             </a:endParaRPr>
           </a:p>
@@ -1010,6 +1131,7 @@
         <p:spPr/>
         <p:txBody>
           <a:bodyPr/>
+          <a:lstStyle/>
           <a:p>
             <a:r>
               <a:t>Footer</a:t>
@@ -1030,21 +1152,22 @@
         <p:spPr/>
         <p:txBody>
           <a:bodyPr/>
-          <a:p>
-            <a:r>
-              <a:rPr lang="en-US"/>
-              <a:t/>
-            </a:r>
+          <a:lstStyle/>
+          <a:p>
+            <a:endParaRPr/>
           </a:p>
         </p:txBody>
       </p:sp>
     </p:spTree>
   </p:cSld>
+  <p:clrMapOvr>
+    <a:masterClrMapping/>
+  </p:clrMapOvr>
 </p:sldLayout>
 </file>
 
 <file path=ppt/slideLayouts/slideLayout16.xml><?xml version="1.0" encoding="utf-8"?>
-<p:sldLayout xmlns:a="http://schemas.openxmlformats.org/drawingml/2006/main" xmlns:p="http://schemas.openxmlformats.org/presentationml/2006/main" xmlns:r="http://schemas.openxmlformats.org/officeDocument/2006/relationships" xmlns:p14="http://schemas.microsoft.com/office/powerpoint/2010/main" xmlns:p15="http://schemas.microsoft.com/office/powerpoint/2012/main" xmlns:mc="http://schemas.openxmlformats.org/markup-compatibility/2006" type="twoObj" preserve="1">
+<p:sldLayout xmlns:a="http://schemas.openxmlformats.org/drawingml/2006/main" xmlns:r="http://schemas.openxmlformats.org/officeDocument/2006/relationships" xmlns:p="http://schemas.openxmlformats.org/presentationml/2006/main" type="twoObj" preserve="1">
   <p:cSld name="Title, 2 Content">
     <p:spTree>
       <p:nvGrpSpPr>
@@ -1084,14 +1207,15 @@
           </a:ln>
         </p:spPr>
         <p:txBody>
-          <a:bodyPr lIns="0" rIns="0" tIns="0" bIns="0" anchor="ctr">
+          <a:bodyPr lIns="0" tIns="0" rIns="0" bIns="0" anchor="ctr">
             <a:noAutofit/>
           </a:bodyPr>
+          <a:lstStyle/>
           <a:p>
             <a:pPr algn="ctr">
               <a:buNone/>
             </a:pPr>
-            <a:endParaRPr b="0" lang="en-US" sz="4400" spc="-1" strike="noStrike">
+            <a:endParaRPr lang="en-US" sz="4400" b="0" strike="noStrike" spc="-1">
               <a:latin typeface="Arial"/>
             </a:endParaRPr>
           </a:p>
@@ -1121,11 +1245,12 @@
           </a:ln>
         </p:spPr>
         <p:txBody>
-          <a:bodyPr lIns="0" rIns="0" tIns="0" bIns="0" anchor="t">
+          <a:bodyPr lIns="0" tIns="0" rIns="0" bIns="0" anchor="t">
             <a:normAutofit/>
           </a:bodyPr>
-          <a:p>
-            <a:endParaRPr b="0" lang="en-US" sz="3200" spc="-1" strike="noStrike">
+          <a:lstStyle/>
+          <a:p>
+            <a:endParaRPr lang="en-US" sz="3200" b="0" strike="noStrike" spc="-1">
               <a:latin typeface="Arial"/>
             </a:endParaRPr>
           </a:p>
@@ -1155,11 +1280,12 @@
           </a:ln>
         </p:spPr>
         <p:txBody>
-          <a:bodyPr lIns="0" rIns="0" tIns="0" bIns="0" anchor="t">
+          <a:bodyPr lIns="0" tIns="0" rIns="0" bIns="0" anchor="t">
             <a:normAutofit/>
           </a:bodyPr>
-          <a:p>
-            <a:endParaRPr b="0" lang="en-US" sz="3200" spc="-1" strike="noStrike">
+          <a:lstStyle/>
+          <a:p>
+            <a:endParaRPr lang="en-US" sz="3200" b="0" strike="noStrike" spc="-1">
               <a:latin typeface="Arial"/>
             </a:endParaRPr>
           </a:p>
@@ -1178,6 +1304,7 @@
         <p:spPr/>
         <p:txBody>
           <a:bodyPr/>
+          <a:lstStyle/>
           <a:p>
             <a:r>
               <a:t>Footer</a:t>
@@ -1198,21 +1325,22 @@
         <p:spPr/>
         <p:txBody>
           <a:bodyPr/>
-          <a:p>
-            <a:r>
-              <a:rPr lang="en-US"/>
-              <a:t/>
-            </a:r>
+          <a:lstStyle/>
+          <a:p>
+            <a:endParaRPr/>
           </a:p>
         </p:txBody>
       </p:sp>
     </p:spTree>
   </p:cSld>
+  <p:clrMapOvr>
+    <a:masterClrMapping/>
+  </p:clrMapOvr>
 </p:sldLayout>
 </file>
 
 <file path=ppt/slideLayouts/slideLayout17.xml><?xml version="1.0" encoding="utf-8"?>
-<p:sldLayout xmlns:a="http://schemas.openxmlformats.org/drawingml/2006/main" xmlns:p="http://schemas.openxmlformats.org/presentationml/2006/main" xmlns:r="http://schemas.openxmlformats.org/officeDocument/2006/relationships" xmlns:p14="http://schemas.microsoft.com/office/powerpoint/2010/main" xmlns:p15="http://schemas.microsoft.com/office/powerpoint/2012/main" xmlns:mc="http://schemas.openxmlformats.org/markup-compatibility/2006" type="titleOnly" preserve="1">
+<p:sldLayout xmlns:a="http://schemas.openxmlformats.org/drawingml/2006/main" xmlns:r="http://schemas.openxmlformats.org/officeDocument/2006/relationships" xmlns:p="http://schemas.openxmlformats.org/presentationml/2006/main" type="titleOnly" preserve="1">
   <p:cSld name="Title Only">
     <p:spTree>
       <p:nvGrpSpPr>
@@ -1252,14 +1380,15 @@
           </a:ln>
         </p:spPr>
         <p:txBody>
-          <a:bodyPr lIns="0" rIns="0" tIns="0" bIns="0" anchor="ctr">
+          <a:bodyPr lIns="0" tIns="0" rIns="0" bIns="0" anchor="ctr">
             <a:noAutofit/>
           </a:bodyPr>
+          <a:lstStyle/>
           <a:p>
             <a:pPr algn="ctr">
               <a:buNone/>
             </a:pPr>
-            <a:endParaRPr b="0" lang="en-US" sz="4400" spc="-1" strike="noStrike">
+            <a:endParaRPr lang="en-US" sz="4400" b="0" strike="noStrike" spc="-1">
               <a:latin typeface="Arial"/>
             </a:endParaRPr>
           </a:p>
@@ -1278,6 +1407,7 @@
         <p:spPr/>
         <p:txBody>
           <a:bodyPr/>
+          <a:lstStyle/>
           <a:p>
             <a:r>
               <a:t>Footer</a:t>
@@ -1298,21 +1428,22 @@
         <p:spPr/>
         <p:txBody>
           <a:bodyPr/>
-          <a:p>
-            <a:r>
-              <a:rPr lang="en-US"/>
-              <a:t/>
-            </a:r>
+          <a:lstStyle/>
+          <a:p>
+            <a:endParaRPr/>
           </a:p>
         </p:txBody>
       </p:sp>
     </p:spTree>
   </p:cSld>
+  <p:clrMapOvr>
+    <a:masterClrMapping/>
+  </p:clrMapOvr>
 </p:sldLayout>
 </file>
 
 <file path=ppt/slideLayouts/slideLayout18.xml><?xml version="1.0" encoding="utf-8"?>
-<p:sldLayout xmlns:a="http://schemas.openxmlformats.org/drawingml/2006/main" xmlns:p="http://schemas.openxmlformats.org/presentationml/2006/main" xmlns:r="http://schemas.openxmlformats.org/officeDocument/2006/relationships" xmlns:p14="http://schemas.microsoft.com/office/powerpoint/2010/main" xmlns:p15="http://schemas.microsoft.com/office/powerpoint/2012/main" xmlns:mc="http://schemas.openxmlformats.org/markup-compatibility/2006" type="objOnly" preserve="1">
+<p:sldLayout xmlns:a="http://schemas.openxmlformats.org/drawingml/2006/main" xmlns:r="http://schemas.openxmlformats.org/officeDocument/2006/relationships" xmlns:p="http://schemas.openxmlformats.org/presentationml/2006/main" type="objOnly" preserve="1">
   <p:cSld name="Centered Text">
     <p:spTree>
       <p:nvGrpSpPr>
@@ -1352,14 +1483,15 @@
           </a:ln>
         </p:spPr>
         <p:txBody>
-          <a:bodyPr lIns="0" rIns="0" tIns="0" bIns="0" anchor="ctr">
+          <a:bodyPr lIns="0" tIns="0" rIns="0" bIns="0" anchor="ctr">
             <a:noAutofit/>
           </a:bodyPr>
+          <a:lstStyle/>
           <a:p>
             <a:pPr algn="ctr">
               <a:buNone/>
             </a:pPr>
-            <a:endParaRPr b="0" lang="en-US" sz="3200" spc="-1" strike="noStrike">
+            <a:endParaRPr lang="en-US" sz="3200" b="0" strike="noStrike" spc="-1">
               <a:latin typeface="Arial"/>
             </a:endParaRPr>
           </a:p>
@@ -1378,6 +1510,7 @@
         <p:spPr/>
         <p:txBody>
           <a:bodyPr/>
+          <a:lstStyle/>
           <a:p>
             <a:r>
               <a:t>Footer</a:t>
@@ -1398,21 +1531,22 @@
         <p:spPr/>
         <p:txBody>
           <a:bodyPr/>
-          <a:p>
-            <a:r>
-              <a:rPr lang="en-US"/>
-              <a:t/>
-            </a:r>
+          <a:lstStyle/>
+          <a:p>
+            <a:endParaRPr/>
           </a:p>
         </p:txBody>
       </p:sp>
     </p:spTree>
   </p:cSld>
+  <p:clrMapOvr>
+    <a:masterClrMapping/>
+  </p:clrMapOvr>
 </p:sldLayout>
 </file>
 
 <file path=ppt/slideLayouts/slideLayout19.xml><?xml version="1.0" encoding="utf-8"?>
-<p:sldLayout xmlns:a="http://schemas.openxmlformats.org/drawingml/2006/main" xmlns:p="http://schemas.openxmlformats.org/presentationml/2006/main" xmlns:r="http://schemas.openxmlformats.org/officeDocument/2006/relationships" xmlns:p14="http://schemas.microsoft.com/office/powerpoint/2010/main" xmlns:p15="http://schemas.microsoft.com/office/powerpoint/2012/main" xmlns:mc="http://schemas.openxmlformats.org/markup-compatibility/2006" type="twoObjAndObj" preserve="1">
+<p:sldLayout xmlns:a="http://schemas.openxmlformats.org/drawingml/2006/main" xmlns:r="http://schemas.openxmlformats.org/officeDocument/2006/relationships" xmlns:p="http://schemas.openxmlformats.org/presentationml/2006/main" type="twoObjAndObj" preserve="1">
   <p:cSld name="Title, 2 Content and Content">
     <p:spTree>
       <p:nvGrpSpPr>
@@ -1452,14 +1586,15 @@
           </a:ln>
         </p:spPr>
         <p:txBody>
-          <a:bodyPr lIns="0" rIns="0" tIns="0" bIns="0" anchor="ctr">
+          <a:bodyPr lIns="0" tIns="0" rIns="0" bIns="0" anchor="ctr">
             <a:noAutofit/>
           </a:bodyPr>
+          <a:lstStyle/>
           <a:p>
             <a:pPr algn="ctr">
               <a:buNone/>
             </a:pPr>
-            <a:endParaRPr b="0" lang="en-US" sz="4400" spc="-1" strike="noStrike">
+            <a:endParaRPr lang="en-US" sz="4400" b="0" strike="noStrike" spc="-1">
               <a:latin typeface="Arial"/>
             </a:endParaRPr>
           </a:p>
@@ -1489,11 +1624,12 @@
           </a:ln>
         </p:spPr>
         <p:txBody>
-          <a:bodyPr lIns="0" rIns="0" tIns="0" bIns="0" anchor="t">
+          <a:bodyPr lIns="0" tIns="0" rIns="0" bIns="0" anchor="t">
             <a:normAutofit/>
           </a:bodyPr>
-          <a:p>
-            <a:endParaRPr b="0" lang="en-US" sz="3200" spc="-1" strike="noStrike">
+          <a:lstStyle/>
+          <a:p>
+            <a:endParaRPr lang="en-US" sz="3200" b="0" strike="noStrike" spc="-1">
               <a:latin typeface="Arial"/>
             </a:endParaRPr>
           </a:p>
@@ -1523,11 +1659,12 @@
           </a:ln>
         </p:spPr>
         <p:txBody>
-          <a:bodyPr lIns="0" rIns="0" tIns="0" bIns="0" anchor="t">
+          <a:bodyPr lIns="0" tIns="0" rIns="0" bIns="0" anchor="t">
             <a:normAutofit/>
           </a:bodyPr>
-          <a:p>
-            <a:endParaRPr b="0" lang="en-US" sz="3200" spc="-1" strike="noStrike">
+          <a:lstStyle/>
+          <a:p>
+            <a:endParaRPr lang="en-US" sz="3200" b="0" strike="noStrike" spc="-1">
               <a:latin typeface="Arial"/>
             </a:endParaRPr>
           </a:p>
@@ -1557,11 +1694,12 @@
           </a:ln>
         </p:spPr>
         <p:txBody>
-          <a:bodyPr lIns="0" rIns="0" tIns="0" bIns="0" anchor="t">
+          <a:bodyPr lIns="0" tIns="0" rIns="0" bIns="0" anchor="t">
             <a:normAutofit/>
           </a:bodyPr>
-          <a:p>
-            <a:endParaRPr b="0" lang="en-US" sz="3200" spc="-1" strike="noStrike">
+          <a:lstStyle/>
+          <a:p>
+            <a:endParaRPr lang="en-US" sz="3200" b="0" strike="noStrike" spc="-1">
               <a:latin typeface="Arial"/>
             </a:endParaRPr>
           </a:p>
@@ -1580,6 +1718,7 @@
         <p:spPr/>
         <p:txBody>
           <a:bodyPr/>
+          <a:lstStyle/>
           <a:p>
             <a:r>
               <a:t>Footer</a:t>
@@ -1600,21 +1739,22 @@
         <p:spPr/>
         <p:txBody>
           <a:bodyPr/>
-          <a:p>
-            <a:r>
-              <a:rPr lang="en-US"/>
-              <a:t/>
-            </a:r>
+          <a:lstStyle/>
+          <a:p>
+            <a:endParaRPr/>
           </a:p>
         </p:txBody>
       </p:sp>
     </p:spTree>
   </p:cSld>
+  <p:clrMapOvr>
+    <a:masterClrMapping/>
+  </p:clrMapOvr>
 </p:sldLayout>
 </file>
 
 <file path=ppt/slideLayouts/slideLayout2.xml><?xml version="1.0" encoding="utf-8"?>
-<p:sldLayout xmlns:a="http://schemas.openxmlformats.org/drawingml/2006/main" xmlns:p="http://schemas.openxmlformats.org/presentationml/2006/main" xmlns:r="http://schemas.openxmlformats.org/officeDocument/2006/relationships" xmlns:p14="http://schemas.microsoft.com/office/powerpoint/2010/main" xmlns:p15="http://schemas.microsoft.com/office/powerpoint/2012/main" xmlns:mc="http://schemas.openxmlformats.org/markup-compatibility/2006" type="tx" preserve="1">
+<p:sldLayout xmlns:a="http://schemas.openxmlformats.org/drawingml/2006/main" xmlns:r="http://schemas.openxmlformats.org/officeDocument/2006/relationships" xmlns:p="http://schemas.openxmlformats.org/presentationml/2006/main" type="tx" preserve="1">
   <p:cSld name="Title Slide">
     <p:spTree>
       <p:nvGrpSpPr>
@@ -1654,14 +1794,15 @@
           </a:ln>
         </p:spPr>
         <p:txBody>
-          <a:bodyPr lIns="0" rIns="0" tIns="0" bIns="0" anchor="ctr">
+          <a:bodyPr lIns="0" tIns="0" rIns="0" bIns="0" anchor="ctr">
             <a:noAutofit/>
           </a:bodyPr>
+          <a:lstStyle/>
           <a:p>
             <a:pPr algn="ctr">
               <a:buNone/>
             </a:pPr>
-            <a:endParaRPr b="0" lang="en-US" sz="4400" spc="-1" strike="noStrike">
+            <a:endParaRPr lang="en-US" sz="4400" b="0" strike="noStrike" spc="-1">
               <a:latin typeface="Arial"/>
             </a:endParaRPr>
           </a:p>
@@ -1691,14 +1832,15 @@
           </a:ln>
         </p:spPr>
         <p:txBody>
-          <a:bodyPr lIns="0" rIns="0" tIns="0" bIns="0" anchor="ctr">
+          <a:bodyPr lIns="0" tIns="0" rIns="0" bIns="0" anchor="ctr">
             <a:noAutofit/>
           </a:bodyPr>
+          <a:lstStyle/>
           <a:p>
             <a:pPr algn="ctr">
               <a:buNone/>
             </a:pPr>
-            <a:endParaRPr b="0" lang="en-US" sz="3200" spc="-1" strike="noStrike">
+            <a:endParaRPr lang="en-US" sz="3200" b="0" strike="noStrike" spc="-1">
               <a:latin typeface="Arial"/>
             </a:endParaRPr>
           </a:p>
@@ -1717,21 +1859,22 @@
         <p:spPr/>
         <p:txBody>
           <a:bodyPr/>
-          <a:p>
-            <a:r>
-              <a:rPr lang="en-US"/>
-              <a:t/>
-            </a:r>
+          <a:lstStyle/>
+          <a:p>
+            <a:endParaRPr/>
           </a:p>
         </p:txBody>
       </p:sp>
     </p:spTree>
   </p:cSld>
+  <p:clrMapOvr>
+    <a:masterClrMapping/>
+  </p:clrMapOvr>
 </p:sldLayout>
 </file>
 
 <file path=ppt/slideLayouts/slideLayout20.xml><?xml version="1.0" encoding="utf-8"?>
-<p:sldLayout xmlns:a="http://schemas.openxmlformats.org/drawingml/2006/main" xmlns:p="http://schemas.openxmlformats.org/presentationml/2006/main" xmlns:r="http://schemas.openxmlformats.org/officeDocument/2006/relationships" xmlns:p14="http://schemas.microsoft.com/office/powerpoint/2010/main" xmlns:p15="http://schemas.microsoft.com/office/powerpoint/2012/main" xmlns:mc="http://schemas.openxmlformats.org/markup-compatibility/2006" type="objAndTwoObj" preserve="1">
+<p:sldLayout xmlns:a="http://schemas.openxmlformats.org/drawingml/2006/main" xmlns:r="http://schemas.openxmlformats.org/officeDocument/2006/relationships" xmlns:p="http://schemas.openxmlformats.org/presentationml/2006/main" type="objAndTwoObj" preserve="1">
   <p:cSld name="Title Content and 2 Content">
     <p:spTree>
       <p:nvGrpSpPr>
@@ -1771,14 +1914,15 @@
           </a:ln>
         </p:spPr>
         <p:txBody>
-          <a:bodyPr lIns="0" rIns="0" tIns="0" bIns="0" anchor="ctr">
+          <a:bodyPr lIns="0" tIns="0" rIns="0" bIns="0" anchor="ctr">
             <a:noAutofit/>
           </a:bodyPr>
+          <a:lstStyle/>
           <a:p>
             <a:pPr algn="ctr">
               <a:buNone/>
             </a:pPr>
-            <a:endParaRPr b="0" lang="en-US" sz="4400" spc="-1" strike="noStrike">
+            <a:endParaRPr lang="en-US" sz="4400" b="0" strike="noStrike" spc="-1">
               <a:latin typeface="Arial"/>
             </a:endParaRPr>
           </a:p>
@@ -1808,11 +1952,12 @@
           </a:ln>
         </p:spPr>
         <p:txBody>
-          <a:bodyPr lIns="0" rIns="0" tIns="0" bIns="0" anchor="t">
+          <a:bodyPr lIns="0" tIns="0" rIns="0" bIns="0" anchor="t">
             <a:normAutofit/>
           </a:bodyPr>
-          <a:p>
-            <a:endParaRPr b="0" lang="en-US" sz="3200" spc="-1" strike="noStrike">
+          <a:lstStyle/>
+          <a:p>
+            <a:endParaRPr lang="en-US" sz="3200" b="0" strike="noStrike" spc="-1">
               <a:latin typeface="Arial"/>
             </a:endParaRPr>
           </a:p>
@@ -1842,11 +1987,12 @@
           </a:ln>
         </p:spPr>
         <p:txBody>
-          <a:bodyPr lIns="0" rIns="0" tIns="0" bIns="0" anchor="t">
+          <a:bodyPr lIns="0" tIns="0" rIns="0" bIns="0" anchor="t">
             <a:normAutofit/>
           </a:bodyPr>
-          <a:p>
-            <a:endParaRPr b="0" lang="en-US" sz="3200" spc="-1" strike="noStrike">
+          <a:lstStyle/>
+          <a:p>
+            <a:endParaRPr lang="en-US" sz="3200" b="0" strike="noStrike" spc="-1">
               <a:latin typeface="Arial"/>
             </a:endParaRPr>
           </a:p>
@@ -1876,11 +2022,12 @@
           </a:ln>
         </p:spPr>
         <p:txBody>
-          <a:bodyPr lIns="0" rIns="0" tIns="0" bIns="0" anchor="t">
+          <a:bodyPr lIns="0" tIns="0" rIns="0" bIns="0" anchor="t">
             <a:normAutofit/>
           </a:bodyPr>
-          <a:p>
-            <a:endParaRPr b="0" lang="en-US" sz="3200" spc="-1" strike="noStrike">
+          <a:lstStyle/>
+          <a:p>
+            <a:endParaRPr lang="en-US" sz="3200" b="0" strike="noStrike" spc="-1">
               <a:latin typeface="Arial"/>
             </a:endParaRPr>
           </a:p>
@@ -1899,6 +2046,7 @@
         <p:spPr/>
         <p:txBody>
           <a:bodyPr/>
+          <a:lstStyle/>
           <a:p>
             <a:r>
               <a:t>Footer</a:t>
@@ -1919,21 +2067,22 @@
         <p:spPr/>
         <p:txBody>
           <a:bodyPr/>
-          <a:p>
-            <a:r>
-              <a:rPr lang="en-US"/>
-              <a:t/>
-            </a:r>
+          <a:lstStyle/>
+          <a:p>
+            <a:endParaRPr/>
           </a:p>
         </p:txBody>
       </p:sp>
     </p:spTree>
   </p:cSld>
+  <p:clrMapOvr>
+    <a:masterClrMapping/>
+  </p:clrMapOvr>
 </p:sldLayout>
 </file>
 
 <file path=ppt/slideLayouts/slideLayout21.xml><?xml version="1.0" encoding="utf-8"?>
-<p:sldLayout xmlns:a="http://schemas.openxmlformats.org/drawingml/2006/main" xmlns:p="http://schemas.openxmlformats.org/presentationml/2006/main" xmlns:r="http://schemas.openxmlformats.org/officeDocument/2006/relationships" xmlns:p14="http://schemas.microsoft.com/office/powerpoint/2010/main" xmlns:p15="http://schemas.microsoft.com/office/powerpoint/2012/main" xmlns:mc="http://schemas.openxmlformats.org/markup-compatibility/2006" type="twoObjOverTx" preserve="1">
+<p:sldLayout xmlns:a="http://schemas.openxmlformats.org/drawingml/2006/main" xmlns:r="http://schemas.openxmlformats.org/officeDocument/2006/relationships" xmlns:p="http://schemas.openxmlformats.org/presentationml/2006/main" type="twoObjOverTx" preserve="1">
   <p:cSld name="Title, 2 Content over Content">
     <p:spTree>
       <p:nvGrpSpPr>
@@ -1973,14 +2122,15 @@
           </a:ln>
         </p:spPr>
         <p:txBody>
-          <a:bodyPr lIns="0" rIns="0" tIns="0" bIns="0" anchor="ctr">
+          <a:bodyPr lIns="0" tIns="0" rIns="0" bIns="0" anchor="ctr">
             <a:noAutofit/>
           </a:bodyPr>
+          <a:lstStyle/>
           <a:p>
             <a:pPr algn="ctr">
               <a:buNone/>
             </a:pPr>
-            <a:endParaRPr b="0" lang="en-US" sz="4400" spc="-1" strike="noStrike">
+            <a:endParaRPr lang="en-US" sz="4400" b="0" strike="noStrike" spc="-1">
               <a:latin typeface="Arial"/>
             </a:endParaRPr>
           </a:p>
@@ -2010,11 +2160,12 @@
           </a:ln>
         </p:spPr>
         <p:txBody>
-          <a:bodyPr lIns="0" rIns="0" tIns="0" bIns="0" anchor="t">
+          <a:bodyPr lIns="0" tIns="0" rIns="0" bIns="0" anchor="t">
             <a:normAutofit/>
           </a:bodyPr>
-          <a:p>
-            <a:endParaRPr b="0" lang="en-US" sz="3200" spc="-1" strike="noStrike">
+          <a:lstStyle/>
+          <a:p>
+            <a:endParaRPr lang="en-US" sz="3200" b="0" strike="noStrike" spc="-1">
               <a:latin typeface="Arial"/>
             </a:endParaRPr>
           </a:p>
@@ -2044,11 +2195,12 @@
           </a:ln>
         </p:spPr>
         <p:txBody>
-          <a:bodyPr lIns="0" rIns="0" tIns="0" bIns="0" anchor="t">
+          <a:bodyPr lIns="0" tIns="0" rIns="0" bIns="0" anchor="t">
             <a:normAutofit/>
           </a:bodyPr>
-          <a:p>
-            <a:endParaRPr b="0" lang="en-US" sz="3200" spc="-1" strike="noStrike">
+          <a:lstStyle/>
+          <a:p>
+            <a:endParaRPr lang="en-US" sz="3200" b="0" strike="noStrike" spc="-1">
               <a:latin typeface="Arial"/>
             </a:endParaRPr>
           </a:p>
@@ -2078,11 +2230,12 @@
           </a:ln>
         </p:spPr>
         <p:txBody>
-          <a:bodyPr lIns="0" rIns="0" tIns="0" bIns="0" anchor="t">
+          <a:bodyPr lIns="0" tIns="0" rIns="0" bIns="0" anchor="t">
             <a:normAutofit/>
           </a:bodyPr>
-          <a:p>
-            <a:endParaRPr b="0" lang="en-US" sz="3200" spc="-1" strike="noStrike">
+          <a:lstStyle/>
+          <a:p>
+            <a:endParaRPr lang="en-US" sz="3200" b="0" strike="noStrike" spc="-1">
               <a:latin typeface="Arial"/>
             </a:endParaRPr>
           </a:p>
@@ -2101,6 +2254,7 @@
         <p:spPr/>
         <p:txBody>
           <a:bodyPr/>
+          <a:lstStyle/>
           <a:p>
             <a:r>
               <a:t>Footer</a:t>
@@ -2121,21 +2275,22 @@
         <p:spPr/>
         <p:txBody>
           <a:bodyPr/>
-          <a:p>
-            <a:r>
-              <a:rPr lang="en-US"/>
-              <a:t/>
-            </a:r>
+          <a:lstStyle/>
+          <a:p>
+            <a:endParaRPr/>
           </a:p>
         </p:txBody>
       </p:sp>
     </p:spTree>
   </p:cSld>
+  <p:clrMapOvr>
+    <a:masterClrMapping/>
+  </p:clrMapOvr>
 </p:sldLayout>
 </file>
 
 <file path=ppt/slideLayouts/slideLayout22.xml><?xml version="1.0" encoding="utf-8"?>
-<p:sldLayout xmlns:a="http://schemas.openxmlformats.org/drawingml/2006/main" xmlns:p="http://schemas.openxmlformats.org/presentationml/2006/main" xmlns:r="http://schemas.openxmlformats.org/officeDocument/2006/relationships" xmlns:p14="http://schemas.microsoft.com/office/powerpoint/2010/main" xmlns:p15="http://schemas.microsoft.com/office/powerpoint/2012/main" xmlns:mc="http://schemas.openxmlformats.org/markup-compatibility/2006" type="objOverTx" preserve="1">
+<p:sldLayout xmlns:a="http://schemas.openxmlformats.org/drawingml/2006/main" xmlns:r="http://schemas.openxmlformats.org/officeDocument/2006/relationships" xmlns:p="http://schemas.openxmlformats.org/presentationml/2006/main" type="objOverTx" preserve="1">
   <p:cSld name="Title, Content over Content">
     <p:spTree>
       <p:nvGrpSpPr>
@@ -2175,14 +2330,15 @@
           </a:ln>
         </p:spPr>
         <p:txBody>
-          <a:bodyPr lIns="0" rIns="0" tIns="0" bIns="0" anchor="ctr">
+          <a:bodyPr lIns="0" tIns="0" rIns="0" bIns="0" anchor="ctr">
             <a:noAutofit/>
           </a:bodyPr>
+          <a:lstStyle/>
           <a:p>
             <a:pPr algn="ctr">
               <a:buNone/>
             </a:pPr>
-            <a:endParaRPr b="0" lang="en-US" sz="4400" spc="-1" strike="noStrike">
+            <a:endParaRPr lang="en-US" sz="4400" b="0" strike="noStrike" spc="-1">
               <a:latin typeface="Arial"/>
             </a:endParaRPr>
           </a:p>
@@ -2212,11 +2368,12 @@
           </a:ln>
         </p:spPr>
         <p:txBody>
-          <a:bodyPr lIns="0" rIns="0" tIns="0" bIns="0" anchor="t">
+          <a:bodyPr lIns="0" tIns="0" rIns="0" bIns="0" anchor="t">
             <a:normAutofit/>
           </a:bodyPr>
-          <a:p>
-            <a:endParaRPr b="0" lang="en-US" sz="3200" spc="-1" strike="noStrike">
+          <a:lstStyle/>
+          <a:p>
+            <a:endParaRPr lang="en-US" sz="3200" b="0" strike="noStrike" spc="-1">
               <a:latin typeface="Arial"/>
             </a:endParaRPr>
           </a:p>
@@ -2246,11 +2403,12 @@
           </a:ln>
         </p:spPr>
         <p:txBody>
-          <a:bodyPr lIns="0" rIns="0" tIns="0" bIns="0" anchor="t">
+          <a:bodyPr lIns="0" tIns="0" rIns="0" bIns="0" anchor="t">
             <a:normAutofit/>
           </a:bodyPr>
-          <a:p>
-            <a:endParaRPr b="0" lang="en-US" sz="3200" spc="-1" strike="noStrike">
+          <a:lstStyle/>
+          <a:p>
+            <a:endParaRPr lang="en-US" sz="3200" b="0" strike="noStrike" spc="-1">
               <a:latin typeface="Arial"/>
             </a:endParaRPr>
           </a:p>
@@ -2269,6 +2427,7 @@
         <p:spPr/>
         <p:txBody>
           <a:bodyPr/>
+          <a:lstStyle/>
           <a:p>
             <a:r>
               <a:t>Footer</a:t>
@@ -2289,21 +2448,22 @@
         <p:spPr/>
         <p:txBody>
           <a:bodyPr/>
-          <a:p>
-            <a:r>
-              <a:rPr lang="en-US"/>
-              <a:t/>
-            </a:r>
+          <a:lstStyle/>
+          <a:p>
+            <a:endParaRPr/>
           </a:p>
         </p:txBody>
       </p:sp>
     </p:spTree>
   </p:cSld>
+  <p:clrMapOvr>
+    <a:masterClrMapping/>
+  </p:clrMapOvr>
 </p:sldLayout>
 </file>
 
 <file path=ppt/slideLayouts/slideLayout23.xml><?xml version="1.0" encoding="utf-8"?>
-<p:sldLayout xmlns:a="http://schemas.openxmlformats.org/drawingml/2006/main" xmlns:p="http://schemas.openxmlformats.org/presentationml/2006/main" xmlns:r="http://schemas.openxmlformats.org/officeDocument/2006/relationships" xmlns:p14="http://schemas.microsoft.com/office/powerpoint/2010/main" xmlns:p15="http://schemas.microsoft.com/office/powerpoint/2012/main" xmlns:mc="http://schemas.openxmlformats.org/markup-compatibility/2006" type="fourObj" preserve="1">
+<p:sldLayout xmlns:a="http://schemas.openxmlformats.org/drawingml/2006/main" xmlns:r="http://schemas.openxmlformats.org/officeDocument/2006/relationships" xmlns:p="http://schemas.openxmlformats.org/presentationml/2006/main" type="fourObj" preserve="1">
   <p:cSld name="Title, 4 Content">
     <p:spTree>
       <p:nvGrpSpPr>
@@ -2343,14 +2503,15 @@
           </a:ln>
         </p:spPr>
         <p:txBody>
-          <a:bodyPr lIns="0" rIns="0" tIns="0" bIns="0" anchor="ctr">
+          <a:bodyPr lIns="0" tIns="0" rIns="0" bIns="0" anchor="ctr">
             <a:noAutofit/>
           </a:bodyPr>
+          <a:lstStyle/>
           <a:p>
             <a:pPr algn="ctr">
               <a:buNone/>
             </a:pPr>
-            <a:endParaRPr b="0" lang="en-US" sz="4400" spc="-1" strike="noStrike">
+            <a:endParaRPr lang="en-US" sz="4400" b="0" strike="noStrike" spc="-1">
               <a:latin typeface="Arial"/>
             </a:endParaRPr>
           </a:p>
@@ -2380,11 +2541,12 @@
           </a:ln>
         </p:spPr>
         <p:txBody>
-          <a:bodyPr lIns="0" rIns="0" tIns="0" bIns="0" anchor="t">
+          <a:bodyPr lIns="0" tIns="0" rIns="0" bIns="0" anchor="t">
             <a:normAutofit/>
           </a:bodyPr>
-          <a:p>
-            <a:endParaRPr b="0" lang="en-US" sz="3200" spc="-1" strike="noStrike">
+          <a:lstStyle/>
+          <a:p>
+            <a:endParaRPr lang="en-US" sz="3200" b="0" strike="noStrike" spc="-1">
               <a:latin typeface="Arial"/>
             </a:endParaRPr>
           </a:p>
@@ -2414,11 +2576,12 @@
           </a:ln>
         </p:spPr>
         <p:txBody>
-          <a:bodyPr lIns="0" rIns="0" tIns="0" bIns="0" anchor="t">
+          <a:bodyPr lIns="0" tIns="0" rIns="0" bIns="0" anchor="t">
             <a:normAutofit/>
           </a:bodyPr>
-          <a:p>
-            <a:endParaRPr b="0" lang="en-US" sz="3200" spc="-1" strike="noStrike">
+          <a:lstStyle/>
+          <a:p>
+            <a:endParaRPr lang="en-US" sz="3200" b="0" strike="noStrike" spc="-1">
               <a:latin typeface="Arial"/>
             </a:endParaRPr>
           </a:p>
@@ -2448,11 +2611,12 @@
           </a:ln>
         </p:spPr>
         <p:txBody>
-          <a:bodyPr lIns="0" rIns="0" tIns="0" bIns="0" anchor="t">
+          <a:bodyPr lIns="0" tIns="0" rIns="0" bIns="0" anchor="t">
             <a:normAutofit/>
           </a:bodyPr>
-          <a:p>
-            <a:endParaRPr b="0" lang="en-US" sz="3200" spc="-1" strike="noStrike">
+          <a:lstStyle/>
+          <a:p>
+            <a:endParaRPr lang="en-US" sz="3200" b="0" strike="noStrike" spc="-1">
               <a:latin typeface="Arial"/>
             </a:endParaRPr>
           </a:p>
@@ -2482,11 +2646,12 @@
           </a:ln>
         </p:spPr>
         <p:txBody>
-          <a:bodyPr lIns="0" rIns="0" tIns="0" bIns="0" anchor="t">
+          <a:bodyPr lIns="0" tIns="0" rIns="0" bIns="0" anchor="t">
             <a:normAutofit/>
           </a:bodyPr>
-          <a:p>
-            <a:endParaRPr b="0" lang="en-US" sz="3200" spc="-1" strike="noStrike">
+          <a:lstStyle/>
+          <a:p>
+            <a:endParaRPr lang="en-US" sz="3200" b="0" strike="noStrike" spc="-1">
               <a:latin typeface="Arial"/>
             </a:endParaRPr>
           </a:p>
@@ -2505,6 +2670,7 @@
         <p:spPr/>
         <p:txBody>
           <a:bodyPr/>
+          <a:lstStyle/>
           <a:p>
             <a:r>
               <a:t>Footer</a:t>
@@ -2525,21 +2691,22 @@
         <p:spPr/>
         <p:txBody>
           <a:bodyPr/>
-          <a:p>
-            <a:r>
-              <a:rPr lang="en-US"/>
-              <a:t/>
-            </a:r>
+          <a:lstStyle/>
+          <a:p>
+            <a:endParaRPr/>
           </a:p>
         </p:txBody>
       </p:sp>
     </p:spTree>
   </p:cSld>
+  <p:clrMapOvr>
+    <a:masterClrMapping/>
+  </p:clrMapOvr>
 </p:sldLayout>
 </file>
 
 <file path=ppt/slideLayouts/slideLayout24.xml><?xml version="1.0" encoding="utf-8"?>
-<p:sldLayout xmlns:a="http://schemas.openxmlformats.org/drawingml/2006/main" xmlns:p="http://schemas.openxmlformats.org/presentationml/2006/main" xmlns:r="http://schemas.openxmlformats.org/officeDocument/2006/relationships" xmlns:p14="http://schemas.microsoft.com/office/powerpoint/2010/main" xmlns:p15="http://schemas.microsoft.com/office/powerpoint/2012/main" xmlns:mc="http://schemas.openxmlformats.org/markup-compatibility/2006" type="blank" preserve="1">
+<p:sldLayout xmlns:a="http://schemas.openxmlformats.org/drawingml/2006/main" xmlns:r="http://schemas.openxmlformats.org/officeDocument/2006/relationships" xmlns:p="http://schemas.openxmlformats.org/presentationml/2006/main" type="blank" preserve="1">
   <p:cSld name="Title, 6 Content">
     <p:spTree>
       <p:nvGrpSpPr>
@@ -2579,14 +2746,15 @@
           </a:ln>
         </p:spPr>
         <p:txBody>
-          <a:bodyPr lIns="0" rIns="0" tIns="0" bIns="0" anchor="ctr">
+          <a:bodyPr lIns="0" tIns="0" rIns="0" bIns="0" anchor="ctr">
             <a:noAutofit/>
           </a:bodyPr>
+          <a:lstStyle/>
           <a:p>
             <a:pPr algn="ctr">
               <a:buNone/>
             </a:pPr>
-            <a:endParaRPr b="0" lang="en-US" sz="4400" spc="-1" strike="noStrike">
+            <a:endParaRPr lang="en-US" sz="4400" b="0" strike="noStrike" spc="-1">
               <a:latin typeface="Arial"/>
             </a:endParaRPr>
           </a:p>
@@ -2616,11 +2784,12 @@
           </a:ln>
         </p:spPr>
         <p:txBody>
-          <a:bodyPr lIns="0" rIns="0" tIns="0" bIns="0" anchor="t">
+          <a:bodyPr lIns="0" tIns="0" rIns="0" bIns="0" anchor="t">
             <a:normAutofit/>
           </a:bodyPr>
-          <a:p>
-            <a:endParaRPr b="0" lang="en-US" sz="3200" spc="-1" strike="noStrike">
+          <a:lstStyle/>
+          <a:p>
+            <a:endParaRPr lang="en-US" sz="3200" b="0" strike="noStrike" spc="-1">
               <a:latin typeface="Arial"/>
             </a:endParaRPr>
           </a:p>
@@ -2650,11 +2819,12 @@
           </a:ln>
         </p:spPr>
         <p:txBody>
-          <a:bodyPr lIns="0" rIns="0" tIns="0" bIns="0" anchor="t">
+          <a:bodyPr lIns="0" tIns="0" rIns="0" bIns="0" anchor="t">
             <a:normAutofit/>
           </a:bodyPr>
-          <a:p>
-            <a:endParaRPr b="0" lang="en-US" sz="3200" spc="-1" strike="noStrike">
+          <a:lstStyle/>
+          <a:p>
+            <a:endParaRPr lang="en-US" sz="3200" b="0" strike="noStrike" spc="-1">
               <a:latin typeface="Arial"/>
             </a:endParaRPr>
           </a:p>
@@ -2684,11 +2854,12 @@
           </a:ln>
         </p:spPr>
         <p:txBody>
-          <a:bodyPr lIns="0" rIns="0" tIns="0" bIns="0" anchor="t">
+          <a:bodyPr lIns="0" tIns="0" rIns="0" bIns="0" anchor="t">
             <a:normAutofit/>
           </a:bodyPr>
-          <a:p>
-            <a:endParaRPr b="0" lang="en-US" sz="3200" spc="-1" strike="noStrike">
+          <a:lstStyle/>
+          <a:p>
+            <a:endParaRPr lang="en-US" sz="3200" b="0" strike="noStrike" spc="-1">
               <a:latin typeface="Arial"/>
             </a:endParaRPr>
           </a:p>
@@ -2718,11 +2889,12 @@
           </a:ln>
         </p:spPr>
         <p:txBody>
-          <a:bodyPr lIns="0" rIns="0" tIns="0" bIns="0" anchor="t">
+          <a:bodyPr lIns="0" tIns="0" rIns="0" bIns="0" anchor="t">
             <a:normAutofit/>
           </a:bodyPr>
-          <a:p>
-            <a:endParaRPr b="0" lang="en-US" sz="3200" spc="-1" strike="noStrike">
+          <a:lstStyle/>
+          <a:p>
+            <a:endParaRPr lang="en-US" sz="3200" b="0" strike="noStrike" spc="-1">
               <a:latin typeface="Arial"/>
             </a:endParaRPr>
           </a:p>
@@ -2752,11 +2924,12 @@
           </a:ln>
         </p:spPr>
         <p:txBody>
-          <a:bodyPr lIns="0" rIns="0" tIns="0" bIns="0" anchor="t">
+          <a:bodyPr lIns="0" tIns="0" rIns="0" bIns="0" anchor="t">
             <a:normAutofit/>
           </a:bodyPr>
-          <a:p>
-            <a:endParaRPr b="0" lang="en-US" sz="3200" spc="-1" strike="noStrike">
+          <a:lstStyle/>
+          <a:p>
+            <a:endParaRPr lang="en-US" sz="3200" b="0" strike="noStrike" spc="-1">
               <a:latin typeface="Arial"/>
             </a:endParaRPr>
           </a:p>
@@ -2786,11 +2959,12 @@
           </a:ln>
         </p:spPr>
         <p:txBody>
-          <a:bodyPr lIns="0" rIns="0" tIns="0" bIns="0" anchor="t">
+          <a:bodyPr lIns="0" tIns="0" rIns="0" bIns="0" anchor="t">
             <a:normAutofit/>
           </a:bodyPr>
-          <a:p>
-            <a:endParaRPr b="0" lang="en-US" sz="3200" spc="-1" strike="noStrike">
+          <a:lstStyle/>
+          <a:p>
+            <a:endParaRPr lang="en-US" sz="3200" b="0" strike="noStrike" spc="-1">
               <a:latin typeface="Arial"/>
             </a:endParaRPr>
           </a:p>
@@ -2809,6 +2983,7 @@
         <p:spPr/>
         <p:txBody>
           <a:bodyPr/>
+          <a:lstStyle/>
           <a:p>
             <a:r>
               <a:t>Footer</a:t>
@@ -2829,21 +3004,22 @@
         <p:spPr/>
         <p:txBody>
           <a:bodyPr/>
-          <a:p>
-            <a:r>
-              <a:rPr lang="en-US"/>
-              <a:t/>
-            </a:r>
+          <a:lstStyle/>
+          <a:p>
+            <a:endParaRPr/>
           </a:p>
         </p:txBody>
       </p:sp>
     </p:spTree>
   </p:cSld>
+  <p:clrMapOvr>
+    <a:masterClrMapping/>
+  </p:clrMapOvr>
 </p:sldLayout>
 </file>
 
 <file path=ppt/slideLayouts/slideLayout3.xml><?xml version="1.0" encoding="utf-8"?>
-<p:sldLayout xmlns:a="http://schemas.openxmlformats.org/drawingml/2006/main" xmlns:p="http://schemas.openxmlformats.org/presentationml/2006/main" xmlns:r="http://schemas.openxmlformats.org/officeDocument/2006/relationships" xmlns:p14="http://schemas.microsoft.com/office/powerpoint/2010/main" xmlns:p15="http://schemas.microsoft.com/office/powerpoint/2012/main" xmlns:mc="http://schemas.openxmlformats.org/markup-compatibility/2006" type="obj" preserve="1">
+<p:sldLayout xmlns:a="http://schemas.openxmlformats.org/drawingml/2006/main" xmlns:r="http://schemas.openxmlformats.org/officeDocument/2006/relationships" xmlns:p="http://schemas.openxmlformats.org/presentationml/2006/main" type="obj" preserve="1">
   <p:cSld name="Title, Content">
     <p:spTree>
       <p:nvGrpSpPr>
@@ -2883,14 +3059,15 @@
           </a:ln>
         </p:spPr>
         <p:txBody>
-          <a:bodyPr lIns="0" rIns="0" tIns="0" bIns="0" anchor="ctr">
+          <a:bodyPr lIns="0" tIns="0" rIns="0" bIns="0" anchor="ctr">
             <a:noAutofit/>
           </a:bodyPr>
+          <a:lstStyle/>
           <a:p>
             <a:pPr algn="ctr">
               <a:buNone/>
             </a:pPr>
-            <a:endParaRPr b="0" lang="en-US" sz="4400" spc="-1" strike="noStrike">
+            <a:endParaRPr lang="en-US" sz="4400" b="0" strike="noStrike" spc="-1">
               <a:latin typeface="Arial"/>
             </a:endParaRPr>
           </a:p>
@@ -2920,11 +3097,12 @@
           </a:ln>
         </p:spPr>
         <p:txBody>
-          <a:bodyPr lIns="0" rIns="0" tIns="0" bIns="0" anchor="t">
+          <a:bodyPr lIns="0" tIns="0" rIns="0" bIns="0" anchor="t">
             <a:normAutofit/>
           </a:bodyPr>
-          <a:p>
-            <a:endParaRPr b="0" lang="en-US" sz="3200" spc="-1" strike="noStrike">
+          <a:lstStyle/>
+          <a:p>
+            <a:endParaRPr lang="en-US" sz="3200" b="0" strike="noStrike" spc="-1">
               <a:latin typeface="Arial"/>
             </a:endParaRPr>
           </a:p>
@@ -2943,21 +3121,22 @@
         <p:spPr/>
         <p:txBody>
           <a:bodyPr/>
-          <a:p>
-            <a:r>
-              <a:rPr lang="en-US"/>
-              <a:t/>
-            </a:r>
+          <a:lstStyle/>
+          <a:p>
+            <a:endParaRPr/>
           </a:p>
         </p:txBody>
       </p:sp>
     </p:spTree>
   </p:cSld>
+  <p:clrMapOvr>
+    <a:masterClrMapping/>
+  </p:clrMapOvr>
 </p:sldLayout>
 </file>
 
 <file path=ppt/slideLayouts/slideLayout4.xml><?xml version="1.0" encoding="utf-8"?>
-<p:sldLayout xmlns:a="http://schemas.openxmlformats.org/drawingml/2006/main" xmlns:p="http://schemas.openxmlformats.org/presentationml/2006/main" xmlns:r="http://schemas.openxmlformats.org/officeDocument/2006/relationships" xmlns:p14="http://schemas.microsoft.com/office/powerpoint/2010/main" xmlns:p15="http://schemas.microsoft.com/office/powerpoint/2012/main" xmlns:mc="http://schemas.openxmlformats.org/markup-compatibility/2006" type="twoObj" preserve="1">
+<p:sldLayout xmlns:a="http://schemas.openxmlformats.org/drawingml/2006/main" xmlns:r="http://schemas.openxmlformats.org/officeDocument/2006/relationships" xmlns:p="http://schemas.openxmlformats.org/presentationml/2006/main" type="twoObj" preserve="1">
   <p:cSld name="Title, 2 Content">
     <p:spTree>
       <p:nvGrpSpPr>
@@ -2997,14 +3176,15 @@
           </a:ln>
         </p:spPr>
         <p:txBody>
-          <a:bodyPr lIns="0" rIns="0" tIns="0" bIns="0" anchor="ctr">
+          <a:bodyPr lIns="0" tIns="0" rIns="0" bIns="0" anchor="ctr">
             <a:noAutofit/>
           </a:bodyPr>
+          <a:lstStyle/>
           <a:p>
             <a:pPr algn="ctr">
               <a:buNone/>
             </a:pPr>
-            <a:endParaRPr b="0" lang="en-US" sz="4400" spc="-1" strike="noStrike">
+            <a:endParaRPr lang="en-US" sz="4400" b="0" strike="noStrike" spc="-1">
               <a:latin typeface="Arial"/>
             </a:endParaRPr>
           </a:p>
@@ -3034,11 +3214,12 @@
           </a:ln>
         </p:spPr>
         <p:txBody>
-          <a:bodyPr lIns="0" rIns="0" tIns="0" bIns="0" anchor="t">
+          <a:bodyPr lIns="0" tIns="0" rIns="0" bIns="0" anchor="t">
             <a:normAutofit/>
           </a:bodyPr>
-          <a:p>
-            <a:endParaRPr b="0" lang="en-US" sz="3200" spc="-1" strike="noStrike">
+          <a:lstStyle/>
+          <a:p>
+            <a:endParaRPr lang="en-US" sz="3200" b="0" strike="noStrike" spc="-1">
               <a:latin typeface="Arial"/>
             </a:endParaRPr>
           </a:p>
@@ -3068,11 +3249,12 @@
           </a:ln>
         </p:spPr>
         <p:txBody>
-          <a:bodyPr lIns="0" rIns="0" tIns="0" bIns="0" anchor="t">
+          <a:bodyPr lIns="0" tIns="0" rIns="0" bIns="0" anchor="t">
             <a:normAutofit/>
           </a:bodyPr>
-          <a:p>
-            <a:endParaRPr b="0" lang="en-US" sz="3200" spc="-1" strike="noStrike">
+          <a:lstStyle/>
+          <a:p>
+            <a:endParaRPr lang="en-US" sz="3200" b="0" strike="noStrike" spc="-1">
               <a:latin typeface="Arial"/>
             </a:endParaRPr>
           </a:p>
@@ -3091,21 +3273,22 @@
         <p:spPr/>
         <p:txBody>
           <a:bodyPr/>
-          <a:p>
-            <a:r>
-              <a:rPr lang="en-US"/>
-              <a:t/>
-            </a:r>
+          <a:lstStyle/>
+          <a:p>
+            <a:endParaRPr/>
           </a:p>
         </p:txBody>
       </p:sp>
     </p:spTree>
   </p:cSld>
+  <p:clrMapOvr>
+    <a:masterClrMapping/>
+  </p:clrMapOvr>
 </p:sldLayout>
 </file>
 
 <file path=ppt/slideLayouts/slideLayout5.xml><?xml version="1.0" encoding="utf-8"?>
-<p:sldLayout xmlns:a="http://schemas.openxmlformats.org/drawingml/2006/main" xmlns:p="http://schemas.openxmlformats.org/presentationml/2006/main" xmlns:r="http://schemas.openxmlformats.org/officeDocument/2006/relationships" xmlns:p14="http://schemas.microsoft.com/office/powerpoint/2010/main" xmlns:p15="http://schemas.microsoft.com/office/powerpoint/2012/main" xmlns:mc="http://schemas.openxmlformats.org/markup-compatibility/2006" type="titleOnly" preserve="1">
+<p:sldLayout xmlns:a="http://schemas.openxmlformats.org/drawingml/2006/main" xmlns:r="http://schemas.openxmlformats.org/officeDocument/2006/relationships" xmlns:p="http://schemas.openxmlformats.org/presentationml/2006/main" type="titleOnly" preserve="1">
   <p:cSld name="Title Only">
     <p:spTree>
       <p:nvGrpSpPr>
@@ -3145,14 +3328,15 @@
           </a:ln>
         </p:spPr>
         <p:txBody>
-          <a:bodyPr lIns="0" rIns="0" tIns="0" bIns="0" anchor="ctr">
+          <a:bodyPr lIns="0" tIns="0" rIns="0" bIns="0" anchor="ctr">
             <a:noAutofit/>
           </a:bodyPr>
+          <a:lstStyle/>
           <a:p>
             <a:pPr algn="ctr">
               <a:buNone/>
             </a:pPr>
-            <a:endParaRPr b="0" lang="en-US" sz="4400" spc="-1" strike="noStrike">
+            <a:endParaRPr lang="en-US" sz="4400" b="0" strike="noStrike" spc="-1">
               <a:latin typeface="Arial"/>
             </a:endParaRPr>
           </a:p>
@@ -3171,21 +3355,22 @@
         <p:spPr/>
         <p:txBody>
           <a:bodyPr/>
-          <a:p>
-            <a:r>
-              <a:rPr lang="en-US"/>
-              <a:t/>
-            </a:r>
+          <a:lstStyle/>
+          <a:p>
+            <a:endParaRPr/>
           </a:p>
         </p:txBody>
       </p:sp>
     </p:spTree>
   </p:cSld>
+  <p:clrMapOvr>
+    <a:masterClrMapping/>
+  </p:clrMapOvr>
 </p:sldLayout>
 </file>
 
 <file path=ppt/slideLayouts/slideLayout6.xml><?xml version="1.0" encoding="utf-8"?>
-<p:sldLayout xmlns:a="http://schemas.openxmlformats.org/drawingml/2006/main" xmlns:p="http://schemas.openxmlformats.org/presentationml/2006/main" xmlns:r="http://schemas.openxmlformats.org/officeDocument/2006/relationships" xmlns:p14="http://schemas.microsoft.com/office/powerpoint/2010/main" xmlns:p15="http://schemas.microsoft.com/office/powerpoint/2012/main" xmlns:mc="http://schemas.openxmlformats.org/markup-compatibility/2006" type="objOnly" preserve="1">
+<p:sldLayout xmlns:a="http://schemas.openxmlformats.org/drawingml/2006/main" xmlns:r="http://schemas.openxmlformats.org/officeDocument/2006/relationships" xmlns:p="http://schemas.openxmlformats.org/presentationml/2006/main" type="objOnly" preserve="1">
   <p:cSld name="Centered Text">
     <p:spTree>
       <p:nvGrpSpPr>
@@ -3225,14 +3410,15 @@
           </a:ln>
         </p:spPr>
         <p:txBody>
-          <a:bodyPr lIns="0" rIns="0" tIns="0" bIns="0" anchor="ctr">
+          <a:bodyPr lIns="0" tIns="0" rIns="0" bIns="0" anchor="ctr">
             <a:noAutofit/>
           </a:bodyPr>
+          <a:lstStyle/>
           <a:p>
             <a:pPr algn="ctr">
               <a:buNone/>
             </a:pPr>
-            <a:endParaRPr b="0" lang="en-US" sz="3200" spc="-1" strike="noStrike">
+            <a:endParaRPr lang="en-US" sz="3200" b="0" strike="noStrike" spc="-1">
               <a:latin typeface="Arial"/>
             </a:endParaRPr>
           </a:p>
@@ -3251,21 +3437,22 @@
         <p:spPr/>
         <p:txBody>
           <a:bodyPr/>
-          <a:p>
-            <a:r>
-              <a:rPr lang="en-US"/>
-              <a:t/>
-            </a:r>
+          <a:lstStyle/>
+          <a:p>
+            <a:endParaRPr/>
           </a:p>
         </p:txBody>
       </p:sp>
     </p:spTree>
   </p:cSld>
+  <p:clrMapOvr>
+    <a:masterClrMapping/>
+  </p:clrMapOvr>
 </p:sldLayout>
 </file>
 
 <file path=ppt/slideLayouts/slideLayout7.xml><?xml version="1.0" encoding="utf-8"?>
-<p:sldLayout xmlns:a="http://schemas.openxmlformats.org/drawingml/2006/main" xmlns:p="http://schemas.openxmlformats.org/presentationml/2006/main" xmlns:r="http://schemas.openxmlformats.org/officeDocument/2006/relationships" xmlns:p14="http://schemas.microsoft.com/office/powerpoint/2010/main" xmlns:p15="http://schemas.microsoft.com/office/powerpoint/2012/main" xmlns:mc="http://schemas.openxmlformats.org/markup-compatibility/2006" type="twoObjAndObj" preserve="1">
+<p:sldLayout xmlns:a="http://schemas.openxmlformats.org/drawingml/2006/main" xmlns:r="http://schemas.openxmlformats.org/officeDocument/2006/relationships" xmlns:p="http://schemas.openxmlformats.org/presentationml/2006/main" type="twoObjAndObj" preserve="1">
   <p:cSld name="Title, 2 Content and Content">
     <p:spTree>
       <p:nvGrpSpPr>
@@ -3305,14 +3492,15 @@
           </a:ln>
         </p:spPr>
         <p:txBody>
-          <a:bodyPr lIns="0" rIns="0" tIns="0" bIns="0" anchor="ctr">
+          <a:bodyPr lIns="0" tIns="0" rIns="0" bIns="0" anchor="ctr">
             <a:noAutofit/>
           </a:bodyPr>
+          <a:lstStyle/>
           <a:p>
             <a:pPr algn="ctr">
               <a:buNone/>
             </a:pPr>
-            <a:endParaRPr b="0" lang="en-US" sz="4400" spc="-1" strike="noStrike">
+            <a:endParaRPr lang="en-US" sz="4400" b="0" strike="noStrike" spc="-1">
               <a:latin typeface="Arial"/>
             </a:endParaRPr>
           </a:p>
@@ -3342,11 +3530,12 @@
           </a:ln>
         </p:spPr>
         <p:txBody>
-          <a:bodyPr lIns="0" rIns="0" tIns="0" bIns="0" anchor="t">
+          <a:bodyPr lIns="0" tIns="0" rIns="0" bIns="0" anchor="t">
             <a:normAutofit/>
           </a:bodyPr>
-          <a:p>
-            <a:endParaRPr b="0" lang="en-US" sz="3200" spc="-1" strike="noStrike">
+          <a:lstStyle/>
+          <a:p>
+            <a:endParaRPr lang="en-US" sz="3200" b="0" strike="noStrike" spc="-1">
               <a:latin typeface="Arial"/>
             </a:endParaRPr>
           </a:p>
@@ -3376,11 +3565,12 @@
           </a:ln>
         </p:spPr>
         <p:txBody>
-          <a:bodyPr lIns="0" rIns="0" tIns="0" bIns="0" anchor="t">
+          <a:bodyPr lIns="0" tIns="0" rIns="0" bIns="0" anchor="t">
             <a:normAutofit/>
           </a:bodyPr>
-          <a:p>
-            <a:endParaRPr b="0" lang="en-US" sz="3200" spc="-1" strike="noStrike">
+          <a:lstStyle/>
+          <a:p>
+            <a:endParaRPr lang="en-US" sz="3200" b="0" strike="noStrike" spc="-1">
               <a:latin typeface="Arial"/>
             </a:endParaRPr>
           </a:p>
@@ -3410,11 +3600,12 @@
           </a:ln>
         </p:spPr>
         <p:txBody>
-          <a:bodyPr lIns="0" rIns="0" tIns="0" bIns="0" anchor="t">
+          <a:bodyPr lIns="0" tIns="0" rIns="0" bIns="0" anchor="t">
             <a:normAutofit/>
           </a:bodyPr>
-          <a:p>
-            <a:endParaRPr b="0" lang="en-US" sz="3200" spc="-1" strike="noStrike">
+          <a:lstStyle/>
+          <a:p>
+            <a:endParaRPr lang="en-US" sz="3200" b="0" strike="noStrike" spc="-1">
               <a:latin typeface="Arial"/>
             </a:endParaRPr>
           </a:p>
@@ -3433,21 +3624,22 @@
         <p:spPr/>
         <p:txBody>
           <a:bodyPr/>
-          <a:p>
-            <a:r>
-              <a:rPr lang="en-US"/>
-              <a:t/>
-            </a:r>
+          <a:lstStyle/>
+          <a:p>
+            <a:endParaRPr/>
           </a:p>
         </p:txBody>
       </p:sp>
     </p:spTree>
   </p:cSld>
+  <p:clrMapOvr>
+    <a:masterClrMapping/>
+  </p:clrMapOvr>
 </p:sldLayout>
 </file>
 
 <file path=ppt/slideLayouts/slideLayout8.xml><?xml version="1.0" encoding="utf-8"?>
-<p:sldLayout xmlns:a="http://schemas.openxmlformats.org/drawingml/2006/main" xmlns:p="http://schemas.openxmlformats.org/presentationml/2006/main" xmlns:r="http://schemas.openxmlformats.org/officeDocument/2006/relationships" xmlns:p14="http://schemas.microsoft.com/office/powerpoint/2010/main" xmlns:p15="http://schemas.microsoft.com/office/powerpoint/2012/main" xmlns:mc="http://schemas.openxmlformats.org/markup-compatibility/2006" type="objAndTwoObj" preserve="1">
+<p:sldLayout xmlns:a="http://schemas.openxmlformats.org/drawingml/2006/main" xmlns:r="http://schemas.openxmlformats.org/officeDocument/2006/relationships" xmlns:p="http://schemas.openxmlformats.org/presentationml/2006/main" type="objAndTwoObj" preserve="1">
   <p:cSld name="Title Content and 2 Content">
     <p:spTree>
       <p:nvGrpSpPr>
@@ -3487,14 +3679,15 @@
           </a:ln>
         </p:spPr>
         <p:txBody>
-          <a:bodyPr lIns="0" rIns="0" tIns="0" bIns="0" anchor="ctr">
+          <a:bodyPr lIns="0" tIns="0" rIns="0" bIns="0" anchor="ctr">
             <a:noAutofit/>
           </a:bodyPr>
+          <a:lstStyle/>
           <a:p>
             <a:pPr algn="ctr">
               <a:buNone/>
             </a:pPr>
-            <a:endParaRPr b="0" lang="en-US" sz="4400" spc="-1" strike="noStrike">
+            <a:endParaRPr lang="en-US" sz="4400" b="0" strike="noStrike" spc="-1">
               <a:latin typeface="Arial"/>
             </a:endParaRPr>
           </a:p>
@@ -3524,11 +3717,12 @@
           </a:ln>
         </p:spPr>
         <p:txBody>
-          <a:bodyPr lIns="0" rIns="0" tIns="0" bIns="0" anchor="t">
+          <a:bodyPr lIns="0" tIns="0" rIns="0" bIns="0" anchor="t">
             <a:normAutofit/>
           </a:bodyPr>
-          <a:p>
-            <a:endParaRPr b="0" lang="en-US" sz="3200" spc="-1" strike="noStrike">
+          <a:lstStyle/>
+          <a:p>
+            <a:endParaRPr lang="en-US" sz="3200" b="0" strike="noStrike" spc="-1">
               <a:latin typeface="Arial"/>
             </a:endParaRPr>
           </a:p>
@@ -3558,11 +3752,12 @@
           </a:ln>
         </p:spPr>
         <p:txBody>
-          <a:bodyPr lIns="0" rIns="0" tIns="0" bIns="0" anchor="t">
+          <a:bodyPr lIns="0" tIns="0" rIns="0" bIns="0" anchor="t">
             <a:normAutofit/>
           </a:bodyPr>
-          <a:p>
-            <a:endParaRPr b="0" lang="en-US" sz="3200" spc="-1" strike="noStrike">
+          <a:lstStyle/>
+          <a:p>
+            <a:endParaRPr lang="en-US" sz="3200" b="0" strike="noStrike" spc="-1">
               <a:latin typeface="Arial"/>
             </a:endParaRPr>
           </a:p>
@@ -3592,11 +3787,12 @@
           </a:ln>
         </p:spPr>
         <p:txBody>
-          <a:bodyPr lIns="0" rIns="0" tIns="0" bIns="0" anchor="t">
+          <a:bodyPr lIns="0" tIns="0" rIns="0" bIns="0" anchor="t">
             <a:normAutofit/>
           </a:bodyPr>
-          <a:p>
-            <a:endParaRPr b="0" lang="en-US" sz="3200" spc="-1" strike="noStrike">
+          <a:lstStyle/>
+          <a:p>
+            <a:endParaRPr lang="en-US" sz="3200" b="0" strike="noStrike" spc="-1">
               <a:latin typeface="Arial"/>
             </a:endParaRPr>
           </a:p>
@@ -3615,21 +3811,22 @@
         <p:spPr/>
         <p:txBody>
           <a:bodyPr/>
-          <a:p>
-            <a:r>
-              <a:rPr lang="en-US"/>
-              <a:t/>
-            </a:r>
+          <a:lstStyle/>
+          <a:p>
+            <a:endParaRPr/>
           </a:p>
         </p:txBody>
       </p:sp>
     </p:spTree>
   </p:cSld>
+  <p:clrMapOvr>
+    <a:masterClrMapping/>
+  </p:clrMapOvr>
 </p:sldLayout>
 </file>
 
 <file path=ppt/slideLayouts/slideLayout9.xml><?xml version="1.0" encoding="utf-8"?>
-<p:sldLayout xmlns:a="http://schemas.openxmlformats.org/drawingml/2006/main" xmlns:p="http://schemas.openxmlformats.org/presentationml/2006/main" xmlns:r="http://schemas.openxmlformats.org/officeDocument/2006/relationships" xmlns:p14="http://schemas.microsoft.com/office/powerpoint/2010/main" xmlns:p15="http://schemas.microsoft.com/office/powerpoint/2012/main" xmlns:mc="http://schemas.openxmlformats.org/markup-compatibility/2006" type="twoObjOverTx" preserve="1">
+<p:sldLayout xmlns:a="http://schemas.openxmlformats.org/drawingml/2006/main" xmlns:r="http://schemas.openxmlformats.org/officeDocument/2006/relationships" xmlns:p="http://schemas.openxmlformats.org/presentationml/2006/main" type="twoObjOverTx" preserve="1">
   <p:cSld name="Title, 2 Content over Content">
     <p:spTree>
       <p:nvGrpSpPr>
@@ -3669,14 +3866,15 @@
           </a:ln>
         </p:spPr>
         <p:txBody>
-          <a:bodyPr lIns="0" rIns="0" tIns="0" bIns="0" anchor="ctr">
+          <a:bodyPr lIns="0" tIns="0" rIns="0" bIns="0" anchor="ctr">
             <a:noAutofit/>
           </a:bodyPr>
+          <a:lstStyle/>
           <a:p>
             <a:pPr algn="ctr">
               <a:buNone/>
             </a:pPr>
-            <a:endParaRPr b="0" lang="en-US" sz="4400" spc="-1" strike="noStrike">
+            <a:endParaRPr lang="en-US" sz="4400" b="0" strike="noStrike" spc="-1">
               <a:latin typeface="Arial"/>
             </a:endParaRPr>
           </a:p>
@@ -3706,11 +3904,12 @@
           </a:ln>
         </p:spPr>
         <p:txBody>
-          <a:bodyPr lIns="0" rIns="0" tIns="0" bIns="0" anchor="t">
+          <a:bodyPr lIns="0" tIns="0" rIns="0" bIns="0" anchor="t">
             <a:normAutofit/>
           </a:bodyPr>
-          <a:p>
-            <a:endParaRPr b="0" lang="en-US" sz="3200" spc="-1" strike="noStrike">
+          <a:lstStyle/>
+          <a:p>
+            <a:endParaRPr lang="en-US" sz="3200" b="0" strike="noStrike" spc="-1">
               <a:latin typeface="Arial"/>
             </a:endParaRPr>
           </a:p>
@@ -3740,11 +3939,12 @@
           </a:ln>
         </p:spPr>
         <p:txBody>
-          <a:bodyPr lIns="0" rIns="0" tIns="0" bIns="0" anchor="t">
+          <a:bodyPr lIns="0" tIns="0" rIns="0" bIns="0" anchor="t">
             <a:normAutofit/>
           </a:bodyPr>
-          <a:p>
-            <a:endParaRPr b="0" lang="en-US" sz="3200" spc="-1" strike="noStrike">
+          <a:lstStyle/>
+          <a:p>
+            <a:endParaRPr lang="en-US" sz="3200" b="0" strike="noStrike" spc="-1">
               <a:latin typeface="Arial"/>
             </a:endParaRPr>
           </a:p>
@@ -3774,11 +3974,12 @@
           </a:ln>
         </p:spPr>
         <p:txBody>
-          <a:bodyPr lIns="0" rIns="0" tIns="0" bIns="0" anchor="t">
+          <a:bodyPr lIns="0" tIns="0" rIns="0" bIns="0" anchor="t">
             <a:normAutofit/>
           </a:bodyPr>
-          <a:p>
-            <a:endParaRPr b="0" lang="en-US" sz="3200" spc="-1" strike="noStrike">
+          <a:lstStyle/>
+          <a:p>
+            <a:endParaRPr lang="en-US" sz="3200" b="0" strike="noStrike" spc="-1">
               <a:latin typeface="Arial"/>
             </a:endParaRPr>
           </a:p>
@@ -3797,27 +3998,29 @@
         <p:spPr/>
         <p:txBody>
           <a:bodyPr/>
-          <a:p>
-            <a:r>
-              <a:rPr lang="en-US"/>
-              <a:t/>
-            </a:r>
+          <a:lstStyle/>
+          <a:p>
+            <a:endParaRPr/>
           </a:p>
         </p:txBody>
       </p:sp>
     </p:spTree>
   </p:cSld>
+  <p:clrMapOvr>
+    <a:masterClrMapping/>
+  </p:clrMapOvr>
 </p:sldLayout>
 </file>
 
 <file path=ppt/slideMasters/slideMaster1.xml><?xml version="1.0" encoding="utf-8"?>
-<p:sldMaster xmlns:a="http://schemas.openxmlformats.org/drawingml/2006/main" xmlns:p="http://schemas.openxmlformats.org/presentationml/2006/main" xmlns:r="http://schemas.openxmlformats.org/officeDocument/2006/relationships" xmlns:p14="http://schemas.microsoft.com/office/powerpoint/2010/main" xmlns:p15="http://schemas.microsoft.com/office/powerpoint/2012/main" xmlns:mc="http://schemas.openxmlformats.org/markup-compatibility/2006">
+<p:sldMaster xmlns:a="http://schemas.openxmlformats.org/drawingml/2006/main" xmlns:r="http://schemas.openxmlformats.org/officeDocument/2006/relationships" xmlns:p="http://schemas.openxmlformats.org/presentationml/2006/main">
   <p:cSld>
     <p:bg>
       <p:bgPr>
         <a:solidFill>
-          <a:srgbClr val="ffffff"/>
+          <a:srgbClr val="FFFFFF"/>
         </a:solidFill>
+        <a:effectLst/>
       </p:bgPr>
     </p:bg>
     <p:spTree>
@@ -3836,12 +4039,12 @@
       </p:grpSpPr>
       <p:pic>
         <p:nvPicPr>
-          <p:cNvPr id="0" name="Grafik 6" descr=""/>
+          <p:cNvPr id="10" name="Grafik 6"/>
           <p:cNvPicPr/>
           <p:nvPr/>
         </p:nvPicPr>
         <p:blipFill>
-          <a:blip r:embed="rId2"/>
+          <a:blip r:embed="rId14"/>
           <a:stretch/>
         </p:blipFill>
         <p:spPr>
@@ -3859,7 +4062,7 @@
       </p:pic>
       <p:sp>
         <p:nvSpPr>
-          <p:cNvPr id="1" name="Rechteck 7"/>
+          <p:cNvPr id="11" name="Rechteck 7"/>
           <p:cNvSpPr/>
           <p:nvPr/>
         </p:nvSpPr>
@@ -3877,15 +4080,22 @@
           </a:ln>
         </p:spPr>
         <p:style>
-          <a:lnRef idx="0"/>
-          <a:fillRef idx="0"/>
-          <a:effectRef idx="0"/>
+          <a:lnRef idx="0">
+            <a:scrgbClr r="0" g="0" b="0"/>
+          </a:lnRef>
+          <a:fillRef idx="0">
+            <a:scrgbClr r="0" g="0" b="0"/>
+          </a:fillRef>
+          <a:effectRef idx="0">
+            <a:scrgbClr r="0" g="0" b="0"/>
+          </a:effectRef>
           <a:fontRef idx="minor"/>
         </p:style>
         <p:txBody>
-          <a:bodyPr lIns="0" rIns="0" tIns="0" bIns="0" anchor="t">
+          <a:bodyPr lIns="0" tIns="0" rIns="0" bIns="0" anchor="t">
             <a:noAutofit/>
           </a:bodyPr>
+          <a:lstStyle/>
           <a:p>
             <a:pPr>
               <a:lnSpc>
@@ -3894,7 +4104,7 @@
               <a:buNone/>
             </a:pPr>
             <a:r>
-              <a:rPr b="0" lang="de-DE" sz="900" spc="-1" strike="noStrike">
+              <a:rPr lang="de-DE" sz="900" b="0" strike="noStrike" spc="-1">
                 <a:solidFill>
                   <a:srgbClr val="000000"/>
                 </a:solidFill>
@@ -3903,7 +4113,7 @@
               </a:rPr>
               <a:t>Sächsische Landesbibliothek – Staats- und Universitätsbibliothek Dresden</a:t>
             </a:r>
-            <a:endParaRPr b="0" lang="en-US" sz="900" spc="-1" strike="noStrike">
+            <a:endParaRPr lang="en-US" sz="900" b="0" strike="noStrike" spc="-1">
               <a:latin typeface="Arial"/>
             </a:endParaRPr>
           </a:p>
@@ -3929,15 +4139,22 @@
           </a:ln>
         </p:spPr>
         <p:style>
-          <a:lnRef idx="0"/>
-          <a:fillRef idx="0"/>
-          <a:effectRef idx="0"/>
+          <a:lnRef idx="0">
+            <a:scrgbClr r="0" g="0" b="0"/>
+          </a:lnRef>
+          <a:fillRef idx="0">
+            <a:scrgbClr r="0" g="0" b="0"/>
+          </a:fillRef>
+          <a:effectRef idx="0">
+            <a:scrgbClr r="0" g="0" b="0"/>
+          </a:effectRef>
           <a:fontRef idx="minor"/>
         </p:style>
         <p:txBody>
-          <a:bodyPr wrap="none" lIns="0" rIns="0" tIns="0" bIns="0" anchor="t">
+          <a:bodyPr wrap="none" lIns="0" tIns="0" rIns="0" bIns="0" anchor="t">
             <a:noAutofit/>
           </a:bodyPr>
+          <a:lstStyle/>
           <a:p>
             <a:pPr algn="r">
               <a:lnSpc>
@@ -3946,16 +4163,16 @@
               <a:buNone/>
             </a:pPr>
             <a:r>
-              <a:rPr b="1" lang="de-DE" sz="900" spc="-1" strike="noStrike">
+              <a:rPr lang="de-DE" sz="900" b="1" strike="noStrike" spc="-1">
                 <a:solidFill>
-                  <a:srgbClr val="e10019"/>
+                  <a:srgbClr val="E10019"/>
                 </a:solidFill>
                 <a:latin typeface="VistaSansBold"/>
                 <a:ea typeface="DejaVu Sans"/>
               </a:rPr>
               <a:t>slub-dresden.de</a:t>
             </a:r>
-            <a:endParaRPr b="0" lang="en-US" sz="900" spc="-1" strike="noStrike">
+            <a:endParaRPr lang="en-US" sz="900" b="0" strike="noStrike" spc="-1">
               <a:latin typeface="Arial"/>
             </a:endParaRPr>
           </a:p>
@@ -3981,15 +4198,22 @@
           </a:ln>
         </p:spPr>
         <p:style>
-          <a:lnRef idx="0"/>
-          <a:fillRef idx="0"/>
-          <a:effectRef idx="0"/>
+          <a:lnRef idx="0">
+            <a:scrgbClr r="0" g="0" b="0"/>
+          </a:lnRef>
+          <a:fillRef idx="0">
+            <a:scrgbClr r="0" g="0" b="0"/>
+          </a:fillRef>
+          <a:effectRef idx="0">
+            <a:scrgbClr r="0" g="0" b="0"/>
+          </a:effectRef>
           <a:fontRef idx="minor"/>
         </p:style>
         <p:txBody>
-          <a:bodyPr wrap="none" lIns="0" rIns="0" tIns="0" bIns="0" anchor="t">
+          <a:bodyPr wrap="none" lIns="0" tIns="0" rIns="0" bIns="0" anchor="t">
             <a:noAutofit/>
           </a:bodyPr>
+          <a:lstStyle/>
           <a:p>
             <a:pPr>
               <a:lnSpc>
@@ -3998,18 +4222,18 @@
               <a:buNone/>
             </a:pPr>
             <a:r>
-              <a:rPr b="0" lang="de-DE" sz="900" spc="-1" strike="noStrike" u="sng">
+              <a:rPr lang="de-DE" sz="900" b="0" u="sng" strike="noStrike" spc="-1">
                 <a:solidFill>
-                  <a:srgbClr val="e10019"/>
+                  <a:srgbClr val="E10019"/>
                 </a:solidFill>
                 <a:uFillTx/>
                 <a:latin typeface="VistaSansBook"/>
                 <a:ea typeface="DejaVu Sans"/>
-                <a:hlinkClick r:id="rId3"/>
+                <a:hlinkClick r:id="rId15"/>
               </a:rPr>
               <a:t>CC BY 4.0</a:t>
             </a:r>
-            <a:endParaRPr b="0" lang="en-US" sz="900" spc="-1" strike="noStrike">
+            <a:endParaRPr lang="en-US" sz="900" b="0" strike="noStrike" spc="-1">
               <a:latin typeface="Arial"/>
             </a:endParaRPr>
           </a:p>
@@ -4051,12 +4275,12 @@
       </p:sp>
       <p:pic>
         <p:nvPicPr>
-          <p:cNvPr id="5" name="Grafik 7" descr=""/>
+          <p:cNvPr id="5" name="Grafik 7"/>
           <p:cNvPicPr/>
           <p:nvPr/>
         </p:nvPicPr>
         <p:blipFill>
-          <a:blip r:embed="rId4"/>
+          <a:blip r:embed="rId16"/>
           <a:stretch/>
         </p:blipFill>
         <p:spPr>
@@ -4074,12 +4298,12 @@
       </p:pic>
       <p:pic>
         <p:nvPicPr>
-          <p:cNvPr id="6" name="Grafik 3" descr=""/>
+          <p:cNvPr id="6" name="Grafik 3"/>
           <p:cNvPicPr/>
           <p:nvPr/>
         </p:nvPicPr>
         <p:blipFill>
-          <a:blip r:embed="rId5"/>
+          <a:blip r:embed="rId17"/>
           <a:stretch/>
         </p:blipFill>
         <p:spPr>
@@ -4119,26 +4343,23 @@
           </a:ln>
         </p:spPr>
         <p:txBody>
-          <a:bodyPr lIns="0" rIns="0" tIns="0" bIns="0" anchor="t">
+          <a:bodyPr lIns="0" tIns="0" rIns="0" bIns="0" anchor="t">
             <a:noAutofit/>
           </a:bodyPr>
           <a:lstStyle>
             <a:lvl1pPr>
-              <a:defRPr b="0" lang="en-US" sz="1400" spc="-1" strike="noStrike">
+              <a:defRPr lang="en-US" sz="1400" b="0" strike="noStrike" spc="-1">
                 <a:latin typeface="Times New Roman"/>
               </a:defRPr>
             </a:lvl1pPr>
           </a:lstStyle>
           <a:p>
             <a:r>
-              <a:rPr b="0" lang="en-US" sz="1400" spc="-1" strike="noStrike">
+              <a:rPr lang="en-US" sz="1400" b="0" strike="noStrike" spc="-1">
                 <a:latin typeface="Times New Roman"/>
               </a:rPr>
-              <a:t> </a:t>
-            </a:r>
-            <a:endParaRPr b="0" lang="en-US" sz="1400" spc="-1" strike="noStrike">
-              <a:latin typeface="Times New Roman"/>
-            </a:endParaRPr>
+              <a:t>&lt;date/time&gt;</a:t>
+            </a:r>
           </a:p>
         </p:txBody>
       </p:sp>
@@ -4166,22 +4387,20 @@
           </a:ln>
         </p:spPr>
         <p:txBody>
-          <a:bodyPr lIns="0" rIns="0" tIns="0" bIns="0" anchor="ctr">
+          <a:bodyPr lIns="0" tIns="0" rIns="0" bIns="0" anchor="ctr">
             <a:noAutofit/>
           </a:bodyPr>
+          <a:lstStyle/>
           <a:p>
             <a:pPr algn="ctr">
               <a:buNone/>
             </a:pPr>
             <a:r>
-              <a:rPr b="0" lang="en-US" sz="4400" spc="-1" strike="noStrike">
+              <a:rPr lang="en-US" sz="4400" b="0" strike="noStrike" spc="-1">
                 <a:latin typeface="Arial"/>
               </a:rPr>
               <a:t>Click to edit the title text format</a:t>
             </a:r>
-            <a:endParaRPr b="0" lang="en-US" sz="4400" spc="-1" strike="noStrike">
-              <a:latin typeface="Arial"/>
-            </a:endParaRPr>
           </a:p>
         </p:txBody>
       </p:sp>
@@ -4209,9 +4428,10 @@
           </a:ln>
         </p:spPr>
         <p:txBody>
-          <a:bodyPr lIns="0" rIns="0" tIns="0" bIns="0" anchor="t">
+          <a:bodyPr lIns="0" tIns="0" rIns="0" bIns="0" anchor="t">
             <a:normAutofit/>
           </a:bodyPr>
+          <a:lstStyle/>
           <a:p>
             <a:pPr marL="432000" indent="-324000">
               <a:spcBef>
@@ -4225,17 +4445,14 @@
               <a:buChar char=""/>
             </a:pPr>
             <a:r>
-              <a:rPr b="0" lang="en-US" sz="3200" spc="-1" strike="noStrike">
+              <a:rPr lang="en-US" sz="3200" b="0" strike="noStrike" spc="-1">
                 <a:latin typeface="Arial"/>
               </a:rPr>
               <a:t>Click to edit the outline text format</a:t>
             </a:r>
-            <a:endParaRPr b="0" lang="en-US" sz="3200" spc="-1" strike="noStrike">
-              <a:latin typeface="Arial"/>
-            </a:endParaRPr>
-          </a:p>
-          <a:p>
-            <a:pPr lvl="1" marL="864000" indent="-324000">
+          </a:p>
+          <a:p>
+            <a:pPr marL="864000" lvl="1" indent="-324000">
               <a:spcBef>
                 <a:spcPts val="1134"/>
               </a:spcBef>
@@ -4247,17 +4464,14 @@
               <a:buChar char=""/>
             </a:pPr>
             <a:r>
-              <a:rPr b="0" lang="en-US" sz="2800" spc="-1" strike="noStrike">
+              <a:rPr lang="en-US" sz="2800" b="0" strike="noStrike" spc="-1">
                 <a:latin typeface="Arial"/>
               </a:rPr>
               <a:t>Second Outline Level</a:t>
             </a:r>
-            <a:endParaRPr b="0" lang="en-US" sz="2800" spc="-1" strike="noStrike">
-              <a:latin typeface="Arial"/>
-            </a:endParaRPr>
-          </a:p>
-          <a:p>
-            <a:pPr lvl="2" marL="1296000" indent="-288000">
+          </a:p>
+          <a:p>
+            <a:pPr marL="1296000" lvl="2" indent="-288000">
               <a:spcBef>
                 <a:spcPts val="850"/>
               </a:spcBef>
@@ -4269,17 +4483,14 @@
               <a:buChar char=""/>
             </a:pPr>
             <a:r>
-              <a:rPr b="0" lang="en-US" sz="2400" spc="-1" strike="noStrike">
+              <a:rPr lang="en-US" sz="2400" b="0" strike="noStrike" spc="-1">
                 <a:latin typeface="Arial"/>
               </a:rPr>
               <a:t>Third Outline Level</a:t>
             </a:r>
-            <a:endParaRPr b="0" lang="en-US" sz="2400" spc="-1" strike="noStrike">
-              <a:latin typeface="Arial"/>
-            </a:endParaRPr>
-          </a:p>
-          <a:p>
-            <a:pPr lvl="3" marL="1728000" indent="-216000">
+          </a:p>
+          <a:p>
+            <a:pPr marL="1728000" lvl="3" indent="-216000">
               <a:spcBef>
                 <a:spcPts val="567"/>
               </a:spcBef>
@@ -4291,17 +4502,14 @@
               <a:buChar char=""/>
             </a:pPr>
             <a:r>
-              <a:rPr b="0" lang="en-US" sz="2000" spc="-1" strike="noStrike">
+              <a:rPr lang="en-US" sz="2000" b="0" strike="noStrike" spc="-1">
                 <a:latin typeface="Arial"/>
               </a:rPr>
               <a:t>Fourth Outline Level</a:t>
             </a:r>
-            <a:endParaRPr b="0" lang="en-US" sz="2000" spc="-1" strike="noStrike">
-              <a:latin typeface="Arial"/>
-            </a:endParaRPr>
-          </a:p>
-          <a:p>
-            <a:pPr lvl="4" marL="2160000" indent="-216000">
+          </a:p>
+          <a:p>
+            <a:pPr marL="2160000" lvl="4" indent="-216000">
               <a:spcBef>
                 <a:spcPts val="283"/>
               </a:spcBef>
@@ -4313,17 +4521,14 @@
               <a:buChar char=""/>
             </a:pPr>
             <a:r>
-              <a:rPr b="0" lang="en-US" sz="2000" spc="-1" strike="noStrike">
+              <a:rPr lang="en-US" sz="2000" b="0" strike="noStrike" spc="-1">
                 <a:latin typeface="Arial"/>
               </a:rPr>
               <a:t>Fifth Outline Level</a:t>
             </a:r>
-            <a:endParaRPr b="0" lang="en-US" sz="2000" spc="-1" strike="noStrike">
-              <a:latin typeface="Arial"/>
-            </a:endParaRPr>
-          </a:p>
-          <a:p>
-            <a:pPr lvl="5" marL="2592000" indent="-216000">
+          </a:p>
+          <a:p>
+            <a:pPr marL="2592000" lvl="5" indent="-216000">
               <a:spcBef>
                 <a:spcPts val="283"/>
               </a:spcBef>
@@ -4335,17 +4540,14 @@
               <a:buChar char=""/>
             </a:pPr>
             <a:r>
-              <a:rPr b="0" lang="en-US" sz="2000" spc="-1" strike="noStrike">
+              <a:rPr lang="en-US" sz="2000" b="0" strike="noStrike" spc="-1">
                 <a:latin typeface="Arial"/>
               </a:rPr>
               <a:t>Sixth Outline Level</a:t>
             </a:r>
-            <a:endParaRPr b="0" lang="en-US" sz="2000" spc="-1" strike="noStrike">
-              <a:latin typeface="Arial"/>
-            </a:endParaRPr>
-          </a:p>
-          <a:p>
-            <a:pPr lvl="6" marL="3024000" indent="-216000">
+          </a:p>
+          <a:p>
+            <a:pPr marL="3024000" lvl="6" indent="-216000">
               <a:spcBef>
                 <a:spcPts val="283"/>
               </a:spcBef>
@@ -4357,45 +4559,323 @@
               <a:buChar char=""/>
             </a:pPr>
             <a:r>
-              <a:rPr b="0" lang="en-US" sz="2000" spc="-1" strike="noStrike">
+              <a:rPr lang="en-US" sz="2000" b="0" strike="noStrike" spc="-1">
                 <a:latin typeface="Arial"/>
               </a:rPr>
               <a:t>Seventh Outline Level</a:t>
             </a:r>
-            <a:endParaRPr b="0" lang="en-US" sz="2000" spc="-1" strike="noStrike">
-              <a:latin typeface="Arial"/>
-            </a:endParaRPr>
           </a:p>
         </p:txBody>
       </p:sp>
     </p:spTree>
   </p:cSld>
-  <p:clrMap bg1="lt1" bg2="lt2" tx1="dk1" tx2="dk2" accent1="accent1" accent2="accent2" accent3="accent3" accent4="accent4" accent5="accent5" accent6="accent6" hlink="hlink" folHlink="folHlink"/>
+  <p:clrMap bg1="lt1" tx1="dk1" bg2="lt2" tx2="dk2" accent1="accent1" accent2="accent2" accent3="accent3" accent4="accent4" accent5="accent5" accent6="accent6" hlink="hlink" folHlink="folHlink"/>
   <p:sldLayoutIdLst>
-    <p:sldLayoutId id="2147483649" r:id="rId6"/>
-    <p:sldLayoutId id="2147483650" r:id="rId7"/>
-    <p:sldLayoutId id="2147483651" r:id="rId8"/>
-    <p:sldLayoutId id="2147483652" r:id="rId9"/>
-    <p:sldLayoutId id="2147483653" r:id="rId10"/>
-    <p:sldLayoutId id="2147483654" r:id="rId11"/>
-    <p:sldLayoutId id="2147483655" r:id="rId12"/>
-    <p:sldLayoutId id="2147483656" r:id="rId13"/>
-    <p:sldLayoutId id="2147483657" r:id="rId14"/>
-    <p:sldLayoutId id="2147483658" r:id="rId15"/>
-    <p:sldLayoutId id="2147483659" r:id="rId16"/>
-    <p:sldLayoutId id="2147483660" r:id="rId17"/>
+    <p:sldLayoutId id="2147483649" r:id="rId1"/>
+    <p:sldLayoutId id="2147483650" r:id="rId2"/>
+    <p:sldLayoutId id="2147483651" r:id="rId3"/>
+    <p:sldLayoutId id="2147483652" r:id="rId4"/>
+    <p:sldLayoutId id="2147483653" r:id="rId5"/>
+    <p:sldLayoutId id="2147483654" r:id="rId6"/>
+    <p:sldLayoutId id="2147483655" r:id="rId7"/>
+    <p:sldLayoutId id="2147483656" r:id="rId8"/>
+    <p:sldLayoutId id="2147483657" r:id="rId9"/>
+    <p:sldLayoutId id="2147483658" r:id="rId10"/>
+    <p:sldLayoutId id="2147483659" r:id="rId11"/>
+    <p:sldLayoutId id="2147483660" r:id="rId12"/>
   </p:sldLayoutIdLst>
+  <p:txStyles>
+    <p:titleStyle>
+      <a:lvl1pPr algn="l" defTabSz="914400" rtl="0" eaLnBrk="1" latinLnBrk="0" hangingPunct="1">
+        <a:lnSpc>
+          <a:spcPct val="90000"/>
+        </a:lnSpc>
+        <a:spcBef>
+          <a:spcPct val="0"/>
+        </a:spcBef>
+        <a:buNone/>
+        <a:defRPr sz="4400" kern="1200">
+          <a:solidFill>
+            <a:schemeClr val="tx1"/>
+          </a:solidFill>
+          <a:latin typeface="+mj-lt"/>
+          <a:ea typeface="+mj-ea"/>
+          <a:cs typeface="+mj-cs"/>
+        </a:defRPr>
+      </a:lvl1pPr>
+    </p:titleStyle>
+    <p:bodyStyle>
+      <a:lvl1pPr marL="228600" indent="-228600" algn="l" defTabSz="914400" rtl="0" eaLnBrk="1" latinLnBrk="0" hangingPunct="1">
+        <a:lnSpc>
+          <a:spcPct val="90000"/>
+        </a:lnSpc>
+        <a:spcBef>
+          <a:spcPts val="1000"/>
+        </a:spcBef>
+        <a:buFont typeface="Arial" panose="020B0604020202020204" pitchFamily="34" charset="0"/>
+        <a:buChar char="•"/>
+        <a:defRPr sz="2800" kern="1200">
+          <a:solidFill>
+            <a:schemeClr val="tx1"/>
+          </a:solidFill>
+          <a:latin typeface="+mn-lt"/>
+          <a:ea typeface="+mn-ea"/>
+          <a:cs typeface="+mn-cs"/>
+        </a:defRPr>
+      </a:lvl1pPr>
+      <a:lvl2pPr marL="685800" indent="-228600" algn="l" defTabSz="914400" rtl="0" eaLnBrk="1" latinLnBrk="0" hangingPunct="1">
+        <a:lnSpc>
+          <a:spcPct val="90000"/>
+        </a:lnSpc>
+        <a:spcBef>
+          <a:spcPts val="500"/>
+        </a:spcBef>
+        <a:buFont typeface="Arial" panose="020B0604020202020204" pitchFamily="34" charset="0"/>
+        <a:buChar char="•"/>
+        <a:defRPr sz="2400" kern="1200">
+          <a:solidFill>
+            <a:schemeClr val="tx1"/>
+          </a:solidFill>
+          <a:latin typeface="+mn-lt"/>
+          <a:ea typeface="+mn-ea"/>
+          <a:cs typeface="+mn-cs"/>
+        </a:defRPr>
+      </a:lvl2pPr>
+      <a:lvl3pPr marL="1143000" indent="-228600" algn="l" defTabSz="914400" rtl="0" eaLnBrk="1" latinLnBrk="0" hangingPunct="1">
+        <a:lnSpc>
+          <a:spcPct val="90000"/>
+        </a:lnSpc>
+        <a:spcBef>
+          <a:spcPts val="500"/>
+        </a:spcBef>
+        <a:buFont typeface="Arial" panose="020B0604020202020204" pitchFamily="34" charset="0"/>
+        <a:buChar char="•"/>
+        <a:defRPr sz="2000" kern="1200">
+          <a:solidFill>
+            <a:schemeClr val="tx1"/>
+          </a:solidFill>
+          <a:latin typeface="+mn-lt"/>
+          <a:ea typeface="+mn-ea"/>
+          <a:cs typeface="+mn-cs"/>
+        </a:defRPr>
+      </a:lvl3pPr>
+      <a:lvl4pPr marL="1600200" indent="-228600" algn="l" defTabSz="914400" rtl="0" eaLnBrk="1" latinLnBrk="0" hangingPunct="1">
+        <a:lnSpc>
+          <a:spcPct val="90000"/>
+        </a:lnSpc>
+        <a:spcBef>
+          <a:spcPts val="500"/>
+        </a:spcBef>
+        <a:buFont typeface="Arial" panose="020B0604020202020204" pitchFamily="34" charset="0"/>
+        <a:buChar char="•"/>
+        <a:defRPr sz="1800" kern="1200">
+          <a:solidFill>
+            <a:schemeClr val="tx1"/>
+          </a:solidFill>
+          <a:latin typeface="+mn-lt"/>
+          <a:ea typeface="+mn-ea"/>
+          <a:cs typeface="+mn-cs"/>
+        </a:defRPr>
+      </a:lvl4pPr>
+      <a:lvl5pPr marL="2057400" indent="-228600" algn="l" defTabSz="914400" rtl="0" eaLnBrk="1" latinLnBrk="0" hangingPunct="1">
+        <a:lnSpc>
+          <a:spcPct val="90000"/>
+        </a:lnSpc>
+        <a:spcBef>
+          <a:spcPts val="500"/>
+        </a:spcBef>
+        <a:buFont typeface="Arial" panose="020B0604020202020204" pitchFamily="34" charset="0"/>
+        <a:buChar char="•"/>
+        <a:defRPr sz="1800" kern="1200">
+          <a:solidFill>
+            <a:schemeClr val="tx1"/>
+          </a:solidFill>
+          <a:latin typeface="+mn-lt"/>
+          <a:ea typeface="+mn-ea"/>
+          <a:cs typeface="+mn-cs"/>
+        </a:defRPr>
+      </a:lvl5pPr>
+      <a:lvl6pPr marL="2514600" indent="-228600" algn="l" defTabSz="914400" rtl="0" eaLnBrk="1" latinLnBrk="0" hangingPunct="1">
+        <a:lnSpc>
+          <a:spcPct val="90000"/>
+        </a:lnSpc>
+        <a:spcBef>
+          <a:spcPts val="500"/>
+        </a:spcBef>
+        <a:buFont typeface="Arial" panose="020B0604020202020204" pitchFamily="34" charset="0"/>
+        <a:buChar char="•"/>
+        <a:defRPr sz="1800" kern="1200">
+          <a:solidFill>
+            <a:schemeClr val="tx1"/>
+          </a:solidFill>
+          <a:latin typeface="+mn-lt"/>
+          <a:ea typeface="+mn-ea"/>
+          <a:cs typeface="+mn-cs"/>
+        </a:defRPr>
+      </a:lvl6pPr>
+      <a:lvl7pPr marL="2971800" indent="-228600" algn="l" defTabSz="914400" rtl="0" eaLnBrk="1" latinLnBrk="0" hangingPunct="1">
+        <a:lnSpc>
+          <a:spcPct val="90000"/>
+        </a:lnSpc>
+        <a:spcBef>
+          <a:spcPts val="500"/>
+        </a:spcBef>
+        <a:buFont typeface="Arial" panose="020B0604020202020204" pitchFamily="34" charset="0"/>
+        <a:buChar char="•"/>
+        <a:defRPr sz="1800" kern="1200">
+          <a:solidFill>
+            <a:schemeClr val="tx1"/>
+          </a:solidFill>
+          <a:latin typeface="+mn-lt"/>
+          <a:ea typeface="+mn-ea"/>
+          <a:cs typeface="+mn-cs"/>
+        </a:defRPr>
+      </a:lvl7pPr>
+      <a:lvl8pPr marL="3429000" indent="-228600" algn="l" defTabSz="914400" rtl="0" eaLnBrk="1" latinLnBrk="0" hangingPunct="1">
+        <a:lnSpc>
+          <a:spcPct val="90000"/>
+        </a:lnSpc>
+        <a:spcBef>
+          <a:spcPts val="500"/>
+        </a:spcBef>
+        <a:buFont typeface="Arial" panose="020B0604020202020204" pitchFamily="34" charset="0"/>
+        <a:buChar char="•"/>
+        <a:defRPr sz="1800" kern="1200">
+          <a:solidFill>
+            <a:schemeClr val="tx1"/>
+          </a:solidFill>
+          <a:latin typeface="+mn-lt"/>
+          <a:ea typeface="+mn-ea"/>
+          <a:cs typeface="+mn-cs"/>
+        </a:defRPr>
+      </a:lvl8pPr>
+      <a:lvl9pPr marL="3886200" indent="-228600" algn="l" defTabSz="914400" rtl="0" eaLnBrk="1" latinLnBrk="0" hangingPunct="1">
+        <a:lnSpc>
+          <a:spcPct val="90000"/>
+        </a:lnSpc>
+        <a:spcBef>
+          <a:spcPts val="500"/>
+        </a:spcBef>
+        <a:buFont typeface="Arial" panose="020B0604020202020204" pitchFamily="34" charset="0"/>
+        <a:buChar char="•"/>
+        <a:defRPr sz="1800" kern="1200">
+          <a:solidFill>
+            <a:schemeClr val="tx1"/>
+          </a:solidFill>
+          <a:latin typeface="+mn-lt"/>
+          <a:ea typeface="+mn-ea"/>
+          <a:cs typeface="+mn-cs"/>
+        </a:defRPr>
+      </a:lvl9pPr>
+    </p:bodyStyle>
+    <p:otherStyle>
+      <a:defPPr>
+        <a:defRPr lang="en-US"/>
+      </a:defPPr>
+      <a:lvl1pPr marL="0" algn="l" defTabSz="914400" rtl="0" eaLnBrk="1" latinLnBrk="0" hangingPunct="1">
+        <a:defRPr sz="1800" kern="1200">
+          <a:solidFill>
+            <a:schemeClr val="tx1"/>
+          </a:solidFill>
+          <a:latin typeface="+mn-lt"/>
+          <a:ea typeface="+mn-ea"/>
+          <a:cs typeface="+mn-cs"/>
+        </a:defRPr>
+      </a:lvl1pPr>
+      <a:lvl2pPr marL="457200" algn="l" defTabSz="914400" rtl="0" eaLnBrk="1" latinLnBrk="0" hangingPunct="1">
+        <a:defRPr sz="1800" kern="1200">
+          <a:solidFill>
+            <a:schemeClr val="tx1"/>
+          </a:solidFill>
+          <a:latin typeface="+mn-lt"/>
+          <a:ea typeface="+mn-ea"/>
+          <a:cs typeface="+mn-cs"/>
+        </a:defRPr>
+      </a:lvl2pPr>
+      <a:lvl3pPr marL="914400" algn="l" defTabSz="914400" rtl="0" eaLnBrk="1" latinLnBrk="0" hangingPunct="1">
+        <a:defRPr sz="1800" kern="1200">
+          <a:solidFill>
+            <a:schemeClr val="tx1"/>
+          </a:solidFill>
+          <a:latin typeface="+mn-lt"/>
+          <a:ea typeface="+mn-ea"/>
+          <a:cs typeface="+mn-cs"/>
+        </a:defRPr>
+      </a:lvl3pPr>
+      <a:lvl4pPr marL="1371600" algn="l" defTabSz="914400" rtl="0" eaLnBrk="1" latinLnBrk="0" hangingPunct="1">
+        <a:defRPr sz="1800" kern="1200">
+          <a:solidFill>
+            <a:schemeClr val="tx1"/>
+          </a:solidFill>
+          <a:latin typeface="+mn-lt"/>
+          <a:ea typeface="+mn-ea"/>
+          <a:cs typeface="+mn-cs"/>
+        </a:defRPr>
+      </a:lvl4pPr>
+      <a:lvl5pPr marL="1828800" algn="l" defTabSz="914400" rtl="0" eaLnBrk="1" latinLnBrk="0" hangingPunct="1">
+        <a:defRPr sz="1800" kern="1200">
+          <a:solidFill>
+            <a:schemeClr val="tx1"/>
+          </a:solidFill>
+          <a:latin typeface="+mn-lt"/>
+          <a:ea typeface="+mn-ea"/>
+          <a:cs typeface="+mn-cs"/>
+        </a:defRPr>
+      </a:lvl5pPr>
+      <a:lvl6pPr marL="2286000" algn="l" defTabSz="914400" rtl="0" eaLnBrk="1" latinLnBrk="0" hangingPunct="1">
+        <a:defRPr sz="1800" kern="1200">
+          <a:solidFill>
+            <a:schemeClr val="tx1"/>
+          </a:solidFill>
+          <a:latin typeface="+mn-lt"/>
+          <a:ea typeface="+mn-ea"/>
+          <a:cs typeface="+mn-cs"/>
+        </a:defRPr>
+      </a:lvl6pPr>
+      <a:lvl7pPr marL="2743200" algn="l" defTabSz="914400" rtl="0" eaLnBrk="1" latinLnBrk="0" hangingPunct="1">
+        <a:defRPr sz="1800" kern="1200">
+          <a:solidFill>
+            <a:schemeClr val="tx1"/>
+          </a:solidFill>
+          <a:latin typeface="+mn-lt"/>
+          <a:ea typeface="+mn-ea"/>
+          <a:cs typeface="+mn-cs"/>
+        </a:defRPr>
+      </a:lvl7pPr>
+      <a:lvl8pPr marL="3200400" algn="l" defTabSz="914400" rtl="0" eaLnBrk="1" latinLnBrk="0" hangingPunct="1">
+        <a:defRPr sz="1800" kern="1200">
+          <a:solidFill>
+            <a:schemeClr val="tx1"/>
+          </a:solidFill>
+          <a:latin typeface="+mn-lt"/>
+          <a:ea typeface="+mn-ea"/>
+          <a:cs typeface="+mn-cs"/>
+        </a:defRPr>
+      </a:lvl8pPr>
+      <a:lvl9pPr marL="3657600" algn="l" defTabSz="914400" rtl="0" eaLnBrk="1" latinLnBrk="0" hangingPunct="1">
+        <a:defRPr sz="1800" kern="1200">
+          <a:solidFill>
+            <a:schemeClr val="tx1"/>
+          </a:solidFill>
+          <a:latin typeface="+mn-lt"/>
+          <a:ea typeface="+mn-ea"/>
+          <a:cs typeface="+mn-cs"/>
+        </a:defRPr>
+      </a:lvl9pPr>
+    </p:otherStyle>
+  </p:txStyles>
 </p:sldMaster>
 </file>
 
 <file path=ppt/slideMasters/slideMaster2.xml><?xml version="1.0" encoding="utf-8"?>
-<p:sldMaster xmlns:a="http://schemas.openxmlformats.org/drawingml/2006/main" xmlns:p="http://schemas.openxmlformats.org/presentationml/2006/main" xmlns:r="http://schemas.openxmlformats.org/officeDocument/2006/relationships" xmlns:p14="http://schemas.microsoft.com/office/powerpoint/2010/main" xmlns:p15="http://schemas.microsoft.com/office/powerpoint/2012/main" xmlns:mc="http://schemas.openxmlformats.org/markup-compatibility/2006">
+<p:sldMaster xmlns:a="http://schemas.openxmlformats.org/drawingml/2006/main" xmlns:r="http://schemas.openxmlformats.org/officeDocument/2006/relationships" xmlns:p="http://schemas.openxmlformats.org/presentationml/2006/main">
   <p:cSld>
     <p:bg>
       <p:bgPr>
         <a:solidFill>
-          <a:srgbClr val="ffffff"/>
+          <a:srgbClr val="FFFFFF"/>
         </a:solidFill>
+        <a:effectLst/>
       </p:bgPr>
     </p:bg>
     <p:spTree>
@@ -4414,12 +4894,12 @@
       </p:grpSpPr>
       <p:pic>
         <p:nvPicPr>
-          <p:cNvPr id="46" name="Grafik 6" descr=""/>
+          <p:cNvPr id="46" name="Grafik 6"/>
           <p:cNvPicPr/>
           <p:nvPr/>
         </p:nvPicPr>
         <p:blipFill>
-          <a:blip r:embed="rId2"/>
+          <a:blip r:embed="rId14"/>
           <a:stretch/>
         </p:blipFill>
         <p:spPr>
@@ -4455,15 +4935,22 @@
           </a:ln>
         </p:spPr>
         <p:style>
-          <a:lnRef idx="0"/>
-          <a:fillRef idx="0"/>
-          <a:effectRef idx="0"/>
+          <a:lnRef idx="0">
+            <a:scrgbClr r="0" g="0" b="0"/>
+          </a:lnRef>
+          <a:fillRef idx="0">
+            <a:scrgbClr r="0" g="0" b="0"/>
+          </a:fillRef>
+          <a:effectRef idx="0">
+            <a:scrgbClr r="0" g="0" b="0"/>
+          </a:effectRef>
           <a:fontRef idx="minor"/>
         </p:style>
         <p:txBody>
-          <a:bodyPr lIns="0" rIns="0" tIns="0" bIns="0" anchor="t">
+          <a:bodyPr lIns="0" tIns="0" rIns="0" bIns="0" anchor="t">
             <a:noAutofit/>
           </a:bodyPr>
+          <a:lstStyle/>
           <a:p>
             <a:pPr>
               <a:lnSpc>
@@ -4472,7 +4959,7 @@
               <a:buNone/>
             </a:pPr>
             <a:r>
-              <a:rPr b="0" lang="de-DE" sz="900" spc="-1" strike="noStrike">
+              <a:rPr lang="de-DE" sz="900" b="0" strike="noStrike" spc="-1">
                 <a:solidFill>
                   <a:srgbClr val="000000"/>
                 </a:solidFill>
@@ -4481,7 +4968,7 @@
               </a:rPr>
               <a:t>Sächsische Landesbibliothek – Staats- und Universitätsbibliothek Dresden</a:t>
             </a:r>
-            <a:endParaRPr b="0" lang="en-US" sz="900" spc="-1" strike="noStrike">
+            <a:endParaRPr lang="en-US" sz="900" b="0" strike="noStrike" spc="-1">
               <a:latin typeface="Arial"/>
             </a:endParaRPr>
           </a:p>
@@ -4507,15 +4994,22 @@
           </a:ln>
         </p:spPr>
         <p:style>
-          <a:lnRef idx="0"/>
-          <a:fillRef idx="0"/>
-          <a:effectRef idx="0"/>
+          <a:lnRef idx="0">
+            <a:scrgbClr r="0" g="0" b="0"/>
+          </a:lnRef>
+          <a:fillRef idx="0">
+            <a:scrgbClr r="0" g="0" b="0"/>
+          </a:fillRef>
+          <a:effectRef idx="0">
+            <a:scrgbClr r="0" g="0" b="0"/>
+          </a:effectRef>
           <a:fontRef idx="minor"/>
         </p:style>
         <p:txBody>
-          <a:bodyPr wrap="none" lIns="0" rIns="0" tIns="0" bIns="0" anchor="t">
+          <a:bodyPr wrap="none" lIns="0" tIns="0" rIns="0" bIns="0" anchor="t">
             <a:noAutofit/>
           </a:bodyPr>
+          <a:lstStyle/>
           <a:p>
             <a:pPr algn="r">
               <a:lnSpc>
@@ -4524,16 +5018,16 @@
               <a:buNone/>
             </a:pPr>
             <a:r>
-              <a:rPr b="1" lang="de-DE" sz="900" spc="-1" strike="noStrike">
+              <a:rPr lang="de-DE" sz="900" b="1" strike="noStrike" spc="-1">
                 <a:solidFill>
-                  <a:srgbClr val="e10019"/>
+                  <a:srgbClr val="E10019"/>
                 </a:solidFill>
                 <a:latin typeface="VistaSansBold"/>
                 <a:ea typeface="DejaVu Sans"/>
               </a:rPr>
               <a:t>slub-dresden.de</a:t>
             </a:r>
-            <a:endParaRPr b="0" lang="en-US" sz="900" spc="-1" strike="noStrike">
+            <a:endParaRPr lang="en-US" sz="900" b="0" strike="noStrike" spc="-1">
               <a:latin typeface="Arial"/>
             </a:endParaRPr>
           </a:p>
@@ -4559,15 +5053,22 @@
           </a:ln>
         </p:spPr>
         <p:style>
-          <a:lnRef idx="0"/>
-          <a:fillRef idx="0"/>
-          <a:effectRef idx="0"/>
+          <a:lnRef idx="0">
+            <a:scrgbClr r="0" g="0" b="0"/>
+          </a:lnRef>
+          <a:fillRef idx="0">
+            <a:scrgbClr r="0" g="0" b="0"/>
+          </a:fillRef>
+          <a:effectRef idx="0">
+            <a:scrgbClr r="0" g="0" b="0"/>
+          </a:effectRef>
           <a:fontRef idx="minor"/>
         </p:style>
         <p:txBody>
-          <a:bodyPr wrap="none" lIns="0" rIns="0" tIns="0" bIns="0" anchor="t">
+          <a:bodyPr wrap="none" lIns="0" tIns="0" rIns="0" bIns="0" anchor="t">
             <a:noAutofit/>
           </a:bodyPr>
+          <a:lstStyle/>
           <a:p>
             <a:pPr>
               <a:lnSpc>
@@ -4576,18 +5077,18 @@
               <a:buNone/>
             </a:pPr>
             <a:r>
-              <a:rPr b="0" lang="de-DE" sz="900" spc="-1" strike="noStrike" u="sng">
+              <a:rPr lang="de-DE" sz="900" b="0" u="sng" strike="noStrike" spc="-1">
                 <a:solidFill>
-                  <a:srgbClr val="e10019"/>
+                  <a:srgbClr val="E10019"/>
                 </a:solidFill>
                 <a:uFillTx/>
                 <a:latin typeface="VistaSansBook"/>
                 <a:ea typeface="DejaVu Sans"/>
-                <a:hlinkClick r:id="rId3"/>
+                <a:hlinkClick r:id="rId15"/>
               </a:rPr>
               <a:t>CC 0</a:t>
             </a:r>
-            <a:endParaRPr b="0" lang="en-US" sz="900" spc="-1" strike="noStrike">
+            <a:endParaRPr lang="en-US" sz="900" b="0" strike="noStrike" spc="-1">
               <a:latin typeface="Arial"/>
             </a:endParaRPr>
           </a:p>
@@ -4651,7 +5152,7 @@
           </a:ln>
         </p:spPr>
         <p:txBody>
-          <a:bodyPr lIns="0" rIns="0" tIns="0" bIns="0" anchor="t">
+          <a:bodyPr lIns="0" tIns="0" rIns="0" bIns="0" anchor="t">
             <a:noAutofit/>
           </a:bodyPr>
           <a:lstStyle>
@@ -4661,9 +5162,9 @@
               </a:lnSpc>
               <a:buNone/>
               <a:tabLst>
-                <a:tab algn="l" pos="0"/>
+                <a:tab pos="0" algn="l"/>
               </a:tabLst>
-              <a:defRPr b="0" lang="de-DE" sz="900" spc="-1" strike="noStrike">
+              <a:defRPr lang="de-DE" sz="900" b="0" strike="noStrike" spc="-1">
                 <a:solidFill>
                   <a:srgbClr val="000000"/>
                 </a:solidFill>
@@ -4678,11 +5179,11 @@
               </a:lnSpc>
               <a:buNone/>
               <a:tabLst>
-                <a:tab algn="l" pos="0"/>
+                <a:tab pos="0" algn="l"/>
               </a:tabLst>
             </a:pPr>
             <a:r>
-              <a:rPr b="0" lang="de-DE" sz="900" spc="-1" strike="noStrike">
+              <a:rPr lang="de-DE" sz="900" b="0" strike="noStrike" spc="-1">
                 <a:solidFill>
                   <a:srgbClr val="000000"/>
                 </a:solidFill>
@@ -4690,7 +5191,7 @@
               </a:rPr>
               <a:t>&lt;footer&gt;</a:t>
             </a:r>
-            <a:endParaRPr b="0" lang="en-US" sz="900" spc="-1" strike="noStrike">
+            <a:endParaRPr lang="en-US" sz="900" b="0" strike="noStrike" spc="-1">
               <a:latin typeface="Times New Roman"/>
             </a:endParaRPr>
           </a:p>
@@ -4720,26 +5221,23 @@
           </a:ln>
         </p:spPr>
         <p:txBody>
-          <a:bodyPr lIns="0" rIns="0" tIns="0" bIns="0" anchor="t">
+          <a:bodyPr lIns="0" tIns="0" rIns="0" bIns="0" anchor="t">
             <a:noAutofit/>
           </a:bodyPr>
           <a:lstStyle>
             <a:lvl1pPr>
-              <a:defRPr b="0" lang="en-US" sz="1400" spc="-1" strike="noStrike">
+              <a:defRPr lang="en-US" sz="1400" b="0" strike="noStrike" spc="-1">
                 <a:latin typeface="Times New Roman"/>
               </a:defRPr>
             </a:lvl1pPr>
           </a:lstStyle>
           <a:p>
             <a:r>
-              <a:rPr b="0" lang="en-US" sz="1400" spc="-1" strike="noStrike">
+              <a:rPr lang="en-US" sz="1400" b="0" strike="noStrike" spc="-1">
                 <a:latin typeface="Times New Roman"/>
               </a:rPr>
               <a:t>&lt;date/time&gt;</a:t>
             </a:r>
-            <a:endParaRPr b="0" lang="en-US" sz="1400" spc="-1" strike="noStrike">
-              <a:latin typeface="Times New Roman"/>
-            </a:endParaRPr>
           </a:p>
         </p:txBody>
       </p:sp>
@@ -4767,22 +5265,20 @@
           </a:ln>
         </p:spPr>
         <p:txBody>
-          <a:bodyPr lIns="0" rIns="0" tIns="0" bIns="0" anchor="ctr">
+          <a:bodyPr lIns="0" tIns="0" rIns="0" bIns="0" anchor="ctr">
             <a:noAutofit/>
           </a:bodyPr>
+          <a:lstStyle/>
           <a:p>
             <a:pPr algn="ctr">
               <a:buNone/>
             </a:pPr>
             <a:r>
-              <a:rPr b="0" lang="en-US" sz="4400" spc="-1" strike="noStrike">
+              <a:rPr lang="en-US" sz="4400" b="0" strike="noStrike" spc="-1">
                 <a:latin typeface="Arial"/>
               </a:rPr>
               <a:t>Click to edit the title text format</a:t>
             </a:r>
-            <a:endParaRPr b="0" lang="en-US" sz="4400" spc="-1" strike="noStrike">
-              <a:latin typeface="Arial"/>
-            </a:endParaRPr>
           </a:p>
         </p:txBody>
       </p:sp>
@@ -4810,9 +5306,10 @@
           </a:ln>
         </p:spPr>
         <p:txBody>
-          <a:bodyPr lIns="0" rIns="0" tIns="0" bIns="0" anchor="t">
+          <a:bodyPr lIns="0" tIns="0" rIns="0" bIns="0" anchor="t">
             <a:normAutofit/>
           </a:bodyPr>
+          <a:lstStyle/>
           <a:p>
             <a:pPr marL="432000" indent="-324000">
               <a:spcBef>
@@ -4826,17 +5323,14 @@
               <a:buChar char=""/>
             </a:pPr>
             <a:r>
-              <a:rPr b="0" lang="en-US" sz="3200" spc="-1" strike="noStrike">
+              <a:rPr lang="en-US" sz="3200" b="0" strike="noStrike" spc="-1">
                 <a:latin typeface="Arial"/>
               </a:rPr>
               <a:t>Click to edit the outline text format</a:t>
             </a:r>
-            <a:endParaRPr b="0" lang="en-US" sz="3200" spc="-1" strike="noStrike">
-              <a:latin typeface="Arial"/>
-            </a:endParaRPr>
-          </a:p>
-          <a:p>
-            <a:pPr lvl="1" marL="864000" indent="-324000">
+          </a:p>
+          <a:p>
+            <a:pPr marL="864000" lvl="1" indent="-324000">
               <a:spcBef>
                 <a:spcPts val="1134"/>
               </a:spcBef>
@@ -4848,17 +5342,14 @@
               <a:buChar char=""/>
             </a:pPr>
             <a:r>
-              <a:rPr b="0" lang="en-US" sz="2800" spc="-1" strike="noStrike">
+              <a:rPr lang="en-US" sz="2800" b="0" strike="noStrike" spc="-1">
                 <a:latin typeface="Arial"/>
               </a:rPr>
               <a:t>Second Outline Level</a:t>
             </a:r>
-            <a:endParaRPr b="0" lang="en-US" sz="2800" spc="-1" strike="noStrike">
-              <a:latin typeface="Arial"/>
-            </a:endParaRPr>
-          </a:p>
-          <a:p>
-            <a:pPr lvl="2" marL="1296000" indent="-288000">
+          </a:p>
+          <a:p>
+            <a:pPr marL="1296000" lvl="2" indent="-288000">
               <a:spcBef>
                 <a:spcPts val="850"/>
               </a:spcBef>
@@ -4870,17 +5361,14 @@
               <a:buChar char=""/>
             </a:pPr>
             <a:r>
-              <a:rPr b="0" lang="en-US" sz="2400" spc="-1" strike="noStrike">
+              <a:rPr lang="en-US" sz="2400" b="0" strike="noStrike" spc="-1">
                 <a:latin typeface="Arial"/>
               </a:rPr>
               <a:t>Third Outline Level</a:t>
             </a:r>
-            <a:endParaRPr b="0" lang="en-US" sz="2400" spc="-1" strike="noStrike">
-              <a:latin typeface="Arial"/>
-            </a:endParaRPr>
-          </a:p>
-          <a:p>
-            <a:pPr lvl="3" marL="1728000" indent="-216000">
+          </a:p>
+          <a:p>
+            <a:pPr marL="1728000" lvl="3" indent="-216000">
               <a:spcBef>
                 <a:spcPts val="567"/>
               </a:spcBef>
@@ -4892,17 +5380,14 @@
               <a:buChar char=""/>
             </a:pPr>
             <a:r>
-              <a:rPr b="0" lang="en-US" sz="2000" spc="-1" strike="noStrike">
+              <a:rPr lang="en-US" sz="2000" b="0" strike="noStrike" spc="-1">
                 <a:latin typeface="Arial"/>
               </a:rPr>
               <a:t>Fourth Outline Level</a:t>
             </a:r>
-            <a:endParaRPr b="0" lang="en-US" sz="2000" spc="-1" strike="noStrike">
-              <a:latin typeface="Arial"/>
-            </a:endParaRPr>
-          </a:p>
-          <a:p>
-            <a:pPr lvl="4" marL="2160000" indent="-216000">
+          </a:p>
+          <a:p>
+            <a:pPr marL="2160000" lvl="4" indent="-216000">
               <a:spcBef>
                 <a:spcPts val="283"/>
               </a:spcBef>
@@ -4914,17 +5399,14 @@
               <a:buChar char=""/>
             </a:pPr>
             <a:r>
-              <a:rPr b="0" lang="en-US" sz="2000" spc="-1" strike="noStrike">
+              <a:rPr lang="en-US" sz="2000" b="0" strike="noStrike" spc="-1">
                 <a:latin typeface="Arial"/>
               </a:rPr>
               <a:t>Fifth Outline Level</a:t>
             </a:r>
-            <a:endParaRPr b="0" lang="en-US" sz="2000" spc="-1" strike="noStrike">
-              <a:latin typeface="Arial"/>
-            </a:endParaRPr>
-          </a:p>
-          <a:p>
-            <a:pPr lvl="5" marL="2592000" indent="-216000">
+          </a:p>
+          <a:p>
+            <a:pPr marL="2592000" lvl="5" indent="-216000">
               <a:spcBef>
                 <a:spcPts val="283"/>
               </a:spcBef>
@@ -4936,17 +5418,14 @@
               <a:buChar char=""/>
             </a:pPr>
             <a:r>
-              <a:rPr b="0" lang="en-US" sz="2000" spc="-1" strike="noStrike">
+              <a:rPr lang="en-US" sz="2000" b="0" strike="noStrike" spc="-1">
                 <a:latin typeface="Arial"/>
               </a:rPr>
               <a:t>Sixth Outline Level</a:t>
             </a:r>
-            <a:endParaRPr b="0" lang="en-US" sz="2000" spc="-1" strike="noStrike">
-              <a:latin typeface="Arial"/>
-            </a:endParaRPr>
-          </a:p>
-          <a:p>
-            <a:pPr lvl="6" marL="3024000" indent="-216000">
+          </a:p>
+          <a:p>
+            <a:pPr marL="3024000" lvl="6" indent="-216000">
               <a:spcBef>
                 <a:spcPts val="283"/>
               </a:spcBef>
@@ -4958,39 +5437,316 @@
               <a:buChar char=""/>
             </a:pPr>
             <a:r>
-              <a:rPr b="0" lang="en-US" sz="2000" spc="-1" strike="noStrike">
+              <a:rPr lang="en-US" sz="2000" b="0" strike="noStrike" spc="-1">
                 <a:latin typeface="Arial"/>
               </a:rPr>
               <a:t>Seventh Outline Level</a:t>
             </a:r>
-            <a:endParaRPr b="0" lang="en-US" sz="2000" spc="-1" strike="noStrike">
-              <a:latin typeface="Arial"/>
-            </a:endParaRPr>
           </a:p>
         </p:txBody>
       </p:sp>
     </p:spTree>
   </p:cSld>
-  <p:clrMap bg1="lt1" bg2="lt2" tx1="dk1" tx2="dk2" accent1="accent1" accent2="accent2" accent3="accent3" accent4="accent4" accent5="accent5" accent6="accent6" hlink="hlink" folHlink="folHlink"/>
+  <p:clrMap bg1="lt1" tx1="dk1" bg2="lt2" tx2="dk2" accent1="accent1" accent2="accent2" accent3="accent3" accent4="accent4" accent5="accent5" accent6="accent6" hlink="hlink" folHlink="folHlink"/>
   <p:sldLayoutIdLst>
-    <p:sldLayoutId id="2147483662" r:id="rId4"/>
-    <p:sldLayoutId id="2147483663" r:id="rId5"/>
-    <p:sldLayoutId id="2147483664" r:id="rId6"/>
-    <p:sldLayoutId id="2147483665" r:id="rId7"/>
-    <p:sldLayoutId id="2147483666" r:id="rId8"/>
-    <p:sldLayoutId id="2147483667" r:id="rId9"/>
-    <p:sldLayoutId id="2147483668" r:id="rId10"/>
-    <p:sldLayoutId id="2147483669" r:id="rId11"/>
-    <p:sldLayoutId id="2147483670" r:id="rId12"/>
-    <p:sldLayoutId id="2147483671" r:id="rId13"/>
-    <p:sldLayoutId id="2147483672" r:id="rId14"/>
-    <p:sldLayoutId id="2147483673" r:id="rId15"/>
+    <p:sldLayoutId id="2147483662" r:id="rId1"/>
+    <p:sldLayoutId id="2147483663" r:id="rId2"/>
+    <p:sldLayoutId id="2147483664" r:id="rId3"/>
+    <p:sldLayoutId id="2147483665" r:id="rId4"/>
+    <p:sldLayoutId id="2147483666" r:id="rId5"/>
+    <p:sldLayoutId id="2147483667" r:id="rId6"/>
+    <p:sldLayoutId id="2147483668" r:id="rId7"/>
+    <p:sldLayoutId id="2147483669" r:id="rId8"/>
+    <p:sldLayoutId id="2147483670" r:id="rId9"/>
+    <p:sldLayoutId id="2147483671" r:id="rId10"/>
+    <p:sldLayoutId id="2147483672" r:id="rId11"/>
+    <p:sldLayoutId id="2147483673" r:id="rId12"/>
   </p:sldLayoutIdLst>
+  <p:txStyles>
+    <p:titleStyle>
+      <a:lvl1pPr algn="l" defTabSz="914400" rtl="0" eaLnBrk="1" latinLnBrk="0" hangingPunct="1">
+        <a:lnSpc>
+          <a:spcPct val="90000"/>
+        </a:lnSpc>
+        <a:spcBef>
+          <a:spcPct val="0"/>
+        </a:spcBef>
+        <a:buNone/>
+        <a:defRPr sz="4400" kern="1200">
+          <a:solidFill>
+            <a:schemeClr val="tx1"/>
+          </a:solidFill>
+          <a:latin typeface="+mj-lt"/>
+          <a:ea typeface="+mj-ea"/>
+          <a:cs typeface="+mj-cs"/>
+        </a:defRPr>
+      </a:lvl1pPr>
+    </p:titleStyle>
+    <p:bodyStyle>
+      <a:lvl1pPr marL="228600" indent="-228600" algn="l" defTabSz="914400" rtl="0" eaLnBrk="1" latinLnBrk="0" hangingPunct="1">
+        <a:lnSpc>
+          <a:spcPct val="90000"/>
+        </a:lnSpc>
+        <a:spcBef>
+          <a:spcPts val="1000"/>
+        </a:spcBef>
+        <a:buFont typeface="Arial" panose="020B0604020202020204" pitchFamily="34" charset="0"/>
+        <a:buChar char="•"/>
+        <a:defRPr sz="2800" kern="1200">
+          <a:solidFill>
+            <a:schemeClr val="tx1"/>
+          </a:solidFill>
+          <a:latin typeface="+mn-lt"/>
+          <a:ea typeface="+mn-ea"/>
+          <a:cs typeface="+mn-cs"/>
+        </a:defRPr>
+      </a:lvl1pPr>
+      <a:lvl2pPr marL="685800" indent="-228600" algn="l" defTabSz="914400" rtl="0" eaLnBrk="1" latinLnBrk="0" hangingPunct="1">
+        <a:lnSpc>
+          <a:spcPct val="90000"/>
+        </a:lnSpc>
+        <a:spcBef>
+          <a:spcPts val="500"/>
+        </a:spcBef>
+        <a:buFont typeface="Arial" panose="020B0604020202020204" pitchFamily="34" charset="0"/>
+        <a:buChar char="•"/>
+        <a:defRPr sz="2400" kern="1200">
+          <a:solidFill>
+            <a:schemeClr val="tx1"/>
+          </a:solidFill>
+          <a:latin typeface="+mn-lt"/>
+          <a:ea typeface="+mn-ea"/>
+          <a:cs typeface="+mn-cs"/>
+        </a:defRPr>
+      </a:lvl2pPr>
+      <a:lvl3pPr marL="1143000" indent="-228600" algn="l" defTabSz="914400" rtl="0" eaLnBrk="1" latinLnBrk="0" hangingPunct="1">
+        <a:lnSpc>
+          <a:spcPct val="90000"/>
+        </a:lnSpc>
+        <a:spcBef>
+          <a:spcPts val="500"/>
+        </a:spcBef>
+        <a:buFont typeface="Arial" panose="020B0604020202020204" pitchFamily="34" charset="0"/>
+        <a:buChar char="•"/>
+        <a:defRPr sz="2000" kern="1200">
+          <a:solidFill>
+            <a:schemeClr val="tx1"/>
+          </a:solidFill>
+          <a:latin typeface="+mn-lt"/>
+          <a:ea typeface="+mn-ea"/>
+          <a:cs typeface="+mn-cs"/>
+        </a:defRPr>
+      </a:lvl3pPr>
+      <a:lvl4pPr marL="1600200" indent="-228600" algn="l" defTabSz="914400" rtl="0" eaLnBrk="1" latinLnBrk="0" hangingPunct="1">
+        <a:lnSpc>
+          <a:spcPct val="90000"/>
+        </a:lnSpc>
+        <a:spcBef>
+          <a:spcPts val="500"/>
+        </a:spcBef>
+        <a:buFont typeface="Arial" panose="020B0604020202020204" pitchFamily="34" charset="0"/>
+        <a:buChar char="•"/>
+        <a:defRPr sz="1800" kern="1200">
+          <a:solidFill>
+            <a:schemeClr val="tx1"/>
+          </a:solidFill>
+          <a:latin typeface="+mn-lt"/>
+          <a:ea typeface="+mn-ea"/>
+          <a:cs typeface="+mn-cs"/>
+        </a:defRPr>
+      </a:lvl4pPr>
+      <a:lvl5pPr marL="2057400" indent="-228600" algn="l" defTabSz="914400" rtl="0" eaLnBrk="1" latinLnBrk="0" hangingPunct="1">
+        <a:lnSpc>
+          <a:spcPct val="90000"/>
+        </a:lnSpc>
+        <a:spcBef>
+          <a:spcPts val="500"/>
+        </a:spcBef>
+        <a:buFont typeface="Arial" panose="020B0604020202020204" pitchFamily="34" charset="0"/>
+        <a:buChar char="•"/>
+        <a:defRPr sz="1800" kern="1200">
+          <a:solidFill>
+            <a:schemeClr val="tx1"/>
+          </a:solidFill>
+          <a:latin typeface="+mn-lt"/>
+          <a:ea typeface="+mn-ea"/>
+          <a:cs typeface="+mn-cs"/>
+        </a:defRPr>
+      </a:lvl5pPr>
+      <a:lvl6pPr marL="2514600" indent="-228600" algn="l" defTabSz="914400" rtl="0" eaLnBrk="1" latinLnBrk="0" hangingPunct="1">
+        <a:lnSpc>
+          <a:spcPct val="90000"/>
+        </a:lnSpc>
+        <a:spcBef>
+          <a:spcPts val="500"/>
+        </a:spcBef>
+        <a:buFont typeface="Arial" panose="020B0604020202020204" pitchFamily="34" charset="0"/>
+        <a:buChar char="•"/>
+        <a:defRPr sz="1800" kern="1200">
+          <a:solidFill>
+            <a:schemeClr val="tx1"/>
+          </a:solidFill>
+          <a:latin typeface="+mn-lt"/>
+          <a:ea typeface="+mn-ea"/>
+          <a:cs typeface="+mn-cs"/>
+        </a:defRPr>
+      </a:lvl6pPr>
+      <a:lvl7pPr marL="2971800" indent="-228600" algn="l" defTabSz="914400" rtl="0" eaLnBrk="1" latinLnBrk="0" hangingPunct="1">
+        <a:lnSpc>
+          <a:spcPct val="90000"/>
+        </a:lnSpc>
+        <a:spcBef>
+          <a:spcPts val="500"/>
+        </a:spcBef>
+        <a:buFont typeface="Arial" panose="020B0604020202020204" pitchFamily="34" charset="0"/>
+        <a:buChar char="•"/>
+        <a:defRPr sz="1800" kern="1200">
+          <a:solidFill>
+            <a:schemeClr val="tx1"/>
+          </a:solidFill>
+          <a:latin typeface="+mn-lt"/>
+          <a:ea typeface="+mn-ea"/>
+          <a:cs typeface="+mn-cs"/>
+        </a:defRPr>
+      </a:lvl7pPr>
+      <a:lvl8pPr marL="3429000" indent="-228600" algn="l" defTabSz="914400" rtl="0" eaLnBrk="1" latinLnBrk="0" hangingPunct="1">
+        <a:lnSpc>
+          <a:spcPct val="90000"/>
+        </a:lnSpc>
+        <a:spcBef>
+          <a:spcPts val="500"/>
+        </a:spcBef>
+        <a:buFont typeface="Arial" panose="020B0604020202020204" pitchFamily="34" charset="0"/>
+        <a:buChar char="•"/>
+        <a:defRPr sz="1800" kern="1200">
+          <a:solidFill>
+            <a:schemeClr val="tx1"/>
+          </a:solidFill>
+          <a:latin typeface="+mn-lt"/>
+          <a:ea typeface="+mn-ea"/>
+          <a:cs typeface="+mn-cs"/>
+        </a:defRPr>
+      </a:lvl8pPr>
+      <a:lvl9pPr marL="3886200" indent="-228600" algn="l" defTabSz="914400" rtl="0" eaLnBrk="1" latinLnBrk="0" hangingPunct="1">
+        <a:lnSpc>
+          <a:spcPct val="90000"/>
+        </a:lnSpc>
+        <a:spcBef>
+          <a:spcPts val="500"/>
+        </a:spcBef>
+        <a:buFont typeface="Arial" panose="020B0604020202020204" pitchFamily="34" charset="0"/>
+        <a:buChar char="•"/>
+        <a:defRPr sz="1800" kern="1200">
+          <a:solidFill>
+            <a:schemeClr val="tx1"/>
+          </a:solidFill>
+          <a:latin typeface="+mn-lt"/>
+          <a:ea typeface="+mn-ea"/>
+          <a:cs typeface="+mn-cs"/>
+        </a:defRPr>
+      </a:lvl9pPr>
+    </p:bodyStyle>
+    <p:otherStyle>
+      <a:defPPr>
+        <a:defRPr lang="en-US"/>
+      </a:defPPr>
+      <a:lvl1pPr marL="0" algn="l" defTabSz="914400" rtl="0" eaLnBrk="1" latinLnBrk="0" hangingPunct="1">
+        <a:defRPr sz="1800" kern="1200">
+          <a:solidFill>
+            <a:schemeClr val="tx1"/>
+          </a:solidFill>
+          <a:latin typeface="+mn-lt"/>
+          <a:ea typeface="+mn-ea"/>
+          <a:cs typeface="+mn-cs"/>
+        </a:defRPr>
+      </a:lvl1pPr>
+      <a:lvl2pPr marL="457200" algn="l" defTabSz="914400" rtl="0" eaLnBrk="1" latinLnBrk="0" hangingPunct="1">
+        <a:defRPr sz="1800" kern="1200">
+          <a:solidFill>
+            <a:schemeClr val="tx1"/>
+          </a:solidFill>
+          <a:latin typeface="+mn-lt"/>
+          <a:ea typeface="+mn-ea"/>
+          <a:cs typeface="+mn-cs"/>
+        </a:defRPr>
+      </a:lvl2pPr>
+      <a:lvl3pPr marL="914400" algn="l" defTabSz="914400" rtl="0" eaLnBrk="1" latinLnBrk="0" hangingPunct="1">
+        <a:defRPr sz="1800" kern="1200">
+          <a:solidFill>
+            <a:schemeClr val="tx1"/>
+          </a:solidFill>
+          <a:latin typeface="+mn-lt"/>
+          <a:ea typeface="+mn-ea"/>
+          <a:cs typeface="+mn-cs"/>
+        </a:defRPr>
+      </a:lvl3pPr>
+      <a:lvl4pPr marL="1371600" algn="l" defTabSz="914400" rtl="0" eaLnBrk="1" latinLnBrk="0" hangingPunct="1">
+        <a:defRPr sz="1800" kern="1200">
+          <a:solidFill>
+            <a:schemeClr val="tx1"/>
+          </a:solidFill>
+          <a:latin typeface="+mn-lt"/>
+          <a:ea typeface="+mn-ea"/>
+          <a:cs typeface="+mn-cs"/>
+        </a:defRPr>
+      </a:lvl4pPr>
+      <a:lvl5pPr marL="1828800" algn="l" defTabSz="914400" rtl="0" eaLnBrk="1" latinLnBrk="0" hangingPunct="1">
+        <a:defRPr sz="1800" kern="1200">
+          <a:solidFill>
+            <a:schemeClr val="tx1"/>
+          </a:solidFill>
+          <a:latin typeface="+mn-lt"/>
+          <a:ea typeface="+mn-ea"/>
+          <a:cs typeface="+mn-cs"/>
+        </a:defRPr>
+      </a:lvl5pPr>
+      <a:lvl6pPr marL="2286000" algn="l" defTabSz="914400" rtl="0" eaLnBrk="1" latinLnBrk="0" hangingPunct="1">
+        <a:defRPr sz="1800" kern="1200">
+          <a:solidFill>
+            <a:schemeClr val="tx1"/>
+          </a:solidFill>
+          <a:latin typeface="+mn-lt"/>
+          <a:ea typeface="+mn-ea"/>
+          <a:cs typeface="+mn-cs"/>
+        </a:defRPr>
+      </a:lvl6pPr>
+      <a:lvl7pPr marL="2743200" algn="l" defTabSz="914400" rtl="0" eaLnBrk="1" latinLnBrk="0" hangingPunct="1">
+        <a:defRPr sz="1800" kern="1200">
+          <a:solidFill>
+            <a:schemeClr val="tx1"/>
+          </a:solidFill>
+          <a:latin typeface="+mn-lt"/>
+          <a:ea typeface="+mn-ea"/>
+          <a:cs typeface="+mn-cs"/>
+        </a:defRPr>
+      </a:lvl7pPr>
+      <a:lvl8pPr marL="3200400" algn="l" defTabSz="914400" rtl="0" eaLnBrk="1" latinLnBrk="0" hangingPunct="1">
+        <a:defRPr sz="1800" kern="1200">
+          <a:solidFill>
+            <a:schemeClr val="tx1"/>
+          </a:solidFill>
+          <a:latin typeface="+mn-lt"/>
+          <a:ea typeface="+mn-ea"/>
+          <a:cs typeface="+mn-cs"/>
+        </a:defRPr>
+      </a:lvl8pPr>
+      <a:lvl9pPr marL="3657600" algn="l" defTabSz="914400" rtl="0" eaLnBrk="1" latinLnBrk="0" hangingPunct="1">
+        <a:defRPr sz="1800" kern="1200">
+          <a:solidFill>
+            <a:schemeClr val="tx1"/>
+          </a:solidFill>
+          <a:latin typeface="+mn-lt"/>
+          <a:ea typeface="+mn-ea"/>
+          <a:cs typeface="+mn-cs"/>
+        </a:defRPr>
+      </a:lvl9pPr>
+    </p:otherStyle>
+  </p:txStyles>
 </p:sldMaster>
 </file>
 
 <file path=ppt/slides/slide1.xml><?xml version="1.0" encoding="utf-8"?>
-<p:sld xmlns:a="http://schemas.openxmlformats.org/drawingml/2006/main" xmlns:p="http://schemas.openxmlformats.org/presentationml/2006/main" xmlns:r="http://schemas.openxmlformats.org/officeDocument/2006/relationships" xmlns:p14="http://schemas.microsoft.com/office/powerpoint/2010/main" xmlns:p15="http://schemas.microsoft.com/office/powerpoint/2012/main" xmlns:mc="http://schemas.openxmlformats.org/markup-compatibility/2006">
+<p:sld xmlns:a="http://schemas.openxmlformats.org/drawingml/2006/main" xmlns:r="http://schemas.openxmlformats.org/officeDocument/2006/relationships" xmlns:p="http://schemas.openxmlformats.org/presentationml/2006/main">
   <p:cSld>
     <p:spTree>
       <p:nvGrpSpPr>
@@ -5030,9 +5786,10 @@
           </a:ln>
         </p:spPr>
         <p:txBody>
-          <a:bodyPr lIns="0" rIns="0" tIns="0" bIns="0" anchor="t">
+          <a:bodyPr lIns="0" tIns="0" rIns="0" bIns="0" anchor="t">
             <a:noAutofit/>
           </a:bodyPr>
+          <a:lstStyle/>
           <a:p>
             <a:pPr>
               <a:lnSpc>
@@ -5040,19 +5797,19 @@
               </a:lnSpc>
               <a:buNone/>
               <a:tabLst>
-                <a:tab algn="l" pos="0"/>
+                <a:tab pos="0" algn="l"/>
               </a:tabLst>
             </a:pPr>
             <a:r>
-              <a:rPr b="0" lang="de-DE" sz="1800" spc="-1" strike="noStrike">
+              <a:rPr lang="de-DE" sz="1800" b="0" strike="noStrike" spc="-1">
                 <a:solidFill>
-                  <a:srgbClr val="ffffff"/>
+                  <a:srgbClr val="FFFFFF"/>
                 </a:solidFill>
                 <a:latin typeface="VistaSansBold"/>
               </a:rPr>
               <a:t>Arne Rümmler</a:t>
             </a:r>
-            <a:endParaRPr b="0" lang="en-US" sz="1800" spc="-1" strike="noStrike">
+            <a:endParaRPr lang="en-US" sz="1800" b="0" strike="noStrike" spc="-1">
               <a:latin typeface="Arial"/>
             </a:endParaRPr>
           </a:p>
@@ -5063,19 +5820,19 @@
               </a:lnSpc>
               <a:buNone/>
               <a:tabLst>
-                <a:tab algn="l" pos="0"/>
+                <a:tab pos="0" algn="l"/>
               </a:tabLst>
             </a:pPr>
             <a:r>
-              <a:rPr b="0" lang="de-DE" sz="1200" spc="-1" strike="noStrike">
+              <a:rPr lang="de-DE" sz="1200" b="0" strike="noStrike" spc="-1">
                 <a:solidFill>
-                  <a:srgbClr val="ffffff"/>
+                  <a:srgbClr val="FFFFFF"/>
                 </a:solidFill>
                 <a:latin typeface="VistaSansBook"/>
               </a:rPr>
               <a:t>Referat 4.3</a:t>
             </a:r>
-            <a:endParaRPr b="0" lang="en-US" sz="1200" spc="-1" strike="noStrike">
+            <a:endParaRPr lang="en-US" sz="1200" b="0" strike="noStrike" spc="-1">
               <a:latin typeface="Arial"/>
             </a:endParaRPr>
           </a:p>
@@ -5086,19 +5843,19 @@
               </a:lnSpc>
               <a:buNone/>
               <a:tabLst>
-                <a:tab algn="l" pos="0"/>
+                <a:tab pos="0" algn="l"/>
               </a:tabLst>
             </a:pPr>
             <a:r>
-              <a:rPr b="1" lang="de-DE" sz="1200" spc="-1" strike="noStrike">
+              <a:rPr lang="de-DE" sz="1200" b="1" strike="noStrike" spc="-1">
                 <a:solidFill>
-                  <a:srgbClr val="ffffff"/>
+                  <a:srgbClr val="FFFFFF"/>
                 </a:solidFill>
                 <a:latin typeface="VistaSansBook"/>
               </a:rPr>
               <a:t>07. Juni 2024</a:t>
             </a:r>
-            <a:endParaRPr b="0" lang="en-US" sz="1200" spc="-1" strike="noStrike">
+            <a:endParaRPr lang="en-US" sz="1200" b="0" strike="noStrike" spc="-1">
               <a:latin typeface="Arial"/>
             </a:endParaRPr>
           </a:p>
@@ -5109,28 +5866,28 @@
               </a:lnSpc>
               <a:buNone/>
               <a:tabLst>
-                <a:tab algn="l" pos="0"/>
+                <a:tab pos="0" algn="l"/>
               </a:tabLst>
             </a:pPr>
             <a:r>
-              <a:rPr b="0" lang="de-DE" sz="1400" spc="-1" strike="noStrike">
+              <a:rPr lang="de-DE" sz="1400" b="0" strike="noStrike" spc="-1">
                 <a:solidFill>
-                  <a:srgbClr val="ffffff"/>
+                  <a:srgbClr val="FFFFFF"/>
                 </a:solidFill>
                 <a:latin typeface="VistaSansBook"/>
               </a:rPr>
               <a:t>Seminar </a:t>
             </a:r>
             <a:r>
-              <a:rPr b="0" i="1" lang="de-DE" sz="1400" spc="-1" strike="noStrike">
+              <a:rPr lang="de-DE" sz="1400" b="0" i="1" strike="noStrike" spc="-1">
                 <a:solidFill>
-                  <a:srgbClr val="ffffff"/>
+                  <a:srgbClr val="FFFFFF"/>
                 </a:solidFill>
                 <a:latin typeface="VistaSansBook"/>
               </a:rPr>
               <a:t>Datenkompetenz für Digital Humanities</a:t>
             </a:r>
-            <a:endParaRPr b="0" lang="en-US" sz="1400" spc="-1" strike="noStrike">
+            <a:endParaRPr lang="en-US" sz="1400" b="0" strike="noStrike" spc="-1">
               <a:latin typeface="Arial"/>
             </a:endParaRPr>
           </a:p>
@@ -5160,9 +5917,10 @@
           </a:ln>
         </p:spPr>
         <p:txBody>
-          <a:bodyPr lIns="0" rIns="0" tIns="0" bIns="0" anchor="b">
+          <a:bodyPr lIns="0" tIns="0" rIns="0" bIns="0" anchor="b">
             <a:noAutofit/>
           </a:bodyPr>
+          <a:lstStyle/>
           <a:p>
             <a:pPr>
               <a:lnSpc>
@@ -5170,19 +5928,19 @@
               </a:lnSpc>
               <a:buNone/>
               <a:tabLst>
-                <a:tab algn="l" pos="0"/>
+                <a:tab pos="0" algn="l"/>
               </a:tabLst>
             </a:pPr>
             <a:r>
-              <a:rPr b="0" lang="de-DE" sz="2600" spc="-1" strike="noStrike">
+              <a:rPr lang="de-DE" sz="2600" b="0" strike="noStrike" spc="-1">
                 <a:solidFill>
                   <a:srgbClr val="000000"/>
                 </a:solidFill>
                 <a:latin typeface="VistaSansBold"/>
               </a:rPr>
-              <a:t>Geodaten I</a:t>
-            </a:r>
-            <a:endParaRPr b="0" lang="en-US" sz="2600" spc="-1" strike="noStrike">
+              <a:t>Geodaten</a:t>
+            </a:r>
+            <a:endParaRPr lang="en-US" sz="2600" b="0" strike="noStrike" spc="-1">
               <a:latin typeface="Arial"/>
             </a:endParaRPr>
           </a:p>
@@ -5190,19 +5948,14 @@
       </p:sp>
     </p:spTree>
   </p:cSld>
-  <mc:AlternateContent>
-    <mc:Choice Requires="p14">
-      <p:transition spd="slow" p14:dur="2000"/>
-    </mc:Choice>
-    <mc:Fallback>
-      <p:transition spd="slow"/>
-    </mc:Fallback>
-  </mc:AlternateContent>
+  <p:clrMapOvr>
+    <a:masterClrMapping/>
+  </p:clrMapOvr>
 </p:sld>
 </file>
 
 <file path=ppt/slides/slide2.xml><?xml version="1.0" encoding="utf-8"?>
-<p:sld xmlns:a="http://schemas.openxmlformats.org/drawingml/2006/main" xmlns:p="http://schemas.openxmlformats.org/presentationml/2006/main" xmlns:r="http://schemas.openxmlformats.org/officeDocument/2006/relationships" xmlns:p14="http://schemas.microsoft.com/office/powerpoint/2010/main" xmlns:p15="http://schemas.microsoft.com/office/powerpoint/2012/main" xmlns:mc="http://schemas.openxmlformats.org/markup-compatibility/2006">
+<p:sld xmlns:a="http://schemas.openxmlformats.org/drawingml/2006/main" xmlns:r="http://schemas.openxmlformats.org/officeDocument/2006/relationships" xmlns:p="http://schemas.openxmlformats.org/presentationml/2006/main">
   <p:cSld>
     <p:spTree>
       <p:nvGrpSpPr>
@@ -5242,9 +5995,10 @@
           </a:ln>
         </p:spPr>
         <p:txBody>
-          <a:bodyPr lIns="0" rIns="0" tIns="0" bIns="0" anchor="t">
+          <a:bodyPr lIns="0" tIns="0" rIns="0" bIns="0" anchor="t">
             <a:noAutofit/>
           </a:bodyPr>
+          <a:lstStyle/>
           <a:p>
             <a:pPr>
               <a:lnSpc>
@@ -5252,11 +6006,11 @@
               </a:lnSpc>
               <a:buNone/>
               <a:tabLst>
-                <a:tab algn="l" pos="0"/>
+                <a:tab pos="0" algn="l"/>
               </a:tabLst>
             </a:pPr>
             <a:r>
-              <a:rPr b="0" lang="de-DE" sz="2600" spc="-1" strike="noStrike">
+              <a:rPr lang="de-DE" sz="2600" b="0" strike="noStrike" spc="-1">
                 <a:solidFill>
                   <a:srgbClr val="000000"/>
                 </a:solidFill>
@@ -5264,7 +6018,7 @@
               </a:rPr>
               <a:t>Was sind Geodaten</a:t>
             </a:r>
-            <a:endParaRPr b="0" lang="en-US" sz="2600" spc="-1" strike="noStrike">
+            <a:endParaRPr lang="en-US" sz="2600" b="0" strike="noStrike" spc="-1">
               <a:latin typeface="Arial"/>
             </a:endParaRPr>
           </a:p>
@@ -5294,7 +6048,7 @@
           </a:ln>
         </p:spPr>
         <p:txBody>
-          <a:bodyPr lIns="0" rIns="0" tIns="0" bIns="0" anchor="t">
+          <a:bodyPr lIns="0" tIns="0" rIns="0" bIns="0" anchor="t">
             <a:noAutofit/>
           </a:bodyPr>
           <a:lstStyle>
@@ -5304,9 +6058,9 @@
               </a:lnSpc>
               <a:buNone/>
               <a:tabLst>
-                <a:tab algn="l" pos="0"/>
+                <a:tab pos="0" algn="l"/>
               </a:tabLst>
-              <a:defRPr b="0" lang="de-DE" sz="900" spc="-1" strike="noStrike">
+              <a:defRPr lang="de-DE" sz="900" b="0" strike="noStrike" spc="-1">
                 <a:solidFill>
                   <a:srgbClr val="000000"/>
                 </a:solidFill>
@@ -5321,20 +6075,20 @@
               </a:lnSpc>
               <a:buNone/>
               <a:tabLst>
-                <a:tab algn="l" pos="0"/>
+                <a:tab pos="0" algn="l"/>
               </a:tabLst>
             </a:pPr>
-            <a:fld id="{A626C1AD-06F9-41BE-8FDA-E6FB7E8A8078}" type="datetime3">
-              <a:rPr b="0" lang="de-DE" sz="900" spc="-1" strike="noStrike">
+            <a:fld id="{7758A962-0B99-48C4-A58E-D2AE4B219C09}" type="datetime3">
+              <a:rPr lang="de-DE" sz="900" b="0" strike="noStrike" spc="-1">
                 <a:solidFill>
                   <a:srgbClr val="000000"/>
                 </a:solidFill>
                 <a:latin typeface="VistaSansBook"/>
               </a:rPr>
-              <a:t>5. Juni 2024</a:t>
+              <a:t>06/06/24</a:t>
             </a:fld>
             <a:r>
-              <a:rPr b="0" lang="de-DE" sz="900" spc="-1" strike="noStrike">
+              <a:rPr lang="de-DE" sz="900" b="0" strike="noStrike" spc="-1">
                 <a:solidFill>
                   <a:srgbClr val="000000"/>
                 </a:solidFill>
@@ -5342,17 +6096,17 @@
               </a:rPr>
               <a:t> | Seite </a:t>
             </a:r>
-            <a:fld id="{5163F366-45AD-458E-B29C-7D4C7EA13C20}" type="slidenum">
-              <a:rPr b="0" lang="de-DE" sz="900" spc="-1" strike="noStrike">
+            <a:fld id="{D89793BC-BBDF-435F-8AB7-60C27A1C247B}" type="slidenum">
+              <a:rPr lang="de-DE" sz="900" b="0" strike="noStrike" spc="-1">
                 <a:solidFill>
                   <a:srgbClr val="000000"/>
                 </a:solidFill>
                 <a:latin typeface="VistaSansBook"/>
               </a:rPr>
-              <a:t>&lt;number&gt;</a:t>
+              <a:t>2</a:t>
             </a:fld>
             <a:r>
-              <a:rPr b="0" lang="de-DE" sz="900" spc="-1" strike="noStrike">
+              <a:rPr lang="de-DE" sz="900" b="0" strike="noStrike" spc="-1">
                 <a:solidFill>
                   <a:srgbClr val="000000"/>
                 </a:solidFill>
@@ -5360,7 +6114,7 @@
               </a:rPr>
               <a:t> </a:t>
             </a:r>
-            <a:endParaRPr b="0" lang="en-US" sz="900" spc="-1" strike="noStrike">
+            <a:endParaRPr lang="en-US" sz="900" b="0" strike="noStrike" spc="-1">
               <a:latin typeface="Times New Roman"/>
             </a:endParaRPr>
           </a:p>
@@ -5390,11 +6144,12 @@
           </a:ln>
         </p:spPr>
         <p:txBody>
-          <a:bodyPr lIns="0" rIns="0" tIns="0" bIns="0" anchor="t">
+          <a:bodyPr lIns="0" tIns="0" rIns="0" bIns="0" anchor="t">
             <a:noAutofit/>
           </a:bodyPr>
-          <a:p>
-            <a:endParaRPr b="0" lang="en-US" sz="3200" spc="-1" strike="noStrike">
+          <a:lstStyle/>
+          <a:p>
+            <a:endParaRPr lang="en-US" sz="3200" b="0" strike="noStrike" spc="-1">
               <a:latin typeface="Arial"/>
             </a:endParaRPr>
           </a:p>
@@ -5424,9 +6179,10 @@
           </a:ln>
         </p:spPr>
         <p:txBody>
-          <a:bodyPr lIns="0" rIns="0" tIns="0" bIns="0" anchor="t">
+          <a:bodyPr lIns="0" tIns="0" rIns="0" bIns="0" anchor="t">
             <a:noAutofit/>
           </a:bodyPr>
+          <a:lstStyle/>
           <a:p>
             <a:pPr>
               <a:lnSpc>
@@ -5437,28 +6193,19 @@
               </a:spcAft>
               <a:buNone/>
               <a:tabLst>
-                <a:tab algn="l" pos="0"/>
+                <a:tab pos="0" algn="l"/>
               </a:tabLst>
             </a:pPr>
             <a:r>
-              <a:rPr b="1" lang="de-DE" sz="1800" spc="-1" strike="noStrike">
+              <a:rPr lang="de-DE" sz="1800" b="1" strike="noStrike" spc="-1">
                 <a:solidFill>
                   <a:srgbClr val="000000"/>
                 </a:solidFill>
                 <a:latin typeface="VistaSansBook"/>
               </a:rPr>
-              <a:t>Alle Daten die Information zu ihrer Position auf(/in) der Erde </a:t>
-            </a:r>
-            <a:r>
-              <a:rPr b="1" lang="de-DE" sz="1800" spc="-1" strike="noStrike">
-                <a:solidFill>
-                  <a:srgbClr val="000000"/>
-                </a:solidFill>
-                <a:latin typeface="VistaSansBook"/>
-              </a:rPr>
-              <a:t>beinhalten.</a:t>
-            </a:r>
-            <a:endParaRPr b="0" lang="en-US" sz="1800" spc="-1" strike="noStrike">
+              <a:t>Alle Daten die Information zu ihrer Position auf(/in) der Erde beinhalten.</a:t>
+            </a:r>
+            <a:endParaRPr lang="en-US" sz="1800" b="0" strike="noStrike" spc="-1">
               <a:latin typeface="Arial"/>
             </a:endParaRPr>
           </a:p>
@@ -5472,10 +6219,10 @@
               </a:spcAft>
               <a:buNone/>
               <a:tabLst>
-                <a:tab algn="l" pos="0"/>
+                <a:tab pos="0" algn="l"/>
               </a:tabLst>
             </a:pPr>
-            <a:endParaRPr b="0" lang="en-US" sz="1800" spc="-1" strike="noStrike">
+            <a:endParaRPr lang="en-US" sz="1800" b="0" strike="noStrike" spc="-1">
               <a:latin typeface="Arial"/>
             </a:endParaRPr>
           </a:p>
@@ -5493,28 +6240,19 @@
               <a:buFont typeface="Arial"/>
               <a:buChar char="-"/>
               <a:tabLst>
-                <a:tab algn="l" pos="0"/>
+                <a:tab pos="0" algn="l"/>
               </a:tabLst>
             </a:pPr>
             <a:r>
-              <a:rPr b="0" lang="de-DE" sz="1800" spc="-1" strike="noStrike">
+              <a:rPr lang="de-DE" sz="1800" b="0" strike="noStrike" spc="-1">
                 <a:solidFill>
                   <a:srgbClr val="000000"/>
                 </a:solidFill>
                 <a:latin typeface="VistaSansBook"/>
               </a:rPr>
-              <a:t>Foto mit Ihrem Handy → Koordinaten in Metadaten </a:t>
-            </a:r>
-            <a:r>
-              <a:rPr b="0" lang="de-DE" sz="1800" spc="-1" strike="noStrike">
-                <a:solidFill>
-                  <a:srgbClr val="000000"/>
-                </a:solidFill>
-                <a:latin typeface="VistaSansBook"/>
-              </a:rPr>
-              <a:t>gespeichert</a:t>
-            </a:r>
-            <a:endParaRPr b="0" lang="en-US" sz="1800" spc="-1" strike="noStrike">
+              <a:t>Foto mit Ihrem Handy → Koordinaten in Metadaten gespeichert</a:t>
+            </a:r>
+            <a:endParaRPr lang="en-US" sz="1800" b="0" strike="noStrike" spc="-1">
               <a:latin typeface="Arial"/>
             </a:endParaRPr>
           </a:p>
@@ -5532,11 +6270,11 @@
               <a:buFont typeface="Arial"/>
               <a:buChar char="-"/>
               <a:tabLst>
-                <a:tab algn="l" pos="0"/>
+                <a:tab pos="0" algn="l"/>
               </a:tabLst>
             </a:pPr>
             <a:r>
-              <a:rPr b="0" lang="de-DE" sz="1800" spc="-1" strike="noStrike">
+              <a:rPr lang="de-DE" sz="1800" b="0" strike="noStrike" spc="-1">
                 <a:solidFill>
                   <a:srgbClr val="000000"/>
                 </a:solidFill>
@@ -5544,7 +6282,7 @@
               </a:rPr>
               <a:t>Regenradar</a:t>
             </a:r>
-            <a:endParaRPr b="0" lang="en-US" sz="1800" spc="-1" strike="noStrike">
+            <a:endParaRPr lang="en-US" sz="1800" b="0" strike="noStrike" spc="-1">
               <a:latin typeface="Arial"/>
             </a:endParaRPr>
           </a:p>
@@ -5562,11 +6300,11 @@
               <a:buFont typeface="Arial"/>
               <a:buChar char="-"/>
               <a:tabLst>
-                <a:tab algn="l" pos="0"/>
+                <a:tab pos="0" algn="l"/>
               </a:tabLst>
             </a:pPr>
             <a:r>
-              <a:rPr b="0" lang="de-DE" sz="1800" spc="-1" strike="noStrike">
+              <a:rPr lang="de-DE" sz="1800" b="0" strike="noStrike" spc="-1">
                 <a:solidFill>
                   <a:srgbClr val="000000"/>
                 </a:solidFill>
@@ -5574,7 +6312,7 @@
               </a:rPr>
               <a:t>Paketzustellung (geschätzte Ankunftszeit, Karte)</a:t>
             </a:r>
-            <a:endParaRPr b="0" lang="en-US" sz="1800" spc="-1" strike="noStrike">
+            <a:endParaRPr lang="en-US" sz="1800" b="0" strike="noStrike" spc="-1">
               <a:latin typeface="Arial"/>
             </a:endParaRPr>
           </a:p>
@@ -5592,11 +6330,11 @@
               <a:buFont typeface="Arial"/>
               <a:buChar char="-"/>
               <a:tabLst>
-                <a:tab algn="l" pos="0"/>
+                <a:tab pos="0" algn="l"/>
               </a:tabLst>
             </a:pPr>
             <a:r>
-              <a:rPr b="0" lang="de-DE" sz="1800" spc="-1" strike="noStrike">
+              <a:rPr lang="de-DE" sz="1800" b="0" strike="noStrike" spc="-1">
                 <a:solidFill>
                   <a:srgbClr val="000000"/>
                 </a:solidFill>
@@ -5604,7 +6342,7 @@
               </a:rPr>
               <a:t>Evakuierung bei Bombenfund</a:t>
             </a:r>
-            <a:endParaRPr b="0" lang="en-US" sz="1800" spc="-1" strike="noStrike">
+            <a:endParaRPr lang="en-US" sz="1800" b="0" strike="noStrike" spc="-1">
               <a:latin typeface="Arial"/>
             </a:endParaRPr>
           </a:p>
@@ -5622,11 +6360,11 @@
               <a:buFont typeface="Arial"/>
               <a:buChar char="-"/>
               <a:tabLst>
-                <a:tab algn="l" pos="0"/>
+                <a:tab pos="0" algn="l"/>
               </a:tabLst>
             </a:pPr>
             <a:r>
-              <a:rPr b="0" lang="de-DE" sz="1800" spc="-1" strike="noStrike">
+              <a:rPr lang="de-DE" sz="1800" b="0" strike="noStrike" spc="-1">
                 <a:solidFill>
                   <a:srgbClr val="000000"/>
                 </a:solidFill>
@@ -5634,7 +6372,7 @@
               </a:rPr>
               <a:t>…</a:t>
             </a:r>
-            <a:endParaRPr b="0" lang="en-US" sz="1800" spc="-1" strike="noStrike">
+            <a:endParaRPr lang="en-US" sz="1800" b="0" strike="noStrike" spc="-1">
               <a:latin typeface="Arial"/>
             </a:endParaRPr>
           </a:p>
@@ -5648,10 +6386,10 @@
               </a:spcAft>
               <a:buNone/>
               <a:tabLst>
-                <a:tab algn="l" pos="0"/>
+                <a:tab pos="0" algn="l"/>
               </a:tabLst>
             </a:pPr>
-            <a:endParaRPr b="0" lang="en-US" sz="1800" spc="-1" strike="noStrike">
+            <a:endParaRPr lang="en-US" sz="1800" b="0" strike="noStrike" spc="-1">
               <a:latin typeface="Arial"/>
             </a:endParaRPr>
           </a:p>
@@ -5659,12 +6397,12 @@
       </p:sp>
       <p:pic>
         <p:nvPicPr>
-          <p:cNvPr id="97" name="Picture 4" descr=""/>
+          <p:cNvPr id="97" name="Picture 4"/>
           <p:cNvPicPr/>
           <p:nvPr/>
         </p:nvPicPr>
         <p:blipFill>
-          <a:blip r:embed="rId1"/>
+          <a:blip r:embed="rId2"/>
           <a:stretch/>
         </p:blipFill>
         <p:spPr>
@@ -5700,15 +6438,22 @@
           </a:ln>
         </p:spPr>
         <p:style>
-          <a:lnRef idx="0"/>
-          <a:fillRef idx="0"/>
-          <a:effectRef idx="0"/>
+          <a:lnRef idx="0">
+            <a:scrgbClr r="0" g="0" b="0"/>
+          </a:lnRef>
+          <a:fillRef idx="0">
+            <a:scrgbClr r="0" g="0" b="0"/>
+          </a:fillRef>
+          <a:effectRef idx="0">
+            <a:scrgbClr r="0" g="0" b="0"/>
+          </a:effectRef>
           <a:fontRef idx="minor"/>
         </p:style>
         <p:txBody>
-          <a:bodyPr lIns="0" rIns="0" tIns="0" bIns="0" anchor="t">
+          <a:bodyPr lIns="0" tIns="0" rIns="0" bIns="0" anchor="t">
             <a:noAutofit/>
           </a:bodyPr>
+          <a:lstStyle/>
           <a:p>
             <a:pPr>
               <a:lnSpc>
@@ -5717,7 +6462,7 @@
               <a:buNone/>
             </a:pPr>
             <a:r>
-              <a:rPr b="0" lang="en-US" sz="1050" spc="-1" strike="noStrike">
+              <a:rPr lang="en-US" sz="1050" b="0" strike="noStrike" spc="-1">
                 <a:solidFill>
                   <a:srgbClr val="000000"/>
                 </a:solidFill>
@@ -5726,7 +6471,7 @@
               </a:rPr>
               <a:t>flaticon, CC BY-SA 4.0, via Wikimedia Commons</a:t>
             </a:r>
-            <a:endParaRPr b="0" lang="en-US" sz="1050" spc="-1" strike="noStrike">
+            <a:endParaRPr lang="en-US" sz="1050" b="0" strike="noStrike" spc="-1">
               <a:latin typeface="Arial"/>
             </a:endParaRPr>
           </a:p>
@@ -5745,6 +6490,7 @@
         <p:spPr/>
         <p:txBody>
           <a:bodyPr/>
+          <a:lstStyle/>
           <a:p>
             <a:r>
               <a:t>Arne Rümmler | Abteilung 4</a:t>
@@ -5754,19 +6500,14 @@
       </p:sp>
     </p:spTree>
   </p:cSld>
-  <mc:AlternateContent>
-    <mc:Choice Requires="p14">
-      <p:transition spd="slow" p14:dur="2000"/>
-    </mc:Choice>
-    <mc:Fallback>
-      <p:transition spd="slow"/>
-    </mc:Fallback>
-  </mc:AlternateContent>
+  <p:clrMapOvr>
+    <a:masterClrMapping/>
+  </p:clrMapOvr>
 </p:sld>
 </file>
 
 <file path=ppt/slides/slide3.xml><?xml version="1.0" encoding="utf-8"?>
-<p:sld xmlns:a="http://schemas.openxmlformats.org/drawingml/2006/main" xmlns:p="http://schemas.openxmlformats.org/presentationml/2006/main" xmlns:r="http://schemas.openxmlformats.org/officeDocument/2006/relationships" xmlns:p14="http://schemas.microsoft.com/office/powerpoint/2010/main" xmlns:p15="http://schemas.microsoft.com/office/powerpoint/2012/main" xmlns:mc="http://schemas.openxmlformats.org/markup-compatibility/2006" showMasterSp="0">
+<p:sld xmlns:a="http://schemas.openxmlformats.org/drawingml/2006/main" xmlns:r="http://schemas.openxmlformats.org/officeDocument/2006/relationships" xmlns:p="http://schemas.openxmlformats.org/presentationml/2006/main" showMasterSp="0">
   <p:cSld>
     <p:spTree>
       <p:nvGrpSpPr>
@@ -5806,9 +6547,10 @@
           </a:ln>
         </p:spPr>
         <p:txBody>
-          <a:bodyPr lIns="0" rIns="0" tIns="0" bIns="0" anchor="t">
+          <a:bodyPr lIns="0" tIns="0" rIns="0" bIns="0" anchor="t">
             <a:noAutofit/>
           </a:bodyPr>
+          <a:lstStyle/>
           <a:p>
             <a:pPr>
               <a:lnSpc>
@@ -5816,28 +6558,19 @@
               </a:lnSpc>
               <a:buNone/>
               <a:tabLst>
-                <a:tab algn="l" pos="0"/>
+                <a:tab pos="0" algn="l"/>
               </a:tabLst>
             </a:pPr>
             <a:r>
-              <a:rPr b="0" lang="de-DE" sz="2600" spc="-1" strike="noStrike">
+              <a:rPr lang="de-DE" sz="2600" b="0" strike="noStrike" spc="-1">
                 <a:solidFill>
                   <a:srgbClr val="000000"/>
                 </a:solidFill>
                 <a:latin typeface="VistaSansBold"/>
               </a:rPr>
-              <a:t>Motivation: </a:t>
-            </a:r>
-            <a:r>
-              <a:rPr b="0" lang="de-DE" sz="2600" spc="-1" strike="noStrike">
-                <a:solidFill>
-                  <a:srgbClr val="000000"/>
-                </a:solidFill>
-                <a:latin typeface="VistaSansBold"/>
-              </a:rPr>
-              <a:t>Karten</a:t>
-            </a:r>
-            <a:endParaRPr b="0" lang="en-US" sz="2600" spc="-1" strike="noStrike">
+              <a:t>Motivation: Karten</a:t>
+            </a:r>
+            <a:endParaRPr lang="en-US" sz="2600" b="0" strike="noStrike" spc="-1">
               <a:latin typeface="Arial"/>
             </a:endParaRPr>
           </a:p>
@@ -5867,7 +6600,7 @@
           </a:ln>
         </p:spPr>
         <p:txBody>
-          <a:bodyPr lIns="0" rIns="0" tIns="0" bIns="0" anchor="t">
+          <a:bodyPr lIns="0" tIns="0" rIns="0" bIns="0" anchor="t">
             <a:noAutofit/>
           </a:bodyPr>
           <a:lstStyle>
@@ -5877,9 +6610,9 @@
               </a:lnSpc>
               <a:buNone/>
               <a:tabLst>
-                <a:tab algn="l" pos="0"/>
+                <a:tab pos="0" algn="l"/>
               </a:tabLst>
-              <a:defRPr b="0" lang="de-DE" sz="900" spc="-1" strike="noStrike">
+              <a:defRPr lang="de-DE" sz="900" b="0" strike="noStrike" spc="-1">
                 <a:solidFill>
                   <a:srgbClr val="000000"/>
                 </a:solidFill>
@@ -5894,20 +6627,20 @@
               </a:lnSpc>
               <a:buNone/>
               <a:tabLst>
-                <a:tab algn="l" pos="0"/>
+                <a:tab pos="0" algn="l"/>
               </a:tabLst>
             </a:pPr>
-            <a:fld id="{352CA973-EB34-4DB5-B98E-51C7539750B4}" type="datetime3">
-              <a:rPr b="0" lang="de-DE" sz="900" spc="-1" strike="noStrike">
+            <a:fld id="{5DC59F66-0EF0-4FEC-B7B6-D1B591D5E844}" type="datetime3">
+              <a:rPr lang="de-DE" sz="900" b="0" strike="noStrike" spc="-1">
                 <a:solidFill>
                   <a:srgbClr val="000000"/>
                 </a:solidFill>
                 <a:latin typeface="VistaSansBook"/>
               </a:rPr>
-              <a:t>5. Juni 2024</a:t>
+              <a:t>06/06/24</a:t>
             </a:fld>
             <a:r>
-              <a:rPr b="0" lang="de-DE" sz="900" spc="-1" strike="noStrike">
+              <a:rPr lang="de-DE" sz="900" b="0" strike="noStrike" spc="-1">
                 <a:solidFill>
                   <a:srgbClr val="000000"/>
                 </a:solidFill>
@@ -5915,17 +6648,17 @@
               </a:rPr>
               <a:t> | Seite </a:t>
             </a:r>
-            <a:fld id="{D0719595-B308-4334-A0BE-DAE6F6173EC9}" type="slidenum">
-              <a:rPr b="0" lang="de-DE" sz="900" spc="-1" strike="noStrike">
+            <a:fld id="{1FAFB985-D5BF-40F5-BB18-6BEA5B888405}" type="slidenum">
+              <a:rPr lang="de-DE" sz="900" b="0" strike="noStrike" spc="-1">
                 <a:solidFill>
                   <a:srgbClr val="000000"/>
                 </a:solidFill>
                 <a:latin typeface="VistaSansBook"/>
               </a:rPr>
-              <a:t>&lt;number&gt;</a:t>
+              <a:t>3</a:t>
             </a:fld>
             <a:r>
-              <a:rPr b="0" lang="de-DE" sz="900" spc="-1" strike="noStrike">
+              <a:rPr lang="de-DE" sz="900" b="0" strike="noStrike" spc="-1">
                 <a:solidFill>
                   <a:srgbClr val="000000"/>
                 </a:solidFill>
@@ -5933,7 +6666,7 @@
               </a:rPr>
               <a:t> </a:t>
             </a:r>
-            <a:endParaRPr b="0" lang="en-US" sz="900" spc="-1" strike="noStrike">
+            <a:endParaRPr lang="en-US" sz="900" b="0" strike="noStrike" spc="-1">
               <a:latin typeface="Times New Roman"/>
             </a:endParaRPr>
           </a:p>
@@ -5963,9 +6696,10 @@
           </a:ln>
         </p:spPr>
         <p:txBody>
-          <a:bodyPr lIns="0" rIns="0" tIns="0" bIns="0" anchor="t">
+          <a:bodyPr lIns="0" tIns="0" rIns="0" bIns="0" anchor="t">
             <a:noAutofit/>
           </a:bodyPr>
+          <a:lstStyle/>
           <a:p>
             <a:pPr>
               <a:lnSpc>
@@ -5973,11 +6707,11 @@
               </a:lnSpc>
               <a:buNone/>
               <a:tabLst>
-                <a:tab algn="l" pos="0"/>
+                <a:tab pos="0" algn="l"/>
               </a:tabLst>
             </a:pPr>
             <a:r>
-              <a:rPr b="0" lang="de-DE" sz="2600" spc="-1" strike="noStrike">
+              <a:rPr lang="de-DE" sz="2600" b="0" strike="noStrike" spc="-1">
                 <a:solidFill>
                   <a:srgbClr val="000000"/>
                 </a:solidFill>
@@ -5985,7 +6719,7 @@
               </a:rPr>
               <a:t>Eine Karte sagt mehr als tausend Worte</a:t>
             </a:r>
-            <a:endParaRPr b="0" lang="en-US" sz="2600" spc="-1" strike="noStrike">
+            <a:endParaRPr lang="en-US" sz="2600" b="0" strike="noStrike" spc="-1">
               <a:latin typeface="Arial"/>
             </a:endParaRPr>
           </a:p>
@@ -6015,9 +6749,10 @@
           </a:ln>
         </p:spPr>
         <p:txBody>
-          <a:bodyPr lIns="0" rIns="0" tIns="0" bIns="0" anchor="t">
+          <a:bodyPr lIns="0" tIns="0" rIns="0" bIns="0" anchor="t">
             <a:noAutofit/>
           </a:bodyPr>
+          <a:lstStyle/>
           <a:p>
             <a:pPr>
               <a:lnSpc>
@@ -6028,11 +6763,11 @@
               </a:spcAft>
               <a:buNone/>
               <a:tabLst>
-                <a:tab algn="l" pos="0"/>
+                <a:tab pos="0" algn="l"/>
               </a:tabLst>
             </a:pPr>
             <a:r>
-              <a:rPr b="0" lang="de-DE" sz="1800" spc="-1" strike="noStrike">
+              <a:rPr lang="de-DE" sz="1800" b="0" strike="noStrike" spc="-1">
                 <a:solidFill>
                   <a:srgbClr val="000000"/>
                 </a:solidFill>
@@ -6040,7 +6775,7 @@
               </a:rPr>
               <a:t>Geokodierung beschreibt die Zuordnung von Koordinaten zu Ortsnamen.</a:t>
             </a:r>
-            <a:endParaRPr b="0" lang="en-US" sz="1800" spc="-1" strike="noStrike">
+            <a:endParaRPr lang="en-US" sz="1800" b="0" strike="noStrike" spc="-1">
               <a:latin typeface="Arial"/>
             </a:endParaRPr>
           </a:p>
@@ -6054,10 +6789,10 @@
               </a:spcAft>
               <a:buNone/>
               <a:tabLst>
-                <a:tab algn="l" pos="0"/>
+                <a:tab pos="0" algn="l"/>
               </a:tabLst>
             </a:pPr>
-            <a:endParaRPr b="0" lang="en-US" sz="1800" spc="-1" strike="noStrike">
+            <a:endParaRPr lang="en-US" sz="1800" b="0" strike="noStrike" spc="-1">
               <a:latin typeface="Arial"/>
             </a:endParaRPr>
           </a:p>
@@ -6071,10 +6806,10 @@
               </a:spcAft>
               <a:buNone/>
               <a:tabLst>
-                <a:tab algn="l" pos="0"/>
+                <a:tab pos="0" algn="l"/>
               </a:tabLst>
             </a:pPr>
-            <a:endParaRPr b="0" lang="en-US" sz="1800" spc="-1" strike="noStrike">
+            <a:endParaRPr lang="en-US" sz="1800" b="0" strike="noStrike" spc="-1">
               <a:latin typeface="Arial"/>
             </a:endParaRPr>
           </a:p>
@@ -6082,30 +6817,7 @@
       </p:sp>
       <p:pic>
         <p:nvPicPr>
-          <p:cNvPr id="103" name="Picture 2" descr=""/>
-          <p:cNvPicPr/>
-          <p:nvPr/>
-        </p:nvPicPr>
-        <p:blipFill>
-          <a:blip r:embed="rId1"/>
-          <a:stretch/>
-        </p:blipFill>
-        <p:spPr>
-          <a:xfrm>
-            <a:off x="0" y="1092960"/>
-            <a:ext cx="12191040" cy="5812200"/>
-          </a:xfrm>
-          <a:prstGeom prst="rect">
-            <a:avLst/>
-          </a:prstGeom>
-          <a:ln w="0">
-            <a:noFill/>
-          </a:ln>
-        </p:spPr>
-      </p:pic>
-      <p:pic>
-        <p:nvPicPr>
-          <p:cNvPr id="104" name="Picture 19" descr=""/>
+          <p:cNvPr id="103" name="Picture 2"/>
           <p:cNvPicPr/>
           <p:nvPr/>
         </p:nvPicPr>
@@ -6115,6 +6827,29 @@
         </p:blipFill>
         <p:spPr>
           <a:xfrm>
+            <a:off x="0" y="1092960"/>
+            <a:ext cx="12191040" cy="5812200"/>
+          </a:xfrm>
+          <a:prstGeom prst="rect">
+            <a:avLst/>
+          </a:prstGeom>
+          <a:ln w="0">
+            <a:noFill/>
+          </a:ln>
+        </p:spPr>
+      </p:pic>
+      <p:pic>
+        <p:nvPicPr>
+          <p:cNvPr id="104" name="Picture 19"/>
+          <p:cNvPicPr/>
+          <p:nvPr/>
+        </p:nvPicPr>
+        <p:blipFill>
+          <a:blip r:embed="rId3"/>
+          <a:stretch/>
+        </p:blipFill>
+        <p:spPr>
+          <a:xfrm>
             <a:off x="9192240" y="-27360"/>
             <a:ext cx="3050280" cy="1661400"/>
           </a:xfrm>
@@ -6139,6 +6874,7 @@
         <p:spPr/>
         <p:txBody>
           <a:bodyPr/>
+          <a:lstStyle/>
           <a:p>
             <a:r>
               <a:t>Arne Rümmler | Abteilung 4</a:t>
@@ -6148,19 +6884,14 @@
       </p:sp>
     </p:spTree>
   </p:cSld>
-  <mc:AlternateContent>
-    <mc:Choice Requires="p14">
-      <p:transition spd="slow" p14:dur="2000"/>
-    </mc:Choice>
-    <mc:Fallback>
-      <p:transition spd="slow"/>
-    </mc:Fallback>
-  </mc:AlternateContent>
+  <p:clrMapOvr>
+    <a:masterClrMapping/>
+  </p:clrMapOvr>
 </p:sld>
 </file>
 
 <file path=ppt/slides/slide4.xml><?xml version="1.0" encoding="utf-8"?>
-<p:sld xmlns:a="http://schemas.openxmlformats.org/drawingml/2006/main" xmlns:p="http://schemas.openxmlformats.org/presentationml/2006/main" xmlns:r="http://schemas.openxmlformats.org/officeDocument/2006/relationships" xmlns:p14="http://schemas.microsoft.com/office/powerpoint/2010/main" xmlns:p15="http://schemas.microsoft.com/office/powerpoint/2012/main" xmlns:mc="http://schemas.openxmlformats.org/markup-compatibility/2006">
+<p:sld xmlns:a="http://schemas.openxmlformats.org/drawingml/2006/main" xmlns:r="http://schemas.openxmlformats.org/officeDocument/2006/relationships" xmlns:p="http://schemas.openxmlformats.org/presentationml/2006/main">
   <p:cSld>
     <p:spTree>
       <p:nvGrpSpPr>
@@ -6178,12 +6909,12 @@
       </p:grpSpPr>
       <p:pic>
         <p:nvPicPr>
-          <p:cNvPr id="105" name="Picture 14" descr=""/>
+          <p:cNvPr id="105" name="Picture 14"/>
           <p:cNvPicPr/>
           <p:nvPr/>
         </p:nvPicPr>
         <p:blipFill>
-          <a:blip r:embed="rId1"/>
+          <a:blip r:embed="rId2"/>
           <a:stretch/>
         </p:blipFill>
         <p:spPr>
@@ -6225,7 +6956,7 @@
           </a:ln>
         </p:spPr>
         <p:txBody>
-          <a:bodyPr lIns="0" rIns="0" tIns="0" bIns="0" anchor="t">
+          <a:bodyPr lIns="0" tIns="0" rIns="0" bIns="0" anchor="t">
             <a:noAutofit/>
           </a:bodyPr>
           <a:lstStyle>
@@ -6235,9 +6966,9 @@
               </a:lnSpc>
               <a:buNone/>
               <a:tabLst>
-                <a:tab algn="l" pos="0"/>
+                <a:tab pos="0" algn="l"/>
               </a:tabLst>
-              <a:defRPr b="0" lang="de-DE" sz="900" spc="-1" strike="noStrike">
+              <a:defRPr lang="de-DE" sz="900" b="0" strike="noStrike" spc="-1">
                 <a:solidFill>
                   <a:srgbClr val="000000"/>
                 </a:solidFill>
@@ -6252,20 +6983,38 @@
               </a:lnSpc>
               <a:buNone/>
               <a:tabLst>
-                <a:tab algn="l" pos="0"/>
+                <a:tab pos="0" algn="l"/>
               </a:tabLst>
             </a:pPr>
-            <a:fld id="{B318493A-675C-4D08-AA37-12A9FAB3F9AB}" type="datetime3">
-              <a:rPr b="0" lang="de-DE" sz="900" spc="-1" strike="noStrike">
+            <a:fld id="{3478B1D3-FDC7-4B79-9720-37B0216912DA}" type="datetime3">
+              <a:rPr lang="de-DE" sz="900" b="0" strike="noStrike" spc="-1">
                 <a:solidFill>
                   <a:srgbClr val="000000"/>
                 </a:solidFill>
                 <a:latin typeface="VistaSansBook"/>
               </a:rPr>
-              <a:t>5. Juni 2024</a:t>
+              <a:t>06/06/24</a:t>
             </a:fld>
             <a:r>
-              <a:rPr b="0" lang="de-DE" sz="900" spc="-1" strike="noStrike">
+              <a:rPr lang="de-DE" sz="900" b="0" strike="noStrike" spc="-1">
+                <a:solidFill>
+                  <a:srgbClr val="000000"/>
+                </a:solidFill>
+                <a:latin typeface="VistaSansBook"/>
+              </a:rPr>
+              <a:t> | Seite </a:t>
+            </a:r>
+            <a:fld id="{7798777F-A518-42C6-A601-F6EA20336B81}" type="slidenum">
+              <a:rPr lang="de-DE" sz="900" b="0" strike="noStrike" spc="-1">
+                <a:solidFill>
+                  <a:srgbClr val="000000"/>
+                </a:solidFill>
+                <a:latin typeface="VistaSansBook"/>
+              </a:rPr>
+              <a:t>4</a:t>
+            </a:fld>
+            <a:r>
+              <a:rPr lang="de-DE" sz="900" b="0" strike="noStrike" spc="-1">
                 <a:solidFill>
                   <a:srgbClr val="000000"/>
                 </a:solidFill>
@@ -6273,97 +7022,7 @@
               </a:rPr>
               <a:t> </a:t>
             </a:r>
-            <a:r>
-              <a:rPr b="0" lang="de-DE" sz="900" spc="-1" strike="noStrike">
-                <a:solidFill>
-                  <a:srgbClr val="000000"/>
-                </a:solidFill>
-                <a:latin typeface="VistaSansBook"/>
-              </a:rPr>
-              <a:t>|</a:t>
-            </a:r>
-            <a:r>
-              <a:rPr b="0" lang="de-DE" sz="900" spc="-1" strike="noStrike">
-                <a:solidFill>
-                  <a:srgbClr val="000000"/>
-                </a:solidFill>
-                <a:latin typeface="VistaSansBook"/>
-              </a:rPr>
-              <a:t> </a:t>
-            </a:r>
-            <a:r>
-              <a:rPr b="0" lang="de-DE" sz="900" spc="-1" strike="noStrike">
-                <a:solidFill>
-                  <a:srgbClr val="000000"/>
-                </a:solidFill>
-                <a:latin typeface="VistaSansBook"/>
-              </a:rPr>
-              <a:t>S</a:t>
-            </a:r>
-            <a:r>
-              <a:rPr b="0" lang="de-DE" sz="900" spc="-1" strike="noStrike">
-                <a:solidFill>
-                  <a:srgbClr val="000000"/>
-                </a:solidFill>
-                <a:latin typeface="VistaSansBook"/>
-              </a:rPr>
-              <a:t>e</a:t>
-            </a:r>
-            <a:r>
-              <a:rPr b="0" lang="de-DE" sz="900" spc="-1" strike="noStrike">
-                <a:solidFill>
-                  <a:srgbClr val="000000"/>
-                </a:solidFill>
-                <a:latin typeface="VistaSansBook"/>
-              </a:rPr>
-              <a:t>i</a:t>
-            </a:r>
-            <a:r>
-              <a:rPr b="0" lang="de-DE" sz="900" spc="-1" strike="noStrike">
-                <a:solidFill>
-                  <a:srgbClr val="000000"/>
-                </a:solidFill>
-                <a:latin typeface="VistaSansBook"/>
-              </a:rPr>
-              <a:t>t</a:t>
-            </a:r>
-            <a:r>
-              <a:rPr b="0" lang="de-DE" sz="900" spc="-1" strike="noStrike">
-                <a:solidFill>
-                  <a:srgbClr val="000000"/>
-                </a:solidFill>
-                <a:latin typeface="VistaSansBook"/>
-              </a:rPr>
-              <a:t>e</a:t>
-            </a:r>
-            <a:r>
-              <a:rPr b="0" lang="de-DE" sz="900" spc="-1" strike="noStrike">
-                <a:solidFill>
-                  <a:srgbClr val="000000"/>
-                </a:solidFill>
-                <a:latin typeface="VistaSansBook"/>
-              </a:rPr>
-              <a:t> </a:t>
-            </a:r>
-            <a:fld id="{3FF9F6B9-08E1-45B3-8534-F5A1C4A09BF9}" type="slidenum">
-              <a:rPr b="0" lang="de-DE" sz="900" spc="-1" strike="noStrike">
-                <a:solidFill>
-                  <a:srgbClr val="000000"/>
-                </a:solidFill>
-                <a:latin typeface="VistaSansBook"/>
-              </a:rPr>
-              <a:t>&lt;number&gt;</a:t>
-            </a:fld>
-            <a:r>
-              <a:rPr b="0" lang="de-DE" sz="900" spc="-1" strike="noStrike">
-                <a:solidFill>
-                  <a:srgbClr val="000000"/>
-                </a:solidFill>
-                <a:latin typeface="VistaSansBook"/>
-              </a:rPr>
-              <a:t> </a:t>
-            </a:r>
-            <a:endParaRPr b="0" lang="en-US" sz="900" spc="-1" strike="noStrike">
+            <a:endParaRPr lang="en-US" sz="900" b="0" strike="noStrike" spc="-1">
               <a:latin typeface="Times New Roman"/>
             </a:endParaRPr>
           </a:p>
@@ -6388,16 +7047,17 @@
             <a:avLst/>
           </a:prstGeom>
           <a:solidFill>
-            <a:srgbClr val="ffffff"/>
+            <a:srgbClr val="FFFFFF"/>
           </a:solidFill>
           <a:ln w="0">
             <a:noFill/>
           </a:ln>
         </p:spPr>
         <p:txBody>
-          <a:bodyPr lIns="0" rIns="0" tIns="0" bIns="0" anchor="t">
+          <a:bodyPr lIns="0" tIns="0" rIns="0" bIns="0" anchor="t">
             <a:noAutofit/>
           </a:bodyPr>
+          <a:lstStyle/>
           <a:p>
             <a:pPr>
               <a:lnSpc>
@@ -6405,11 +7065,11 @@
               </a:lnSpc>
               <a:buNone/>
               <a:tabLst>
-                <a:tab algn="l" pos="0"/>
+                <a:tab pos="0" algn="l"/>
               </a:tabLst>
             </a:pPr>
             <a:r>
-              <a:rPr b="0" lang="de-DE" sz="2600" spc="-1" strike="noStrike">
+              <a:rPr lang="de-DE" sz="2600" b="0" strike="noStrike" spc="-1">
                 <a:solidFill>
                   <a:srgbClr val="000000"/>
                 </a:solidFill>
@@ -6417,7 +7077,7 @@
               </a:rPr>
               <a:t>Motivation: Räumliche Analyse</a:t>
             </a:r>
-            <a:endParaRPr b="0" lang="en-US" sz="2600" spc="-1" strike="noStrike">
+            <a:endParaRPr lang="en-US" sz="2600" b="0" strike="noStrike" spc="-1">
               <a:latin typeface="Arial"/>
             </a:endParaRPr>
           </a:p>
@@ -6442,16 +7102,17 @@
             <a:avLst/>
           </a:prstGeom>
           <a:solidFill>
-            <a:srgbClr val="ffffff"/>
+            <a:srgbClr val="FFFFFF"/>
           </a:solidFill>
           <a:ln w="0">
             <a:noFill/>
           </a:ln>
         </p:spPr>
         <p:txBody>
-          <a:bodyPr lIns="0" rIns="0" tIns="0" bIns="0" anchor="t">
+          <a:bodyPr lIns="0" tIns="0" rIns="0" bIns="0" anchor="t">
             <a:noAutofit/>
           </a:bodyPr>
+          <a:lstStyle/>
           <a:p>
             <a:pPr>
               <a:lnSpc>
@@ -6459,11 +7120,11 @@
               </a:lnSpc>
               <a:buNone/>
               <a:tabLst>
-                <a:tab algn="l" pos="0"/>
+                <a:tab pos="0" algn="l"/>
               </a:tabLst>
             </a:pPr>
             <a:r>
-              <a:rPr b="0" lang="de-DE" sz="2600" spc="-1" strike="noStrike">
+              <a:rPr lang="de-DE" sz="2600" b="0" strike="noStrike" spc="-1">
                 <a:solidFill>
                   <a:srgbClr val="000000"/>
                 </a:solidFill>
@@ -6471,7 +7132,7 @@
               </a:rPr>
               <a:t>Cholera in London, 1854</a:t>
             </a:r>
-            <a:endParaRPr b="0" lang="en-US" sz="2600" spc="-1" strike="noStrike">
+            <a:endParaRPr lang="en-US" sz="2600" b="0" strike="noStrike" spc="-1">
               <a:latin typeface="Arial"/>
             </a:endParaRPr>
           </a:p>
@@ -6496,16 +7157,17 @@
             <a:avLst/>
           </a:prstGeom>
           <a:solidFill>
-            <a:srgbClr val="ffffff"/>
+            <a:srgbClr val="FFFFFF"/>
           </a:solidFill>
           <a:ln w="0">
             <a:noFill/>
           </a:ln>
         </p:spPr>
         <p:txBody>
-          <a:bodyPr lIns="0" rIns="0" tIns="0" bIns="0" anchor="t">
+          <a:bodyPr lIns="0" tIns="0" rIns="0" bIns="0" anchor="t">
             <a:noAutofit/>
           </a:bodyPr>
+          <a:lstStyle/>
           <a:p>
             <a:pPr>
               <a:lnSpc>
@@ -6516,7 +7178,7 @@
               </a:spcAft>
               <a:buNone/>
             </a:pPr>
-            <a:endParaRPr b="0" lang="en-US" sz="1800" spc="-1" strike="noStrike">
+            <a:endParaRPr lang="en-US" sz="1800" b="0" strike="noStrike" spc="-1">
               <a:latin typeface="Arial"/>
             </a:endParaRPr>
           </a:p>
@@ -6535,17 +7197,17 @@
               <a:buChar char="-"/>
             </a:pPr>
             <a:r>
-              <a:rPr b="0" lang="de-DE" sz="1800" spc="-1" strike="noStrike" u="sng">
+              <a:rPr lang="de-DE" sz="1800" b="0" u="sng" strike="noStrike" spc="-1">
                 <a:solidFill>
-                  <a:srgbClr val="e10019"/>
+                  <a:srgbClr val="E10019"/>
                 </a:solidFill>
                 <a:uFillTx/>
                 <a:latin typeface="VistaSansBook"/>
-                <a:hlinkClick r:id="rId2"/>
+                <a:hlinkClick r:id="rId3"/>
               </a:rPr>
               <a:t>1854 schwerer Cholera Ausbruch in Soho, London</a:t>
             </a:r>
-            <a:endParaRPr b="0" lang="en-US" sz="1800" spc="-1" strike="noStrike">
+            <a:endParaRPr lang="en-US" sz="1800" b="0" strike="noStrike" spc="-1">
               <a:latin typeface="Arial"/>
             </a:endParaRPr>
           </a:p>
@@ -6564,7 +7226,7 @@
               <a:buChar char="-"/>
             </a:pPr>
             <a:r>
-              <a:rPr b="0" lang="de-DE" sz="1800" spc="-1" strike="noStrike">
+              <a:rPr lang="de-DE" sz="1800" b="0" strike="noStrike" spc="-1">
                 <a:solidFill>
                   <a:srgbClr val="000000"/>
                 </a:solidFill>
@@ -6572,7 +7234,7 @@
               </a:rPr>
               <a:t>Forderte mehr als 500 Tote</a:t>
             </a:r>
-            <a:endParaRPr b="0" lang="en-US" sz="1800" spc="-1" strike="noStrike">
+            <a:endParaRPr lang="en-US" sz="1800" b="0" strike="noStrike" spc="-1">
               <a:latin typeface="Arial"/>
             </a:endParaRPr>
           </a:p>
@@ -6591,7 +7253,7 @@
               <a:buChar char="-"/>
             </a:pPr>
             <a:r>
-              <a:rPr b="0" lang="de-DE" sz="1800" spc="-1" strike="noStrike">
+              <a:rPr lang="de-DE" sz="1800" b="0" strike="noStrike" spc="-1">
                 <a:solidFill>
                   <a:srgbClr val="000000"/>
                 </a:solidFill>
@@ -6599,7 +7261,7 @@
               </a:rPr>
               <a:t>Untersucht durch Arzt Dr. Jon Snow</a:t>
             </a:r>
-            <a:endParaRPr b="0" lang="en-US" sz="1800" spc="-1" strike="noStrike">
+            <a:endParaRPr lang="en-US" sz="1800" b="0" strike="noStrike" spc="-1">
               <a:latin typeface="Arial"/>
             </a:endParaRPr>
           </a:p>
@@ -6618,7 +7280,7 @@
               <a:buChar char="-"/>
             </a:pPr>
             <a:r>
-              <a:rPr b="0" lang="de-DE" sz="1800" spc="-1" strike="noStrike">
+              <a:rPr lang="de-DE" sz="1800" b="0" strike="noStrike" spc="-1">
                 <a:solidFill>
                   <a:srgbClr val="000000"/>
                 </a:solidFill>
@@ -6626,7 +7288,7 @@
               </a:rPr>
               <a:t>Todesfälle durch Striche an jeweiligen Adressen der gestorbenen Person gekennzeichnet</a:t>
             </a:r>
-            <a:endParaRPr b="0" lang="en-US" sz="1800" spc="-1" strike="noStrike">
+            <a:endParaRPr lang="en-US" sz="1800" b="0" strike="noStrike" spc="-1">
               <a:latin typeface="Arial"/>
             </a:endParaRPr>
           </a:p>
@@ -6645,7 +7307,7 @@
               <a:buChar char="-"/>
             </a:pPr>
             <a:r>
-              <a:rPr b="0" lang="de-DE" sz="1800" spc="-1" strike="noStrike">
+              <a:rPr lang="de-DE" sz="1800" b="0" strike="noStrike" spc="-1">
                 <a:solidFill>
                   <a:srgbClr val="000000"/>
                 </a:solidFill>
@@ -6653,7 +7315,7 @@
               </a:rPr>
               <a:t>Gilt als erste räumliche Analyse</a:t>
             </a:r>
-            <a:endParaRPr b="0" lang="en-US" sz="1800" spc="-1" strike="noStrike">
+            <a:endParaRPr lang="en-US" sz="1800" b="0" strike="noStrike" spc="-1">
               <a:latin typeface="Arial"/>
             </a:endParaRPr>
           </a:p>
@@ -6667,7 +7329,7 @@
               </a:spcAft>
               <a:buNone/>
             </a:pPr>
-            <a:endParaRPr b="0" lang="en-US" sz="1800" spc="-1" strike="noStrike">
+            <a:endParaRPr lang="en-US" sz="1800" b="0" strike="noStrike" spc="-1">
               <a:latin typeface="Arial"/>
             </a:endParaRPr>
           </a:p>
@@ -6693,15 +7355,22 @@
           </a:ln>
         </p:spPr>
         <p:style>
-          <a:lnRef idx="0"/>
-          <a:fillRef idx="0"/>
-          <a:effectRef idx="0"/>
+          <a:lnRef idx="0">
+            <a:scrgbClr r="0" g="0" b="0"/>
+          </a:lnRef>
+          <a:fillRef idx="0">
+            <a:scrgbClr r="0" g="0" b="0"/>
+          </a:fillRef>
+          <a:effectRef idx="0">
+            <a:scrgbClr r="0" g="0" b="0"/>
+          </a:effectRef>
           <a:fontRef idx="minor"/>
         </p:style>
         <p:txBody>
-          <a:bodyPr lIns="0" rIns="0" tIns="0" bIns="0" anchor="t">
+          <a:bodyPr lIns="0" tIns="0" rIns="0" bIns="0" anchor="t">
             <a:noAutofit/>
           </a:bodyPr>
+          <a:lstStyle/>
           <a:p>
             <a:pPr>
               <a:lnSpc>
@@ -6710,7 +7379,7 @@
               <a:buNone/>
             </a:pPr>
             <a:r>
-              <a:rPr b="0" lang="en-US" sz="1050" spc="-1" strike="noStrike">
+              <a:rPr lang="en-US" sz="1050" b="0" strike="noStrike" spc="-1">
                 <a:solidFill>
                   <a:srgbClr val="000000"/>
                 </a:solidFill>
@@ -6720,7 +7389,7 @@
               <a:t>John Snow - Map of the book </a:t>
             </a:r>
             <a:r>
-              <a:rPr b="1" lang="en-US" sz="1050" spc="-1" strike="noStrike">
+              <a:rPr lang="en-US" sz="1050" b="1" strike="noStrike" spc="-1">
                 <a:solidFill>
                   <a:srgbClr val="000000"/>
                 </a:solidFill>
@@ -6730,7 +7399,7 @@
               <a:t>"On the Mode of Communication of Cholera"</a:t>
             </a:r>
             <a:r>
-              <a:rPr b="0" lang="en-US" sz="1050" spc="-1" strike="noStrike">
+              <a:rPr lang="en-US" sz="1050" b="0" strike="noStrike" spc="-1">
                 <a:solidFill>
                   <a:srgbClr val="000000"/>
                 </a:solidFill>
@@ -6739,7 +7408,7 @@
               </a:rPr>
               <a:t> by John Snow, originally published in 1854 by C.F. Cheffins, Lith, Southhampton Buildings, London, England. </a:t>
             </a:r>
-            <a:endParaRPr b="0" lang="en-US" sz="1050" spc="-1" strike="noStrike">
+            <a:endParaRPr lang="en-US" sz="1050" b="0" strike="noStrike" spc="-1">
               <a:latin typeface="Arial"/>
             </a:endParaRPr>
           </a:p>
@@ -6758,6 +7427,7 @@
         <p:spPr/>
         <p:txBody>
           <a:bodyPr/>
+          <a:lstStyle/>
           <a:p>
             <a:r>
               <a:t>Arne Rümmler | Abteilung 4</a:t>
@@ -6767,19 +7437,14 @@
       </p:sp>
     </p:spTree>
   </p:cSld>
-  <mc:AlternateContent>
-    <mc:Choice Requires="p14">
-      <p:transition spd="slow" p14:dur="2000"/>
-    </mc:Choice>
-    <mc:Fallback>
-      <p:transition spd="slow"/>
-    </mc:Fallback>
-  </mc:AlternateContent>
+  <p:clrMapOvr>
+    <a:masterClrMapping/>
+  </p:clrMapOvr>
 </p:sld>
 </file>
 
 <file path=ppt/slides/slide5.xml><?xml version="1.0" encoding="utf-8"?>
-<p:sld xmlns:a="http://schemas.openxmlformats.org/drawingml/2006/main" xmlns:p="http://schemas.openxmlformats.org/presentationml/2006/main" xmlns:r="http://schemas.openxmlformats.org/officeDocument/2006/relationships" xmlns:p14="http://schemas.microsoft.com/office/powerpoint/2010/main" xmlns:p15="http://schemas.microsoft.com/office/powerpoint/2012/main" xmlns:mc="http://schemas.openxmlformats.org/markup-compatibility/2006">
+<p:sld xmlns:a="http://schemas.openxmlformats.org/drawingml/2006/main" xmlns:r="http://schemas.openxmlformats.org/officeDocument/2006/relationships" xmlns:p="http://schemas.openxmlformats.org/presentationml/2006/main">
   <p:cSld>
     <p:spTree>
       <p:nvGrpSpPr>
@@ -6819,9 +7484,10 @@
           </a:ln>
         </p:spPr>
         <p:txBody>
-          <a:bodyPr lIns="0" rIns="0" tIns="0" bIns="0" anchor="t">
+          <a:bodyPr lIns="0" tIns="0" rIns="0" bIns="0" anchor="t">
             <a:noAutofit/>
           </a:bodyPr>
+          <a:lstStyle/>
           <a:p>
             <a:pPr>
               <a:lnSpc>
@@ -6829,11 +7495,11 @@
               </a:lnSpc>
               <a:buNone/>
               <a:tabLst>
-                <a:tab algn="l" pos="0"/>
+                <a:tab pos="0" algn="l"/>
               </a:tabLst>
             </a:pPr>
             <a:r>
-              <a:rPr b="0" lang="de-DE" sz="2600" spc="-1" strike="noStrike">
+              <a:rPr lang="de-DE" sz="2600" b="0" strike="noStrike" spc="-1">
                 <a:solidFill>
                   <a:srgbClr val="000000"/>
                 </a:solidFill>
@@ -6841,7 +7507,7 @@
               </a:rPr>
               <a:t>Motivation: Räumliche Analyse</a:t>
             </a:r>
-            <a:endParaRPr b="0" lang="en-US" sz="2600" spc="-1" strike="noStrike">
+            <a:endParaRPr lang="en-US" sz="2600" b="0" strike="noStrike" spc="-1">
               <a:latin typeface="Arial"/>
             </a:endParaRPr>
           </a:p>
@@ -6871,7 +7537,7 @@
           </a:ln>
         </p:spPr>
         <p:txBody>
-          <a:bodyPr lIns="0" rIns="0" tIns="0" bIns="0" anchor="t">
+          <a:bodyPr lIns="0" tIns="0" rIns="0" bIns="0" anchor="t">
             <a:noAutofit/>
           </a:bodyPr>
           <a:lstStyle>
@@ -6881,9 +7547,9 @@
               </a:lnSpc>
               <a:buNone/>
               <a:tabLst>
-                <a:tab algn="l" pos="0"/>
+                <a:tab pos="0" algn="l"/>
               </a:tabLst>
-              <a:defRPr b="0" lang="de-DE" sz="900" spc="-1" strike="noStrike">
+              <a:defRPr lang="de-DE" sz="900" b="0" strike="noStrike" spc="-1">
                 <a:solidFill>
                   <a:srgbClr val="000000"/>
                 </a:solidFill>
@@ -6898,20 +7564,20 @@
               </a:lnSpc>
               <a:buNone/>
               <a:tabLst>
-                <a:tab algn="l" pos="0"/>
+                <a:tab pos="0" algn="l"/>
               </a:tabLst>
             </a:pPr>
-            <a:fld id="{C47EC0E5-5488-4E1F-826E-524D52E70652}" type="datetime3">
-              <a:rPr b="0" lang="de-DE" sz="900" spc="-1" strike="noStrike">
+            <a:fld id="{9853D729-D4B1-44C8-83E8-E3BA737CA73C}" type="datetime3">
+              <a:rPr lang="de-DE" sz="900" b="0" strike="noStrike" spc="-1">
                 <a:solidFill>
                   <a:srgbClr val="000000"/>
                 </a:solidFill>
                 <a:latin typeface="VistaSansBook"/>
               </a:rPr>
-              <a:t>5. Juni 2024</a:t>
+              <a:t>06/06/24</a:t>
             </a:fld>
             <a:r>
-              <a:rPr b="0" lang="de-DE" sz="900" spc="-1" strike="noStrike">
+              <a:rPr lang="de-DE" sz="900" b="0" strike="noStrike" spc="-1">
                 <a:solidFill>
                   <a:srgbClr val="000000"/>
                 </a:solidFill>
@@ -6919,17 +7585,17 @@
               </a:rPr>
               <a:t> | Seite </a:t>
             </a:r>
-            <a:fld id="{DC567737-ADC4-4CB2-A3AB-8EAC3C1253DC}" type="slidenum">
-              <a:rPr b="0" lang="de-DE" sz="900" spc="-1" strike="noStrike">
+            <a:fld id="{D6371B73-C0F7-48FB-A664-4D4542D800AC}" type="slidenum">
+              <a:rPr lang="de-DE" sz="900" b="0" strike="noStrike" spc="-1">
                 <a:solidFill>
                   <a:srgbClr val="000000"/>
                 </a:solidFill>
                 <a:latin typeface="VistaSansBook"/>
               </a:rPr>
-              <a:t>&lt;number&gt;</a:t>
+              <a:t>5</a:t>
             </a:fld>
             <a:r>
-              <a:rPr b="0" lang="de-DE" sz="900" spc="-1" strike="noStrike">
+              <a:rPr lang="de-DE" sz="900" b="0" strike="noStrike" spc="-1">
                 <a:solidFill>
                   <a:srgbClr val="000000"/>
                 </a:solidFill>
@@ -6937,7 +7603,7 @@
               </a:rPr>
               <a:t> </a:t>
             </a:r>
-            <a:endParaRPr b="0" lang="en-US" sz="900" spc="-1" strike="noStrike">
+            <a:endParaRPr lang="en-US" sz="900" b="0" strike="noStrike" spc="-1">
               <a:latin typeface="Times New Roman"/>
             </a:endParaRPr>
           </a:p>
@@ -6967,9 +7633,10 @@
           </a:ln>
         </p:spPr>
         <p:txBody>
-          <a:bodyPr lIns="0" rIns="0" tIns="0" bIns="0" anchor="t">
+          <a:bodyPr lIns="0" tIns="0" rIns="0" bIns="0" anchor="t">
             <a:noAutofit/>
           </a:bodyPr>
+          <a:lstStyle/>
           <a:p>
             <a:pPr>
               <a:lnSpc>
@@ -6977,11 +7644,11 @@
               </a:lnSpc>
               <a:buNone/>
               <a:tabLst>
-                <a:tab algn="l" pos="0"/>
+                <a:tab pos="0" algn="l"/>
               </a:tabLst>
             </a:pPr>
             <a:r>
-              <a:rPr b="0" lang="de-DE" sz="2600" spc="-1" strike="noStrike">
+              <a:rPr lang="de-DE" sz="2600" b="0" strike="noStrike" spc="-1">
                 <a:solidFill>
                   <a:srgbClr val="000000"/>
                 </a:solidFill>
@@ -6989,7 +7656,7 @@
               </a:rPr>
               <a:t>Cholera in London, 1854</a:t>
             </a:r>
-            <a:endParaRPr b="0" lang="en-US" sz="2600" spc="-1" strike="noStrike">
+            <a:endParaRPr lang="en-US" sz="2600" b="0" strike="noStrike" spc="-1">
               <a:latin typeface="Arial"/>
             </a:endParaRPr>
           </a:p>
@@ -7019,9 +7686,10 @@
           </a:ln>
         </p:spPr>
         <p:txBody>
-          <a:bodyPr lIns="0" rIns="0" tIns="0" bIns="0" anchor="t">
+          <a:bodyPr lIns="0" tIns="0" rIns="0" bIns="0" anchor="t">
             <a:noAutofit/>
           </a:bodyPr>
+          <a:lstStyle/>
           <a:p>
             <a:pPr marL="285840" indent="-285840">
               <a:lnSpc>
@@ -7037,7 +7705,7 @@
               <a:buChar char="-"/>
             </a:pPr>
             <a:r>
-              <a:rPr b="0" lang="de-DE" sz="1800" spc="-1" strike="noStrike">
+              <a:rPr lang="de-DE" sz="1800" b="0" strike="noStrike" spc="-1">
                 <a:solidFill>
                   <a:srgbClr val="000000"/>
                 </a:solidFill>
@@ -7046,7 +7714,7 @@
               <a:t>Analyse zeigt, dass sich die Fälle um die Wasserpumpe in der </a:t>
             </a:r>
             <a:r>
-              <a:rPr b="0" i="1" lang="de-DE" sz="1800" spc="-1" strike="noStrike">
+              <a:rPr lang="de-DE" sz="1800" b="0" i="1" strike="noStrike" spc="-1">
                 <a:solidFill>
                   <a:srgbClr val="000000"/>
                 </a:solidFill>
@@ -7055,7 +7723,7 @@
               <a:t>Broad Street </a:t>
             </a:r>
             <a:r>
-              <a:rPr b="0" lang="de-DE" sz="1800" spc="-1" strike="noStrike">
+              <a:rPr lang="de-DE" sz="1800" b="0" strike="noStrike" spc="-1">
                 <a:solidFill>
                   <a:srgbClr val="000000"/>
                 </a:solidFill>
@@ -7063,7 +7731,7 @@
               </a:rPr>
               <a:t>häufen</a:t>
             </a:r>
-            <a:endParaRPr b="0" lang="en-US" sz="1800" spc="-1" strike="noStrike">
+            <a:endParaRPr lang="en-US" sz="1800" b="0" strike="noStrike" spc="-1">
               <a:latin typeface="Arial"/>
             </a:endParaRPr>
           </a:p>
@@ -7082,7 +7750,7 @@
               <a:buChar char="-"/>
             </a:pPr>
             <a:r>
-              <a:rPr b="0" lang="de-DE" sz="1800" spc="-1" strike="noStrike">
+              <a:rPr lang="de-DE" sz="1800" b="0" strike="noStrike" spc="-1">
                 <a:solidFill>
                   <a:srgbClr val="000000"/>
                 </a:solidFill>
@@ -7090,7 +7758,7 @@
               </a:rPr>
               <a:t>Verunreinigtes Wasser in diesem Brunnen </a:t>
             </a:r>
-            <a:endParaRPr b="0" lang="en-US" sz="1800" spc="-1" strike="noStrike">
+            <a:endParaRPr lang="en-US" sz="1800" b="0" strike="noStrike" spc="-1">
               <a:latin typeface="Arial"/>
             </a:endParaRPr>
           </a:p>
@@ -7109,7 +7777,7 @@
               <a:buChar char="-"/>
             </a:pPr>
             <a:r>
-              <a:rPr b="0" lang="de-DE" sz="1800" spc="-1" strike="noStrike">
+              <a:rPr lang="de-DE" sz="1800" b="0" strike="noStrike" spc="-1">
                 <a:solidFill>
                   <a:srgbClr val="000000"/>
                 </a:solidFill>
@@ -7117,7 +7785,7 @@
               </a:rPr>
               <a:t>Pumparm abgeschraubt -&gt; Fallzahlen sanken</a:t>
             </a:r>
-            <a:endParaRPr b="0" lang="en-US" sz="1800" spc="-1" strike="noStrike">
+            <a:endParaRPr lang="en-US" sz="1800" b="0" strike="noStrike" spc="-1">
               <a:latin typeface="Arial"/>
             </a:endParaRPr>
           </a:p>
@@ -7136,7 +7804,7 @@
               <a:buChar char="-"/>
             </a:pPr>
             <a:r>
-              <a:rPr b="0" lang="de-DE" sz="1800" spc="-1" strike="noStrike">
+              <a:rPr lang="de-DE" sz="1800" b="0" strike="noStrike" spc="-1">
                 <a:solidFill>
                   <a:srgbClr val="000000"/>
                 </a:solidFill>
@@ -7145,7 +7813,7 @@
               <a:t>Indikator gegen vorherrschende </a:t>
             </a:r>
             <a:r>
-              <a:rPr b="0" i="1" lang="de-DE" sz="1800" spc="-1" strike="noStrike">
+              <a:rPr lang="de-DE" sz="1800" b="0" i="1" strike="noStrike" spc="-1">
                 <a:solidFill>
                   <a:srgbClr val="000000"/>
                 </a:solidFill>
@@ -7154,7 +7822,7 @@
               <a:t>Miasma Theorie</a:t>
             </a:r>
             <a:r>
-              <a:rPr b="0" lang="de-DE" sz="1800" spc="-1" strike="noStrike">
+              <a:rPr lang="de-DE" sz="1800" b="0" strike="noStrike" spc="-1">
                 <a:solidFill>
                   <a:srgbClr val="000000"/>
                 </a:solidFill>
@@ -7162,7 +7830,7 @@
               </a:rPr>
               <a:t> (Verbreitung von Krankheiten durch schlechte Luft)</a:t>
             </a:r>
-            <a:endParaRPr b="0" lang="en-US" sz="1800" spc="-1" strike="noStrike">
+            <a:endParaRPr lang="en-US" sz="1800" b="0" strike="noStrike" spc="-1">
               <a:latin typeface="Arial"/>
             </a:endParaRPr>
           </a:p>
@@ -7176,7 +7844,7 @@
               </a:spcAft>
               <a:buNone/>
             </a:pPr>
-            <a:endParaRPr b="0" lang="en-US" sz="1800" spc="-1" strike="noStrike">
+            <a:endParaRPr lang="en-US" sz="1800" b="0" strike="noStrike" spc="-1">
               <a:latin typeface="Arial"/>
             </a:endParaRPr>
           </a:p>
@@ -7184,12 +7852,12 @@
       </p:sp>
       <p:pic>
         <p:nvPicPr>
-          <p:cNvPr id="115" name="Picture 4" descr=""/>
+          <p:cNvPr id="115" name="Picture 4"/>
           <p:cNvPicPr/>
           <p:nvPr/>
         </p:nvPicPr>
         <p:blipFill>
-          <a:blip r:embed="rId1"/>
+          <a:blip r:embed="rId2"/>
           <a:stretch/>
         </p:blipFill>
         <p:spPr>
@@ -7227,15 +7895,22 @@
           </a:ln>
         </p:spPr>
         <p:style>
-          <a:lnRef idx="0"/>
-          <a:fillRef idx="0"/>
-          <a:effectRef idx="0"/>
+          <a:lnRef idx="0">
+            <a:scrgbClr r="0" g="0" b="0"/>
+          </a:lnRef>
+          <a:fillRef idx="0">
+            <a:scrgbClr r="0" g="0" b="0"/>
+          </a:fillRef>
+          <a:effectRef idx="0">
+            <a:scrgbClr r="0" g="0" b="0"/>
+          </a:effectRef>
           <a:fontRef idx="minor"/>
         </p:style>
         <p:txBody>
-          <a:bodyPr lIns="0" rIns="0" tIns="0" bIns="0" anchor="t">
+          <a:bodyPr lIns="0" tIns="0" rIns="0" bIns="0" anchor="t">
             <a:noAutofit/>
           </a:bodyPr>
+          <a:lstStyle/>
           <a:p>
             <a:pPr>
               <a:lnSpc>
@@ -7244,7 +7919,7 @@
               <a:buNone/>
             </a:pPr>
             <a:r>
-              <a:rPr b="1" lang="en-US" sz="1050" spc="-1" strike="noStrike">
+              <a:rPr lang="en-US" sz="1050" b="1" strike="noStrike" spc="-1">
                 <a:solidFill>
                   <a:srgbClr val="000000"/>
                 </a:solidFill>
@@ -7254,7 +7929,7 @@
               <a:t>Jon Snow’s Cholera Map, overlaid by a heat map indicating the cholera death density </a:t>
             </a:r>
             <a:r>
-              <a:rPr b="0" lang="en-US" sz="1050" spc="-1" strike="noStrike">
+              <a:rPr lang="en-US" sz="1050" b="0" strike="noStrike" spc="-1">
                 <a:solidFill>
                   <a:srgbClr val="000000"/>
                 </a:solidFill>
@@ -7263,7 +7938,7 @@
               </a:rPr>
               <a:t>by Narushige Shiode, Shino Shiode, Elodie Rod-Thatcher, Sanjay Rana &amp; Peter Vinten-Johansen, CC BY 4.0.</a:t>
             </a:r>
-            <a:endParaRPr b="0" lang="en-US" sz="1050" spc="-1" strike="noStrike">
+            <a:endParaRPr lang="en-US" sz="1050" b="0" strike="noStrike" spc="-1">
               <a:latin typeface="Arial"/>
             </a:endParaRPr>
           </a:p>
@@ -7282,6 +7957,7 @@
         <p:spPr/>
         <p:txBody>
           <a:bodyPr/>
+          <a:lstStyle/>
           <a:p>
             <a:r>
               <a:t>Arne Rümmler | Abteilung 4</a:t>
@@ -7291,359 +7967,9 @@
       </p:sp>
     </p:spTree>
   </p:cSld>
-  <mc:AlternateContent>
-    <mc:Choice Requires="p14">
-      <p:transition spd="slow" p14:dur="2000"/>
-    </mc:Choice>
-    <mc:Fallback>
-      <p:transition spd="slow"/>
-    </mc:Fallback>
-  </mc:AlternateContent>
-</p:sld>
-</file>
-
-<file path=ppt/slides/slide6.xml><?xml version="1.0" encoding="utf-8"?>
-<p:sld xmlns:a="http://schemas.openxmlformats.org/drawingml/2006/main" xmlns:p="http://schemas.openxmlformats.org/presentationml/2006/main" xmlns:r="http://schemas.openxmlformats.org/officeDocument/2006/relationships" xmlns:p14="http://schemas.microsoft.com/office/powerpoint/2010/main" xmlns:p15="http://schemas.microsoft.com/office/powerpoint/2012/main" xmlns:mc="http://schemas.openxmlformats.org/markup-compatibility/2006">
-  <p:cSld>
-    <p:spTree>
-      <p:nvGrpSpPr>
-        <p:cNvPr id="1" name=""/>
-        <p:cNvGrpSpPr/>
-        <p:nvPr/>
-      </p:nvGrpSpPr>
-      <p:grpSpPr>
-        <a:xfrm>
-          <a:off x="0" y="0"/>
-          <a:ext cx="0" cy="0"/>
-          <a:chOff x="0" y="0"/>
-          <a:chExt cx="0" cy="0"/>
-        </a:xfrm>
-      </p:grpSpPr>
-      <p:sp>
-        <p:nvSpPr>
-          <p:cNvPr id="117" name="PlaceHolder 1"/>
-          <p:cNvSpPr>
-            <a:spLocks noGrp="1"/>
-          </p:cNvSpPr>
-          <p:nvPr>
-            <p:ph type="title"/>
-          </p:nvPr>
-        </p:nvSpPr>
-        <p:spPr>
-          <a:xfrm>
-            <a:off x="478440" y="289080"/>
-            <a:ext cx="11228760" cy="430920"/>
-          </a:xfrm>
-          <a:prstGeom prst="rect">
-            <a:avLst/>
-          </a:prstGeom>
-          <a:noFill/>
-          <a:ln w="0">
-            <a:noFill/>
-          </a:ln>
-        </p:spPr>
-        <p:txBody>
-          <a:bodyPr lIns="0" rIns="0" tIns="0" bIns="0" anchor="t">
-            <a:noAutofit/>
-          </a:bodyPr>
-          <a:p>
-            <a:pPr>
-              <a:lnSpc>
-                <a:spcPct val="100000"/>
-              </a:lnSpc>
-              <a:buNone/>
-              <a:tabLst>
-                <a:tab algn="l" pos="0"/>
-              </a:tabLst>
-            </a:pPr>
-            <a:r>
-              <a:rPr b="0" lang="de-DE" sz="2600" spc="-1" strike="noStrike">
-                <a:solidFill>
-                  <a:srgbClr val="000000"/>
-                </a:solidFill>
-                <a:latin typeface="VistaSansBold"/>
-              </a:rPr>
-              <a:t>GitHub Codespace öffnen</a:t>
-            </a:r>
-            <a:endParaRPr b="0" lang="en-US" sz="2600" spc="-1" strike="noStrike">
-              <a:latin typeface="Arial"/>
-            </a:endParaRPr>
-          </a:p>
-        </p:txBody>
-      </p:sp>
-      <p:sp>
-        <p:nvSpPr>
-          <p:cNvPr id="118" name="PlaceHolder 2"/>
-          <p:cNvSpPr>
-            <a:spLocks noGrp="1"/>
-          </p:cNvSpPr>
-          <p:nvPr>
-            <p:ph type="dt" idx="8"/>
-          </p:nvPr>
-        </p:nvSpPr>
-        <p:spPr>
-          <a:xfrm>
-            <a:off x="7363080" y="6390000"/>
-            <a:ext cx="2590920" cy="106920"/>
-          </a:xfrm>
-          <a:prstGeom prst="rect">
-            <a:avLst/>
-          </a:prstGeom>
-          <a:noFill/>
-          <a:ln w="0">
-            <a:noFill/>
-          </a:ln>
-        </p:spPr>
-        <p:txBody>
-          <a:bodyPr lIns="0" rIns="0" tIns="0" bIns="0" anchor="t">
-            <a:noAutofit/>
-          </a:bodyPr>
-          <a:lstStyle>
-            <a:lvl1pPr>
-              <a:lnSpc>
-                <a:spcPct val="100000"/>
-              </a:lnSpc>
-              <a:buNone/>
-              <a:tabLst>
-                <a:tab algn="l" pos="0"/>
-              </a:tabLst>
-              <a:defRPr b="0" lang="de-DE" sz="900" spc="-1" strike="noStrike">
-                <a:solidFill>
-                  <a:srgbClr val="000000"/>
-                </a:solidFill>
-                <a:latin typeface="VistaSansBook"/>
-              </a:defRPr>
-            </a:lvl1pPr>
-          </a:lstStyle>
-          <a:p>
-            <a:pPr>
-              <a:lnSpc>
-                <a:spcPct val="100000"/>
-              </a:lnSpc>
-              <a:buNone/>
-              <a:tabLst>
-                <a:tab algn="l" pos="0"/>
-              </a:tabLst>
-            </a:pPr>
-            <a:fld id="{64C46BB9-92BA-4FBE-A9B8-106952112383}" type="datetime3">
-              <a:rPr b="0" lang="de-DE" sz="900" spc="-1" strike="noStrike">
-                <a:solidFill>
-                  <a:srgbClr val="000000"/>
-                </a:solidFill>
-                <a:latin typeface="VistaSansBook"/>
-              </a:rPr>
-              <a:t>5. Juni 2024</a:t>
-            </a:fld>
-            <a:r>
-              <a:rPr b="0" lang="de-DE" sz="900" spc="-1" strike="noStrike">
-                <a:solidFill>
-                  <a:srgbClr val="000000"/>
-                </a:solidFill>
-                <a:latin typeface="VistaSansBook"/>
-              </a:rPr>
-              <a:t> | Seite </a:t>
-            </a:r>
-            <a:fld id="{52487CA4-26FF-4ED5-B840-CDC6F63E4CD7}" type="slidenum">
-              <a:rPr b="0" lang="de-DE" sz="900" spc="-1" strike="noStrike">
-                <a:solidFill>
-                  <a:srgbClr val="000000"/>
-                </a:solidFill>
-                <a:latin typeface="VistaSansBook"/>
-              </a:rPr>
-              <a:t>&lt;number&gt;</a:t>
-            </a:fld>
-            <a:r>
-              <a:rPr b="0" lang="de-DE" sz="900" spc="-1" strike="noStrike">
-                <a:solidFill>
-                  <a:srgbClr val="000000"/>
-                </a:solidFill>
-                <a:latin typeface="VistaSansBook"/>
-              </a:rPr>
-              <a:t> </a:t>
-            </a:r>
-            <a:endParaRPr b="0" lang="en-US" sz="900" spc="-1" strike="noStrike">
-              <a:latin typeface="Times New Roman"/>
-            </a:endParaRPr>
-          </a:p>
-        </p:txBody>
-      </p:sp>
-      <p:sp>
-        <p:nvSpPr>
-          <p:cNvPr id="119" name="PlaceHolder 3"/>
-          <p:cNvSpPr>
-            <a:spLocks noGrp="1"/>
-          </p:cNvSpPr>
-          <p:nvPr>
-            <p:ph/>
-          </p:nvPr>
-        </p:nvSpPr>
-        <p:spPr>
-          <a:xfrm>
-            <a:off x="478440" y="677520"/>
-            <a:ext cx="11230920" cy="430920"/>
-          </a:xfrm>
-          <a:prstGeom prst="rect">
-            <a:avLst/>
-          </a:prstGeom>
-          <a:noFill/>
-          <a:ln w="0">
-            <a:noFill/>
-          </a:ln>
-        </p:spPr>
-        <p:txBody>
-          <a:bodyPr lIns="0" rIns="0" tIns="0" bIns="0" anchor="t">
-            <a:noAutofit/>
-          </a:bodyPr>
-          <a:p>
-            <a:pPr>
-              <a:lnSpc>
-                <a:spcPct val="100000"/>
-              </a:lnSpc>
-              <a:buNone/>
-              <a:tabLst>
-                <a:tab algn="l" pos="0"/>
-              </a:tabLst>
-            </a:pPr>
-            <a:r>
-              <a:rPr b="0" lang="de-DE" sz="2600" spc="-1" strike="noStrike">
-                <a:solidFill>
-                  <a:srgbClr val="000000"/>
-                </a:solidFill>
-                <a:latin typeface="VistaSansBook"/>
-              </a:rPr>
-              <a:t>https://github.com/rue-a/geospatial_data_codespace</a:t>
-            </a:r>
-            <a:endParaRPr b="0" lang="en-US" sz="2600" spc="-1" strike="noStrike">
-              <a:latin typeface="Arial"/>
-            </a:endParaRPr>
-          </a:p>
-        </p:txBody>
-      </p:sp>
-      <p:sp>
-        <p:nvSpPr>
-          <p:cNvPr id="120" name="PlaceHolder 4"/>
-          <p:cNvSpPr>
-            <a:spLocks noGrp="1"/>
-          </p:cNvSpPr>
-          <p:nvPr>
-            <p:ph/>
-          </p:nvPr>
-        </p:nvSpPr>
-        <p:spPr>
-          <a:xfrm>
-            <a:off x="478440" y="1828800"/>
-            <a:ext cx="3600360" cy="601920"/>
-          </a:xfrm>
-          <a:prstGeom prst="rect">
-            <a:avLst/>
-          </a:prstGeom>
-          <a:noFill/>
-          <a:ln w="0">
-            <a:noFill/>
-          </a:ln>
-        </p:spPr>
-        <p:txBody>
-          <a:bodyPr lIns="0" rIns="0" tIns="0" bIns="0" anchor="t">
-            <a:noAutofit/>
-          </a:bodyPr>
-          <a:p>
-            <a:pPr>
-              <a:lnSpc>
-                <a:spcPct val="100000"/>
-              </a:lnSpc>
-              <a:spcAft>
-                <a:spcPts val="1100"/>
-              </a:spcAft>
-              <a:buNone/>
-              <a:tabLst>
-                <a:tab algn="l" pos="0"/>
-              </a:tabLst>
-            </a:pPr>
-            <a:r>
-              <a:rPr b="1" lang="de-DE" sz="1800" spc="-1" strike="noStrike">
-                <a:solidFill>
-                  <a:srgbClr val="000000"/>
-                </a:solidFill>
-                <a:latin typeface="VistaSansBook"/>
-              </a:rPr>
-              <a:t>Nur öffnen, nichts machen</a:t>
-            </a:r>
-            <a:endParaRPr b="0" lang="en-US" sz="1800" spc="-1" strike="noStrike">
-              <a:latin typeface="Arial"/>
-            </a:endParaRPr>
-          </a:p>
-          <a:p>
-            <a:pPr>
-              <a:lnSpc>
-                <a:spcPct val="100000"/>
-              </a:lnSpc>
-              <a:spcAft>
-                <a:spcPts val="1100"/>
-              </a:spcAft>
-              <a:buNone/>
-              <a:tabLst>
-                <a:tab algn="l" pos="0"/>
-              </a:tabLst>
-            </a:pPr>
-            <a:endParaRPr b="0" lang="en-US" sz="1800" spc="-1" strike="noStrike">
-              <a:latin typeface="Arial"/>
-            </a:endParaRPr>
-          </a:p>
-        </p:txBody>
-      </p:sp>
-      <p:pic>
-        <p:nvPicPr>
-          <p:cNvPr id="121" name="Picture 6" descr=""/>
-          <p:cNvPicPr/>
-          <p:nvPr/>
-        </p:nvPicPr>
-        <p:blipFill>
-          <a:blip r:embed="rId1"/>
-          <a:stretch/>
-        </p:blipFill>
-        <p:spPr>
-          <a:xfrm>
-            <a:off x="3863880" y="1300680"/>
-            <a:ext cx="7934760" cy="4471560"/>
-          </a:xfrm>
-          <a:prstGeom prst="rect">
-            <a:avLst/>
-          </a:prstGeom>
-          <a:ln w="0">
-            <a:noFill/>
-          </a:ln>
-        </p:spPr>
-      </p:pic>
-      <p:sp>
-        <p:nvSpPr>
-          <p:cNvPr id="6" name="PlaceHolder 5"/>
-          <p:cNvSpPr>
-            <a:spLocks noGrp="1"/>
-          </p:cNvSpPr>
-          <p:nvPr>
-            <p:ph type="ftr" idx="2"/>
-          </p:nvPr>
-        </p:nvSpPr>
-        <p:spPr/>
-        <p:txBody>
-          <a:bodyPr/>
-          <a:p>
-            <a:r>
-              <a:t>Arne Rümmler | Abteilung 4</a:t>
-            </a:r>
-          </a:p>
-        </p:txBody>
-      </p:sp>
-    </p:spTree>
-  </p:cSld>
-  <mc:AlternateContent>
-    <mc:Choice Requires="p14">
-      <p:transition spd="slow" p14:dur="2000"/>
-    </mc:Choice>
-    <mc:Fallback>
-      <p:transition spd="slow"/>
-    </mc:Fallback>
-  </mc:AlternateContent>
+  <p:clrMapOvr>
+    <a:masterClrMapping/>
+  </p:clrMapOvr>
 </p:sld>
 </file>
 
@@ -7661,31 +7987,31 @@
         <a:srgbClr val="000000"/>
       </a:dk2>
       <a:lt2>
-        <a:srgbClr val="ffffff"/>
+        <a:srgbClr val="FFFFFF"/>
       </a:lt2>
       <a:accent1>
-        <a:srgbClr val="e10019"/>
+        <a:srgbClr val="E10019"/>
       </a:accent1>
       <a:accent2>
-        <a:srgbClr val="e10019"/>
+        <a:srgbClr val="E10019"/>
       </a:accent2>
       <a:accent3>
-        <a:srgbClr val="e10019"/>
+        <a:srgbClr val="E10019"/>
       </a:accent3>
       <a:accent4>
-        <a:srgbClr val="e10019"/>
+        <a:srgbClr val="E10019"/>
       </a:accent4>
       <a:accent5>
-        <a:srgbClr val="e10019"/>
+        <a:srgbClr val="E10019"/>
       </a:accent5>
       <a:accent6>
-        <a:srgbClr val="e10019"/>
+        <a:srgbClr val="E10019"/>
       </a:accent6>
       <a:hlink>
-        <a:srgbClr val="e10019"/>
+        <a:srgbClr val="E10019"/>
       </a:hlink>
       <a:folHlink>
-        <a:srgbClr val="e10019"/>
+        <a:srgbClr val="E10019"/>
       </a:folHlink>
     </a:clrScheme>
     <a:fontScheme name="Office">
@@ -7870,6 +8196,8 @@
       </a:bgFillStyleLst>
     </a:fmtScheme>
   </a:themeElements>
+  <a:objectDefaults/>
+  <a:extraClrSchemeLst/>
 </a:theme>
 </file>
 
@@ -7887,31 +8215,31 @@
         <a:srgbClr val="000000"/>
       </a:dk2>
       <a:lt2>
-        <a:srgbClr val="ffffff"/>
+        <a:srgbClr val="FFFFFF"/>
       </a:lt2>
       <a:accent1>
-        <a:srgbClr val="e10019"/>
+        <a:srgbClr val="E10019"/>
       </a:accent1>
       <a:accent2>
-        <a:srgbClr val="e10019"/>
+        <a:srgbClr val="E10019"/>
       </a:accent2>
       <a:accent3>
-        <a:srgbClr val="e10019"/>
+        <a:srgbClr val="E10019"/>
       </a:accent3>
       <a:accent4>
-        <a:srgbClr val="e10019"/>
+        <a:srgbClr val="E10019"/>
       </a:accent4>
       <a:accent5>
-        <a:srgbClr val="e10019"/>
+        <a:srgbClr val="E10019"/>
       </a:accent5>
       <a:accent6>
-        <a:srgbClr val="e10019"/>
+        <a:srgbClr val="E10019"/>
       </a:accent6>
       <a:hlink>
-        <a:srgbClr val="e10019"/>
+        <a:srgbClr val="E10019"/>
       </a:hlink>
       <a:folHlink>
-        <a:srgbClr val="e10019"/>
+        <a:srgbClr val="E10019"/>
       </a:folHlink>
     </a:clrScheme>
     <a:fontScheme name="Office">
@@ -8096,5 +8424,7 @@
       </a:bgFillStyleLst>
     </a:fmtScheme>
   </a:themeElements>
+  <a:objectDefaults/>
+  <a:extraClrSchemeLst/>
 </a:theme>
 </file>